--- a/teaching/expdes/old/lectures/week14.pptx
+++ b/teaching/expdes/old/lectures/week14.pptx
@@ -5,25 +5,28 @@
     <p:sldMasterId id="2147483648" r:id="rId1"/>
   </p:sldMasterIdLst>
   <p:notesMasterIdLst>
-    <p:notesMasterId r:id="rId18"/>
+    <p:notesMasterId r:id="rId21"/>
   </p:notesMasterIdLst>
   <p:sldIdLst>
     <p:sldId id="256" r:id="rId2"/>
     <p:sldId id="293" r:id="rId3"/>
-    <p:sldId id="278" r:id="rId4"/>
-    <p:sldId id="284" r:id="rId5"/>
-    <p:sldId id="259" r:id="rId6"/>
-    <p:sldId id="277" r:id="rId7"/>
-    <p:sldId id="279" r:id="rId8"/>
-    <p:sldId id="280" r:id="rId9"/>
-    <p:sldId id="281" r:id="rId10"/>
-    <p:sldId id="282" r:id="rId11"/>
-    <p:sldId id="285" r:id="rId12"/>
-    <p:sldId id="286" r:id="rId13"/>
-    <p:sldId id="289" r:id="rId14"/>
-    <p:sldId id="290" r:id="rId15"/>
-    <p:sldId id="287" r:id="rId16"/>
-    <p:sldId id="292" r:id="rId17"/>
+    <p:sldId id="294" r:id="rId4"/>
+    <p:sldId id="295" r:id="rId5"/>
+    <p:sldId id="296" r:id="rId6"/>
+    <p:sldId id="278" r:id="rId7"/>
+    <p:sldId id="284" r:id="rId8"/>
+    <p:sldId id="259" r:id="rId9"/>
+    <p:sldId id="277" r:id="rId10"/>
+    <p:sldId id="279" r:id="rId11"/>
+    <p:sldId id="280" r:id="rId12"/>
+    <p:sldId id="281" r:id="rId13"/>
+    <p:sldId id="282" r:id="rId14"/>
+    <p:sldId id="285" r:id="rId15"/>
+    <p:sldId id="286" r:id="rId16"/>
+    <p:sldId id="289" r:id="rId17"/>
+    <p:sldId id="290" r:id="rId18"/>
+    <p:sldId id="287" r:id="rId19"/>
+    <p:sldId id="292" r:id="rId20"/>
   </p:sldIdLst>
   <p:sldSz cx="12192000" cy="6858000"/>
   <p:notesSz cx="6858000" cy="9144000"/>
@@ -212,7 +215,7 @@
           <a:p>
             <a:fld id="{89954960-2FD2-2C48-A350-FA80853967F8}" type="datetimeFigureOut">
               <a:rPr lang="en-US" smtClean="0"/>
-              <a:t>4/20/21</a:t>
+              <a:t>11/28/22</a:t>
             </a:fld>
             <a:endParaRPr lang="en-US"/>
           </a:p>
@@ -608,7 +611,7 @@
           <a:p>
             <a:fld id="{2B908699-CE29-634D-83B5-1061B2BD35A6}" type="datetimeFigureOut">
               <a:rPr lang="en-US" smtClean="0"/>
-              <a:t>4/20/21</a:t>
+              <a:t>11/28/22</a:t>
             </a:fld>
             <a:endParaRPr lang="en-US"/>
           </a:p>
@@ -776,7 +779,7 @@
           <a:p>
             <a:fld id="{2B908699-CE29-634D-83B5-1061B2BD35A6}" type="datetimeFigureOut">
               <a:rPr lang="en-US" smtClean="0"/>
-              <a:t>4/20/21</a:t>
+              <a:t>11/28/22</a:t>
             </a:fld>
             <a:endParaRPr lang="en-US"/>
           </a:p>
@@ -954,7 +957,7 @@
           <a:p>
             <a:fld id="{2B908699-CE29-634D-83B5-1061B2BD35A6}" type="datetimeFigureOut">
               <a:rPr lang="en-US" smtClean="0"/>
-              <a:t>4/20/21</a:t>
+              <a:t>11/28/22</a:t>
             </a:fld>
             <a:endParaRPr lang="en-US"/>
           </a:p>
@@ -1122,7 +1125,7 @@
           <a:p>
             <a:fld id="{2B908699-CE29-634D-83B5-1061B2BD35A6}" type="datetimeFigureOut">
               <a:rPr lang="en-US" smtClean="0"/>
-              <a:t>4/20/21</a:t>
+              <a:t>11/28/22</a:t>
             </a:fld>
             <a:endParaRPr lang="en-US"/>
           </a:p>
@@ -1367,7 +1370,7 @@
           <a:p>
             <a:fld id="{2B908699-CE29-634D-83B5-1061B2BD35A6}" type="datetimeFigureOut">
               <a:rPr lang="en-US" smtClean="0"/>
-              <a:t>4/20/21</a:t>
+              <a:t>11/28/22</a:t>
             </a:fld>
             <a:endParaRPr lang="en-US"/>
           </a:p>
@@ -1596,7 +1599,7 @@
           <a:p>
             <a:fld id="{2B908699-CE29-634D-83B5-1061B2BD35A6}" type="datetimeFigureOut">
               <a:rPr lang="en-US" smtClean="0"/>
-              <a:t>4/20/21</a:t>
+              <a:t>11/28/22</a:t>
             </a:fld>
             <a:endParaRPr lang="en-US"/>
           </a:p>
@@ -1960,7 +1963,7 @@
           <a:p>
             <a:fld id="{2B908699-CE29-634D-83B5-1061B2BD35A6}" type="datetimeFigureOut">
               <a:rPr lang="en-US" smtClean="0"/>
-              <a:t>4/20/21</a:t>
+              <a:t>11/28/22</a:t>
             </a:fld>
             <a:endParaRPr lang="en-US"/>
           </a:p>
@@ -2077,7 +2080,7 @@
           <a:p>
             <a:fld id="{2B908699-CE29-634D-83B5-1061B2BD35A6}" type="datetimeFigureOut">
               <a:rPr lang="en-US" smtClean="0"/>
-              <a:t>4/20/21</a:t>
+              <a:t>11/28/22</a:t>
             </a:fld>
             <a:endParaRPr lang="en-US"/>
           </a:p>
@@ -2172,7 +2175,7 @@
           <a:p>
             <a:fld id="{2B908699-CE29-634D-83B5-1061B2BD35A6}" type="datetimeFigureOut">
               <a:rPr lang="en-US" smtClean="0"/>
-              <a:t>4/20/21</a:t>
+              <a:t>11/28/22</a:t>
             </a:fld>
             <a:endParaRPr lang="en-US"/>
           </a:p>
@@ -2447,7 +2450,7 @@
           <a:p>
             <a:fld id="{2B908699-CE29-634D-83B5-1061B2BD35A6}" type="datetimeFigureOut">
               <a:rPr lang="en-US" smtClean="0"/>
-              <a:t>4/20/21</a:t>
+              <a:t>11/28/22</a:t>
             </a:fld>
             <a:endParaRPr lang="en-US"/>
           </a:p>
@@ -2699,7 +2702,7 @@
           <a:p>
             <a:fld id="{2B908699-CE29-634D-83B5-1061B2BD35A6}" type="datetimeFigureOut">
               <a:rPr lang="en-US" smtClean="0"/>
-              <a:t>4/20/21</a:t>
+              <a:t>11/28/22</a:t>
             </a:fld>
             <a:endParaRPr lang="en-US"/>
           </a:p>
@@ -2910,7 +2913,7 @@
           <a:p>
             <a:fld id="{2B908699-CE29-634D-83B5-1061B2BD35A6}" type="datetimeFigureOut">
               <a:rPr lang="en-US" smtClean="0"/>
-              <a:t>4/20/21</a:t>
+              <a:t>11/28/22</a:t>
             </a:fld>
             <a:endParaRPr lang="en-US"/>
           </a:p>
@@ -3337,8 +3340,8 @@
         </p:nvSpPr>
         <p:spPr>
           <a:xfrm>
-            <a:off x="892885" y="1122363"/>
-            <a:ext cx="10499463" cy="4277976"/>
+            <a:off x="156284" y="188499"/>
+            <a:ext cx="10499463" cy="5958301"/>
           </a:xfrm>
         </p:spPr>
         <p:txBody>
@@ -3375,11 +3378,24 @@
             </a:br>
             <a:r>
               <a:rPr lang="en-US" sz="4900" dirty="0"/>
-              <a:t>Principal component analysis  </a:t>
+              <a:t>Principal component analysis</a:t>
             </a:r>
             <a:br>
               <a:rPr lang="en-US" sz="4900" dirty="0"/>
             </a:br>
+            <a:br>
+              <a:rPr lang="en-US" sz="4900" dirty="0"/>
+            </a:br>
+            <a:r>
+              <a:rPr lang="en-US" sz="4900" dirty="0"/>
+              <a:t>Corrections for multiple tests  </a:t>
+            </a:r>
+            <a:br>
+              <a:rPr lang="en-US" sz="4900" dirty="0"/>
+            </a:br>
+            <a:br>
+              <a:rPr lang="en-US" sz="4900" dirty="0"/>
+            </a:br>
             <a:r>
               <a:rPr lang="en-US" sz="4000" dirty="0"/>
               <a:t>Biology 683</a:t>
@@ -3387,13 +3403,6 @@
             <a:br>
               <a:rPr lang="en-US" sz="4000" dirty="0"/>
             </a:br>
-            <a:br>
-              <a:rPr lang="en-US" sz="4000" dirty="0"/>
-            </a:br>
-            <a:r>
-              <a:rPr lang="en-US" sz="4000" dirty="0"/>
-              <a:t>Lecture 9</a:t>
-            </a:r>
             <a:br>
               <a:rPr lang="en-US" sz="4000" dirty="0"/>
             </a:br>
@@ -3432,8 +3441,8 @@
         </p:blipFill>
         <p:spPr>
           <a:xfrm>
-            <a:off x="7886699" y="1993062"/>
-            <a:ext cx="3977135" cy="3407277"/>
+            <a:off x="7042260" y="1345362"/>
+            <a:ext cx="4993456" cy="4277976"/>
           </a:xfrm>
           <a:prstGeom prst="rect">
             <a:avLst/>
@@ -3510,2828 +3519,6 @@
                   <a:schemeClr val="bg1"/>
                 </a:solidFill>
               </a:rPr>
-              <a:t>How do people use PCA</a:t>
-            </a:r>
-          </a:p>
-        </p:txBody>
-      </p:sp>
-      <p:sp>
-        <p:nvSpPr>
-          <p:cNvPr id="29" name="TextBox 28"/>
-          <p:cNvSpPr txBox="1"/>
-          <p:nvPr/>
-        </p:nvSpPr>
-        <p:spPr>
-          <a:xfrm>
-            <a:off x="413657" y="1784731"/>
-            <a:ext cx="4463143" cy="2585323"/>
-          </a:xfrm>
-          <a:prstGeom prst="rect">
-            <a:avLst/>
-          </a:prstGeom>
-          <a:noFill/>
-        </p:spPr>
-        <p:txBody>
-          <a:bodyPr wrap="square" rtlCol="0">
-            <a:spAutoFit/>
-          </a:bodyPr>
-          <a:lstStyle/>
-          <a:p>
-            <a:r>
-              <a:rPr lang="en-US" dirty="0"/>
-              <a:t>Input data: 500,000 SNP genotypes for 3000 Europeans.</a:t>
-            </a:r>
-          </a:p>
-          <a:p>
-            <a:endParaRPr lang="en-US" dirty="0"/>
-          </a:p>
-          <a:p>
-            <a:r>
-              <a:rPr lang="en-US" dirty="0"/>
-              <a:t>3000 rows</a:t>
-            </a:r>
-          </a:p>
-          <a:p>
-            <a:r>
-              <a:rPr lang="en-US" dirty="0"/>
-              <a:t>500,000 columns</a:t>
-            </a:r>
-          </a:p>
-          <a:p>
-            <a:endParaRPr lang="en-US" dirty="0"/>
-          </a:p>
-          <a:p>
-            <a:endParaRPr lang="en-US" dirty="0"/>
-          </a:p>
-          <a:p>
-            <a:endParaRPr lang="en-US" dirty="0"/>
-          </a:p>
-          <a:p>
-            <a:r>
-              <a:rPr lang="en-US" dirty="0"/>
-              <a:t>What are PC1 and PC2?</a:t>
-            </a:r>
-          </a:p>
-        </p:txBody>
-      </p:sp>
-      <p:pic>
-        <p:nvPicPr>
-          <p:cNvPr id="30" name="Picture 29"/>
-          <p:cNvPicPr>
-            <a:picLocks noChangeAspect="1"/>
-          </p:cNvPicPr>
-          <p:nvPr/>
-        </p:nvPicPr>
-        <p:blipFill>
-          <a:blip r:embed="rId2">
-            <a:extLst>
-              <a:ext uri="{28A0092B-C50C-407E-A947-70E740481C1C}">
-                <a14:useLocalDpi xmlns:a14="http://schemas.microsoft.com/office/drawing/2010/main" val="0"/>
-              </a:ext>
-            </a:extLst>
-          </a:blip>
-          <a:stretch>
-            <a:fillRect/>
-          </a:stretch>
-        </p:blipFill>
-        <p:spPr>
-          <a:xfrm>
-            <a:off x="5189695" y="1371074"/>
-            <a:ext cx="6552361" cy="4858792"/>
-          </a:xfrm>
-          <a:prstGeom prst="rect">
-            <a:avLst/>
-          </a:prstGeom>
-        </p:spPr>
-      </p:pic>
-    </p:spTree>
-    <p:extLst>
-      <p:ext uri="{BB962C8B-B14F-4D97-AF65-F5344CB8AC3E}">
-        <p14:creationId xmlns:p14="http://schemas.microsoft.com/office/powerpoint/2010/main" val="474782727"/>
-      </p:ext>
-    </p:extLst>
-  </p:cSld>
-  <p:clrMapOvr>
-    <a:masterClrMapping/>
-  </p:clrMapOvr>
-  <p:timing>
-    <p:tnLst>
-      <p:par>
-        <p:cTn id="1" dur="indefinite" restart="never" nodeType="tmRoot">
-          <p:childTnLst>
-            <p:seq concurrent="1" nextAc="seek">
-              <p:cTn id="2" dur="indefinite" nodeType="mainSeq">
-                <p:childTnLst>
-                  <p:par>
-                    <p:cTn id="3" fill="hold">
-                      <p:stCondLst>
-                        <p:cond delay="indefinite"/>
-                      </p:stCondLst>
-                      <p:childTnLst>
-                        <p:par>
-                          <p:cTn id="4" fill="hold">
-                            <p:stCondLst>
-                              <p:cond delay="0"/>
-                            </p:stCondLst>
-                            <p:childTnLst>
-                              <p:par>
-                                <p:cTn id="5" presetID="1" presetClass="entr" presetSubtype="0" fill="hold" nodeType="clickEffect">
-                                  <p:stCondLst>
-                                    <p:cond delay="0"/>
-                                  </p:stCondLst>
-                                  <p:childTnLst>
-                                    <p:set>
-                                      <p:cBhvr>
-                                        <p:cTn id="6" dur="1" fill="hold">
-                                          <p:stCondLst>
-                                            <p:cond delay="0"/>
-                                          </p:stCondLst>
-                                        </p:cTn>
-                                        <p:tgtEl>
-                                          <p:spTgt spid="29">
-                                            <p:txEl>
-                                              <p:pRg st="7" end="7"/>
-                                            </p:txEl>
-                                          </p:spTgt>
-                                        </p:tgtEl>
-                                        <p:attrNameLst>
-                                          <p:attrName>style.visibility</p:attrName>
-                                        </p:attrNameLst>
-                                      </p:cBhvr>
-                                      <p:to>
-                                        <p:strVal val="visible"/>
-                                      </p:to>
-                                    </p:set>
-                                  </p:childTnLst>
-                                </p:cTn>
-                              </p:par>
-                            </p:childTnLst>
-                          </p:cTn>
-                        </p:par>
-                      </p:childTnLst>
-                    </p:cTn>
-                  </p:par>
-                </p:childTnLst>
-              </p:cTn>
-              <p:prevCondLst>
-                <p:cond evt="onPrev" delay="0">
-                  <p:tgtEl>
-                    <p:sldTgt/>
-                  </p:tgtEl>
-                </p:cond>
-              </p:prevCondLst>
-              <p:nextCondLst>
-                <p:cond evt="onNext" delay="0">
-                  <p:tgtEl>
-                    <p:sldTgt/>
-                  </p:tgtEl>
-                </p:cond>
-              </p:nextCondLst>
-            </p:seq>
-          </p:childTnLst>
-        </p:cTn>
-      </p:par>
-    </p:tnLst>
-  </p:timing>
-</p:sld>
-</file>
-
-<file path=ppt/slides/slide11.xml><?xml version="1.0" encoding="utf-8"?>
-<p:sld xmlns:a="http://schemas.openxmlformats.org/drawingml/2006/main" xmlns:r="http://schemas.openxmlformats.org/officeDocument/2006/relationships" xmlns:p="http://schemas.openxmlformats.org/presentationml/2006/main">
-  <p:cSld>
-    <p:bg>
-      <p:bgPr>
-        <a:solidFill>
-          <a:schemeClr val="bg1">
-            <a:lumMod val="95000"/>
-          </a:schemeClr>
-        </a:solidFill>
-        <a:effectLst/>
-      </p:bgPr>
-    </p:bg>
-    <p:spTree>
-      <p:nvGrpSpPr>
-        <p:cNvPr id="1" name=""/>
-        <p:cNvGrpSpPr/>
-        <p:nvPr/>
-      </p:nvGrpSpPr>
-      <p:grpSpPr>
-        <a:xfrm>
-          <a:off x="0" y="0"/>
-          <a:ext cx="0" cy="0"/>
-          <a:chOff x="0" y="0"/>
-          <a:chExt cx="0" cy="0"/>
-        </a:xfrm>
-      </p:grpSpPr>
-      <p:sp>
-        <p:nvSpPr>
-          <p:cNvPr id="2" name="Title 1"/>
-          <p:cNvSpPr>
-            <a:spLocks noGrp="1"/>
-          </p:cNvSpPr>
-          <p:nvPr>
-            <p:ph type="title"/>
-          </p:nvPr>
-        </p:nvSpPr>
-        <p:spPr>
-          <a:xfrm>
-            <a:off x="0" y="0"/>
-            <a:ext cx="12192000" cy="935915"/>
-          </a:xfrm>
-          <a:solidFill>
-            <a:schemeClr val="tx1"/>
-          </a:solidFill>
-        </p:spPr>
-        <p:txBody>
-          <a:bodyPr/>
-          <a:lstStyle/>
-          <a:p>
-            <a:pPr algn="ctr"/>
-            <a:r>
-              <a:rPr lang="en-US" b="1" dirty="0">
-                <a:solidFill>
-                  <a:schemeClr val="bg1"/>
-                </a:solidFill>
-              </a:rPr>
-              <a:t>How do people use PCA</a:t>
-            </a:r>
-          </a:p>
-        </p:txBody>
-      </p:sp>
-      <p:sp>
-        <p:nvSpPr>
-          <p:cNvPr id="29" name="TextBox 28"/>
-          <p:cNvSpPr txBox="1"/>
-          <p:nvPr/>
-        </p:nvSpPr>
-        <p:spPr>
-          <a:xfrm>
-            <a:off x="413657" y="1784731"/>
-            <a:ext cx="4463143" cy="2308324"/>
-          </a:xfrm>
-          <a:prstGeom prst="rect">
-            <a:avLst/>
-          </a:prstGeom>
-          <a:noFill/>
-        </p:spPr>
-        <p:txBody>
-          <a:bodyPr wrap="square" rtlCol="0">
-            <a:spAutoFit/>
-          </a:bodyPr>
-          <a:lstStyle/>
-          <a:p>
-            <a:r>
-              <a:rPr lang="en-US" dirty="0"/>
-              <a:t>Input data: </a:t>
-            </a:r>
-          </a:p>
-          <a:p>
-            <a:r>
-              <a:rPr lang="en-US" dirty="0"/>
-              <a:t>Expression level for 1000s of genes</a:t>
-            </a:r>
-          </a:p>
-          <a:p>
-            <a:r>
-              <a:rPr lang="en-US" dirty="0"/>
-              <a:t>In 100s of cells (color indicates type of cell)</a:t>
-            </a:r>
-          </a:p>
-          <a:p>
-            <a:endParaRPr lang="en-US" dirty="0"/>
-          </a:p>
-          <a:p>
-            <a:endParaRPr lang="en-US" dirty="0"/>
-          </a:p>
-          <a:p>
-            <a:endParaRPr lang="en-US" dirty="0"/>
-          </a:p>
-          <a:p>
-            <a:r>
-              <a:rPr lang="en-US" dirty="0"/>
-              <a:t>What are the PCs here?</a:t>
-            </a:r>
-          </a:p>
-          <a:p>
-            <a:endParaRPr lang="en-US" dirty="0"/>
-          </a:p>
-        </p:txBody>
-      </p:sp>
-      <p:pic>
-        <p:nvPicPr>
-          <p:cNvPr id="4" name="Picture 3"/>
-          <p:cNvPicPr>
-            <a:picLocks noChangeAspect="1"/>
-          </p:cNvPicPr>
-          <p:nvPr/>
-        </p:nvPicPr>
-        <p:blipFill>
-          <a:blip r:embed="rId2">
-            <a:extLst>
-              <a:ext uri="{28A0092B-C50C-407E-A947-70E740481C1C}">
-                <a14:useLocalDpi xmlns:a14="http://schemas.microsoft.com/office/drawing/2010/main" val="0"/>
-              </a:ext>
-            </a:extLst>
-          </a:blip>
-          <a:stretch>
-            <a:fillRect/>
-          </a:stretch>
-        </p:blipFill>
-        <p:spPr>
-          <a:xfrm>
-            <a:off x="5747657" y="1110083"/>
-            <a:ext cx="5856514" cy="5592877"/>
-          </a:xfrm>
-          <a:prstGeom prst="rect">
-            <a:avLst/>
-          </a:prstGeom>
-        </p:spPr>
-      </p:pic>
-    </p:spTree>
-    <p:extLst>
-      <p:ext uri="{BB962C8B-B14F-4D97-AF65-F5344CB8AC3E}">
-        <p14:creationId xmlns:p14="http://schemas.microsoft.com/office/powerpoint/2010/main" val="1040302226"/>
-      </p:ext>
-    </p:extLst>
-  </p:cSld>
-  <p:clrMapOvr>
-    <a:masterClrMapping/>
-  </p:clrMapOvr>
-  <p:timing>
-    <p:tnLst>
-      <p:par>
-        <p:cTn id="1" dur="indefinite" restart="never" nodeType="tmRoot">
-          <p:childTnLst>
-            <p:seq concurrent="1" nextAc="seek">
-              <p:cTn id="2" dur="indefinite" nodeType="mainSeq">
-                <p:childTnLst>
-                  <p:par>
-                    <p:cTn id="3" fill="hold">
-                      <p:stCondLst>
-                        <p:cond delay="indefinite"/>
-                      </p:stCondLst>
-                      <p:childTnLst>
-                        <p:par>
-                          <p:cTn id="4" fill="hold">
-                            <p:stCondLst>
-                              <p:cond delay="0"/>
-                            </p:stCondLst>
-                            <p:childTnLst>
-                              <p:par>
-                                <p:cTn id="5" presetID="1" presetClass="entr" presetSubtype="0" fill="hold" nodeType="clickEffect">
-                                  <p:stCondLst>
-                                    <p:cond delay="0"/>
-                                  </p:stCondLst>
-                                  <p:childTnLst>
-                                    <p:set>
-                                      <p:cBhvr>
-                                        <p:cTn id="6" dur="1" fill="hold">
-                                          <p:stCondLst>
-                                            <p:cond delay="0"/>
-                                          </p:stCondLst>
-                                        </p:cTn>
-                                        <p:tgtEl>
-                                          <p:spTgt spid="29">
-                                            <p:txEl>
-                                              <p:pRg st="6" end="6"/>
-                                            </p:txEl>
-                                          </p:spTgt>
-                                        </p:tgtEl>
-                                        <p:attrNameLst>
-                                          <p:attrName>style.visibility</p:attrName>
-                                        </p:attrNameLst>
-                                      </p:cBhvr>
-                                      <p:to>
-                                        <p:strVal val="visible"/>
-                                      </p:to>
-                                    </p:set>
-                                  </p:childTnLst>
-                                </p:cTn>
-                              </p:par>
-                            </p:childTnLst>
-                          </p:cTn>
-                        </p:par>
-                      </p:childTnLst>
-                    </p:cTn>
-                  </p:par>
-                </p:childTnLst>
-              </p:cTn>
-              <p:prevCondLst>
-                <p:cond evt="onPrev" delay="0">
-                  <p:tgtEl>
-                    <p:sldTgt/>
-                  </p:tgtEl>
-                </p:cond>
-              </p:prevCondLst>
-              <p:nextCondLst>
-                <p:cond evt="onNext" delay="0">
-                  <p:tgtEl>
-                    <p:sldTgt/>
-                  </p:tgtEl>
-                </p:cond>
-              </p:nextCondLst>
-            </p:seq>
-          </p:childTnLst>
-        </p:cTn>
-      </p:par>
-    </p:tnLst>
-  </p:timing>
-</p:sld>
-</file>
-
-<file path=ppt/slides/slide12.xml><?xml version="1.0" encoding="utf-8"?>
-<p:sld xmlns:a="http://schemas.openxmlformats.org/drawingml/2006/main" xmlns:r="http://schemas.openxmlformats.org/officeDocument/2006/relationships" xmlns:p="http://schemas.openxmlformats.org/presentationml/2006/main">
-  <p:cSld>
-    <p:bg>
-      <p:bgPr>
-        <a:solidFill>
-          <a:schemeClr val="bg1">
-            <a:lumMod val="95000"/>
-          </a:schemeClr>
-        </a:solidFill>
-        <a:effectLst/>
-      </p:bgPr>
-    </p:bg>
-    <p:spTree>
-      <p:nvGrpSpPr>
-        <p:cNvPr id="1" name=""/>
-        <p:cNvGrpSpPr/>
-        <p:nvPr/>
-      </p:nvGrpSpPr>
-      <p:grpSpPr>
-        <a:xfrm>
-          <a:off x="0" y="0"/>
-          <a:ext cx="0" cy="0"/>
-          <a:chOff x="0" y="0"/>
-          <a:chExt cx="0" cy="0"/>
-        </a:xfrm>
-      </p:grpSpPr>
-      <p:sp>
-        <p:nvSpPr>
-          <p:cNvPr id="2" name="Title 1"/>
-          <p:cNvSpPr>
-            <a:spLocks noGrp="1"/>
-          </p:cNvSpPr>
-          <p:nvPr>
-            <p:ph type="title"/>
-          </p:nvPr>
-        </p:nvSpPr>
-        <p:spPr>
-          <a:xfrm>
-            <a:off x="0" y="0"/>
-            <a:ext cx="12192000" cy="935915"/>
-          </a:xfrm>
-          <a:solidFill>
-            <a:schemeClr val="tx1"/>
-          </a:solidFill>
-        </p:spPr>
-        <p:txBody>
-          <a:bodyPr/>
-          <a:lstStyle/>
-          <a:p>
-            <a:pPr algn="ctr"/>
-            <a:r>
-              <a:rPr lang="en-US" b="1" dirty="0">
-                <a:solidFill>
-                  <a:schemeClr val="bg1"/>
-                </a:solidFill>
-              </a:rPr>
-              <a:t>How do people use PCA</a:t>
-            </a:r>
-          </a:p>
-        </p:txBody>
-      </p:sp>
-      <p:sp>
-        <p:nvSpPr>
-          <p:cNvPr id="29" name="TextBox 28"/>
-          <p:cNvSpPr txBox="1"/>
-          <p:nvPr/>
-        </p:nvSpPr>
-        <p:spPr>
-          <a:xfrm>
-            <a:off x="391885" y="1457274"/>
-            <a:ext cx="4310743" cy="1200329"/>
-          </a:xfrm>
-          <a:prstGeom prst="rect">
-            <a:avLst/>
-          </a:prstGeom>
-          <a:noFill/>
-        </p:spPr>
-        <p:txBody>
-          <a:bodyPr wrap="square" rtlCol="0">
-            <a:spAutoFit/>
-          </a:bodyPr>
-          <a:lstStyle/>
-          <a:p>
-            <a:r>
-              <a:rPr lang="en-US" dirty="0"/>
-              <a:t>Input data: </a:t>
-            </a:r>
-          </a:p>
-          <a:p>
-            <a:r>
-              <a:rPr lang="en-US" dirty="0" err="1"/>
-              <a:t>Radseq</a:t>
-            </a:r>
-            <a:r>
-              <a:rPr lang="en-US" dirty="0"/>
-              <a:t> data (genotypes at 100s of loci)</a:t>
-            </a:r>
-          </a:p>
-          <a:p>
-            <a:r>
-              <a:rPr lang="en-US" dirty="0"/>
-              <a:t>For a large number of species or strains</a:t>
-            </a:r>
-          </a:p>
-          <a:p>
-            <a:endParaRPr lang="en-US" dirty="0"/>
-          </a:p>
-        </p:txBody>
-      </p:sp>
-      <p:pic>
-        <p:nvPicPr>
-          <p:cNvPr id="6" name="Picture 5"/>
-          <p:cNvPicPr>
-            <a:picLocks noChangeAspect="1"/>
-          </p:cNvPicPr>
-          <p:nvPr/>
-        </p:nvPicPr>
-        <p:blipFill rotWithShape="1">
-          <a:blip r:embed="rId2">
-            <a:extLst>
-              <a:ext uri="{28A0092B-C50C-407E-A947-70E740481C1C}">
-                <a14:useLocalDpi xmlns:a14="http://schemas.microsoft.com/office/drawing/2010/main" val="0"/>
-              </a:ext>
-            </a:extLst>
-          </a:blip>
-          <a:srcRect l="14912" t="21795" b="6410"/>
-          <a:stretch/>
-        </p:blipFill>
-        <p:spPr>
-          <a:xfrm>
-            <a:off x="4702625" y="1313804"/>
-            <a:ext cx="7302953" cy="4216138"/>
-          </a:xfrm>
-          <a:prstGeom prst="rect">
-            <a:avLst/>
-          </a:prstGeom>
-        </p:spPr>
-      </p:pic>
-    </p:spTree>
-    <p:extLst>
-      <p:ext uri="{BB962C8B-B14F-4D97-AF65-F5344CB8AC3E}">
-        <p14:creationId xmlns:p14="http://schemas.microsoft.com/office/powerpoint/2010/main" val="1726702737"/>
-      </p:ext>
-    </p:extLst>
-  </p:cSld>
-  <p:clrMapOvr>
-    <a:masterClrMapping/>
-  </p:clrMapOvr>
-</p:sld>
-</file>
-
-<file path=ppt/slides/slide13.xml><?xml version="1.0" encoding="utf-8"?>
-<p:sld xmlns:a="http://schemas.openxmlformats.org/drawingml/2006/main" xmlns:r="http://schemas.openxmlformats.org/officeDocument/2006/relationships" xmlns:p="http://schemas.openxmlformats.org/presentationml/2006/main">
-  <p:cSld>
-    <p:bg>
-      <p:bgPr>
-        <a:solidFill>
-          <a:schemeClr val="bg1">
-            <a:lumMod val="95000"/>
-          </a:schemeClr>
-        </a:solidFill>
-        <a:effectLst/>
-      </p:bgPr>
-    </p:bg>
-    <p:spTree>
-      <p:nvGrpSpPr>
-        <p:cNvPr id="1" name=""/>
-        <p:cNvGrpSpPr/>
-        <p:nvPr/>
-      </p:nvGrpSpPr>
-      <p:grpSpPr>
-        <a:xfrm>
-          <a:off x="0" y="0"/>
-          <a:ext cx="0" cy="0"/>
-          <a:chOff x="0" y="0"/>
-          <a:chExt cx="0" cy="0"/>
-        </a:xfrm>
-      </p:grpSpPr>
-      <p:sp>
-        <p:nvSpPr>
-          <p:cNvPr id="2" name="Title 1"/>
-          <p:cNvSpPr>
-            <a:spLocks noGrp="1"/>
-          </p:cNvSpPr>
-          <p:nvPr>
-            <p:ph type="title"/>
-          </p:nvPr>
-        </p:nvSpPr>
-        <p:spPr>
-          <a:xfrm>
-            <a:off x="0" y="0"/>
-            <a:ext cx="12192000" cy="935915"/>
-          </a:xfrm>
-          <a:solidFill>
-            <a:schemeClr val="tx1"/>
-          </a:solidFill>
-        </p:spPr>
-        <p:txBody>
-          <a:bodyPr/>
-          <a:lstStyle/>
-          <a:p>
-            <a:pPr algn="ctr"/>
-            <a:r>
-              <a:rPr lang="en-US" b="1" dirty="0">
-                <a:solidFill>
-                  <a:schemeClr val="bg1"/>
-                </a:solidFill>
-              </a:rPr>
-              <a:t>How do people use PCA</a:t>
-            </a:r>
-          </a:p>
-        </p:txBody>
-      </p:sp>
-      <p:sp>
-        <p:nvSpPr>
-          <p:cNvPr id="29" name="TextBox 28"/>
-          <p:cNvSpPr txBox="1"/>
-          <p:nvPr/>
-        </p:nvSpPr>
-        <p:spPr>
-          <a:xfrm>
-            <a:off x="391885" y="1457274"/>
-            <a:ext cx="4310743" cy="923330"/>
-          </a:xfrm>
-          <a:prstGeom prst="rect">
-            <a:avLst/>
-          </a:prstGeom>
-          <a:noFill/>
-        </p:spPr>
-        <p:txBody>
-          <a:bodyPr wrap="square" rtlCol="0">
-            <a:spAutoFit/>
-          </a:bodyPr>
-          <a:lstStyle/>
-          <a:p>
-            <a:r>
-              <a:rPr lang="en-US" dirty="0"/>
-              <a:t>Input data: </a:t>
-            </a:r>
-          </a:p>
-          <a:p>
-            <a:r>
-              <a:rPr lang="en-US" dirty="0" err="1"/>
-              <a:t>Radseq</a:t>
-            </a:r>
-            <a:r>
-              <a:rPr lang="en-US" dirty="0"/>
-              <a:t> data (genotypes at 100s of loci)</a:t>
-            </a:r>
-          </a:p>
-          <a:p>
-            <a:r>
-              <a:rPr lang="en-US" dirty="0"/>
-              <a:t>For a large number of species or strains</a:t>
-            </a:r>
-          </a:p>
-        </p:txBody>
-      </p:sp>
-      <p:pic>
-        <p:nvPicPr>
-          <p:cNvPr id="4" name="Picture 3"/>
-          <p:cNvPicPr>
-            <a:picLocks noChangeAspect="1"/>
-          </p:cNvPicPr>
-          <p:nvPr/>
-        </p:nvPicPr>
-        <p:blipFill rotWithShape="1">
-          <a:blip r:embed="rId2">
-            <a:extLst>
-              <a:ext uri="{28A0092B-C50C-407E-A947-70E740481C1C}">
-                <a14:useLocalDpi xmlns:a14="http://schemas.microsoft.com/office/drawing/2010/main" val="0"/>
-              </a:ext>
-            </a:extLst>
-          </a:blip>
-          <a:srcRect l="14912" t="21795" b="6410"/>
-          <a:stretch/>
-        </p:blipFill>
-        <p:spPr>
-          <a:xfrm>
-            <a:off x="4702627" y="1313803"/>
-            <a:ext cx="7302955" cy="4216139"/>
-          </a:xfrm>
-          <a:prstGeom prst="rect">
-            <a:avLst/>
-          </a:prstGeom>
-        </p:spPr>
-      </p:pic>
-    </p:spTree>
-    <p:extLst>
-      <p:ext uri="{BB962C8B-B14F-4D97-AF65-F5344CB8AC3E}">
-        <p14:creationId xmlns:p14="http://schemas.microsoft.com/office/powerpoint/2010/main" val="1810970264"/>
-      </p:ext>
-    </p:extLst>
-  </p:cSld>
-  <p:clrMapOvr>
-    <a:masterClrMapping/>
-  </p:clrMapOvr>
-</p:sld>
-</file>
-
-<file path=ppt/slides/slide14.xml><?xml version="1.0" encoding="utf-8"?>
-<p:sld xmlns:a="http://schemas.openxmlformats.org/drawingml/2006/main" xmlns:r="http://schemas.openxmlformats.org/officeDocument/2006/relationships" xmlns:p="http://schemas.openxmlformats.org/presentationml/2006/main">
-  <p:cSld>
-    <p:bg>
-      <p:bgPr>
-        <a:solidFill>
-          <a:schemeClr val="bg1">
-            <a:lumMod val="95000"/>
-          </a:schemeClr>
-        </a:solidFill>
-        <a:effectLst/>
-      </p:bgPr>
-    </p:bg>
-    <p:spTree>
-      <p:nvGrpSpPr>
-        <p:cNvPr id="1" name=""/>
-        <p:cNvGrpSpPr/>
-        <p:nvPr/>
-      </p:nvGrpSpPr>
-      <p:grpSpPr>
-        <a:xfrm>
-          <a:off x="0" y="0"/>
-          <a:ext cx="0" cy="0"/>
-          <a:chOff x="0" y="0"/>
-          <a:chExt cx="0" cy="0"/>
-        </a:xfrm>
-      </p:grpSpPr>
-      <p:sp>
-        <p:nvSpPr>
-          <p:cNvPr id="2" name="Title 1"/>
-          <p:cNvSpPr>
-            <a:spLocks noGrp="1"/>
-          </p:cNvSpPr>
-          <p:nvPr>
-            <p:ph type="title"/>
-          </p:nvPr>
-        </p:nvSpPr>
-        <p:spPr>
-          <a:xfrm>
-            <a:off x="0" y="0"/>
-            <a:ext cx="12192000" cy="935915"/>
-          </a:xfrm>
-          <a:solidFill>
-            <a:schemeClr val="tx1"/>
-          </a:solidFill>
-        </p:spPr>
-        <p:txBody>
-          <a:bodyPr/>
-          <a:lstStyle/>
-          <a:p>
-            <a:pPr algn="ctr"/>
-            <a:r>
-              <a:rPr lang="en-US" b="1" dirty="0">
-                <a:solidFill>
-                  <a:schemeClr val="bg1"/>
-                </a:solidFill>
-              </a:rPr>
-              <a:t>How informative is your PCA</a:t>
-            </a:r>
-          </a:p>
-        </p:txBody>
-      </p:sp>
-      <p:sp>
-        <p:nvSpPr>
-          <p:cNvPr id="29" name="TextBox 28"/>
-          <p:cNvSpPr txBox="1"/>
-          <p:nvPr/>
-        </p:nvSpPr>
-        <p:spPr>
-          <a:xfrm>
-            <a:off x="217714" y="1317401"/>
-            <a:ext cx="5199743" cy="4031873"/>
-          </a:xfrm>
-          <a:prstGeom prst="rect">
-            <a:avLst/>
-          </a:prstGeom>
-          <a:noFill/>
-        </p:spPr>
-        <p:txBody>
-          <a:bodyPr wrap="square" rtlCol="0">
-            <a:spAutoFit/>
-          </a:bodyPr>
-          <a:lstStyle/>
-          <a:p>
-            <a:r>
-              <a:rPr lang="en-US" sz="3200" dirty="0"/>
-              <a:t>Scree Plot: A plot that illustrates the proportion of total variance that is captured by each principal component.</a:t>
-            </a:r>
-          </a:p>
-          <a:p>
-            <a:endParaRPr lang="en-US" sz="3200" dirty="0"/>
-          </a:p>
-          <a:p>
-            <a:r>
-              <a:rPr lang="en-US" sz="3200" dirty="0"/>
-              <a:t>Steep means you can greatly reduce dimensionality without losing information</a:t>
-            </a:r>
-          </a:p>
-        </p:txBody>
-      </p:sp>
-      <p:pic>
-        <p:nvPicPr>
-          <p:cNvPr id="3" name="Picture 2"/>
-          <p:cNvPicPr>
-            <a:picLocks noChangeAspect="1"/>
-          </p:cNvPicPr>
-          <p:nvPr/>
-        </p:nvPicPr>
-        <p:blipFill rotWithShape="1">
-          <a:blip r:embed="rId2">
-            <a:extLst>
-              <a:ext uri="{28A0092B-C50C-407E-A947-70E740481C1C}">
-                <a14:useLocalDpi xmlns:a14="http://schemas.microsoft.com/office/drawing/2010/main" val="0"/>
-              </a:ext>
-            </a:extLst>
-          </a:blip>
-          <a:srcRect t="4127" b="12381"/>
-          <a:stretch/>
-        </p:blipFill>
-        <p:spPr>
-          <a:xfrm>
-            <a:off x="5591628" y="1132115"/>
-            <a:ext cx="5533757" cy="5725885"/>
-          </a:xfrm>
-          <a:prstGeom prst="rect">
-            <a:avLst/>
-          </a:prstGeom>
-        </p:spPr>
-      </p:pic>
-    </p:spTree>
-    <p:extLst>
-      <p:ext uri="{BB962C8B-B14F-4D97-AF65-F5344CB8AC3E}">
-        <p14:creationId xmlns:p14="http://schemas.microsoft.com/office/powerpoint/2010/main" val="629655006"/>
-      </p:ext>
-    </p:extLst>
-  </p:cSld>
-  <p:clrMapOvr>
-    <a:masterClrMapping/>
-  </p:clrMapOvr>
-</p:sld>
-</file>
-
-<file path=ppt/slides/slide15.xml><?xml version="1.0" encoding="utf-8"?>
-<p:sld xmlns:a="http://schemas.openxmlformats.org/drawingml/2006/main" xmlns:r="http://schemas.openxmlformats.org/officeDocument/2006/relationships" xmlns:p="http://schemas.openxmlformats.org/presentationml/2006/main">
-  <p:cSld>
-    <p:spTree>
-      <p:nvGrpSpPr>
-        <p:cNvPr id="1" name=""/>
-        <p:cNvGrpSpPr/>
-        <p:nvPr/>
-      </p:nvGrpSpPr>
-      <p:grpSpPr>
-        <a:xfrm>
-          <a:off x="0" y="0"/>
-          <a:ext cx="0" cy="0"/>
-          <a:chOff x="0" y="0"/>
-          <a:chExt cx="0" cy="0"/>
-        </a:xfrm>
-      </p:grpSpPr>
-      <p:sp>
-        <p:nvSpPr>
-          <p:cNvPr id="2" name="Title 1"/>
-          <p:cNvSpPr>
-            <a:spLocks noGrp="1"/>
-          </p:cNvSpPr>
-          <p:nvPr>
-            <p:ph type="title"/>
-          </p:nvPr>
-        </p:nvSpPr>
-        <p:spPr>
-          <a:xfrm>
-            <a:off x="0" y="0"/>
-            <a:ext cx="12192000" cy="935915"/>
-          </a:xfrm>
-          <a:solidFill>
-            <a:schemeClr val="tx1"/>
-          </a:solidFill>
-        </p:spPr>
-        <p:txBody>
-          <a:bodyPr/>
-          <a:lstStyle/>
-          <a:p>
-            <a:pPr algn="ctr"/>
-            <a:r>
-              <a:rPr lang="en-US" b="1" dirty="0">
-                <a:solidFill>
-                  <a:schemeClr val="bg1"/>
-                </a:solidFill>
-              </a:rPr>
-              <a:t>Alternatives</a:t>
-            </a:r>
-          </a:p>
-        </p:txBody>
-      </p:sp>
-      <p:sp>
-        <p:nvSpPr>
-          <p:cNvPr id="29" name="TextBox 28"/>
-          <p:cNvSpPr txBox="1"/>
-          <p:nvPr/>
-        </p:nvSpPr>
-        <p:spPr>
-          <a:xfrm>
-            <a:off x="413657" y="1784731"/>
-            <a:ext cx="11190514" cy="1938992"/>
-          </a:xfrm>
-          <a:prstGeom prst="rect">
-            <a:avLst/>
-          </a:prstGeom>
-          <a:noFill/>
-        </p:spPr>
-        <p:txBody>
-          <a:bodyPr wrap="square" rtlCol="0">
-            <a:spAutoFit/>
-          </a:bodyPr>
-          <a:lstStyle/>
-          <a:p>
-            <a:r>
-              <a:rPr lang="en-US" sz="2400" b="1" dirty="0"/>
-              <a:t>Discriminate function analysis</a:t>
-            </a:r>
-            <a:r>
-              <a:rPr lang="en-US" sz="2400" dirty="0"/>
-              <a:t>: This is similar to PCA but you assign groupings to the data first and the discriminating components best parse your assigned groups from one another.</a:t>
-            </a:r>
-          </a:p>
-          <a:p>
-            <a:endParaRPr lang="en-US" sz="2400" dirty="0"/>
-          </a:p>
-          <a:p>
-            <a:endParaRPr lang="en-US" sz="2400" dirty="0"/>
-          </a:p>
-        </p:txBody>
-      </p:sp>
-    </p:spTree>
-    <p:extLst>
-      <p:ext uri="{BB962C8B-B14F-4D97-AF65-F5344CB8AC3E}">
-        <p14:creationId xmlns:p14="http://schemas.microsoft.com/office/powerpoint/2010/main" val="3005713011"/>
-      </p:ext>
-    </p:extLst>
-  </p:cSld>
-  <p:clrMapOvr>
-    <a:masterClrMapping/>
-  </p:clrMapOvr>
-</p:sld>
-</file>
-
-<file path=ppt/slides/slide16.xml><?xml version="1.0" encoding="utf-8"?>
-<p:sld xmlns:a="http://schemas.openxmlformats.org/drawingml/2006/main" xmlns:r="http://schemas.openxmlformats.org/officeDocument/2006/relationships" xmlns:p="http://schemas.openxmlformats.org/presentationml/2006/main">
-  <p:cSld>
-    <p:bg>
-      <p:bgPr>
-        <a:solidFill>
-          <a:schemeClr val="bg1">
-            <a:lumMod val="95000"/>
-          </a:schemeClr>
-        </a:solidFill>
-        <a:effectLst/>
-      </p:bgPr>
-    </p:bg>
-    <p:spTree>
-      <p:nvGrpSpPr>
-        <p:cNvPr id="1" name=""/>
-        <p:cNvGrpSpPr/>
-        <p:nvPr/>
-      </p:nvGrpSpPr>
-      <p:grpSpPr>
-        <a:xfrm>
-          <a:off x="0" y="0"/>
-          <a:ext cx="0" cy="0"/>
-          <a:chOff x="0" y="0"/>
-          <a:chExt cx="0" cy="0"/>
-        </a:xfrm>
-      </p:grpSpPr>
-      <p:sp>
-        <p:nvSpPr>
-          <p:cNvPr id="2" name="Title 1"/>
-          <p:cNvSpPr>
-            <a:spLocks noGrp="1"/>
-          </p:cNvSpPr>
-          <p:nvPr>
-            <p:ph type="title"/>
-          </p:nvPr>
-        </p:nvSpPr>
-        <p:spPr>
-          <a:xfrm>
-            <a:off x="0" y="0"/>
-            <a:ext cx="12192000" cy="935915"/>
-          </a:xfrm>
-          <a:solidFill>
-            <a:schemeClr val="tx1"/>
-          </a:solidFill>
-        </p:spPr>
-        <p:txBody>
-          <a:bodyPr>
-            <a:normAutofit fontScale="90000"/>
-          </a:bodyPr>
-          <a:lstStyle/>
-          <a:p>
-            <a:pPr algn="ctr"/>
-            <a:r>
-              <a:rPr lang="en-US" sz="4000" b="1" dirty="0">
-                <a:solidFill>
-                  <a:schemeClr val="bg1"/>
-                </a:solidFill>
-              </a:rPr>
-              <a:t>An example of useful and less useful dimensional reduction</a:t>
-            </a:r>
-            <a:endParaRPr lang="en-US" b="1" dirty="0">
-              <a:solidFill>
-                <a:schemeClr val="bg1"/>
-              </a:solidFill>
-            </a:endParaRPr>
-          </a:p>
-        </p:txBody>
-      </p:sp>
-      <p:sp>
-        <p:nvSpPr>
-          <p:cNvPr id="3" name="TextBox 2">
-            <a:extLst>
-              <a:ext uri="{FF2B5EF4-FFF2-40B4-BE49-F238E27FC236}">
-                <a16:creationId xmlns:a16="http://schemas.microsoft.com/office/drawing/2014/main" id="{C6DB565C-D571-DC4C-AEBB-42C41B7C6351}"/>
-              </a:ext>
-            </a:extLst>
-          </p:cNvPr>
-          <p:cNvSpPr txBox="1"/>
-          <p:nvPr/>
-        </p:nvSpPr>
-        <p:spPr>
-          <a:xfrm>
-            <a:off x="445477" y="1219200"/>
-            <a:ext cx="9841861" cy="4031873"/>
-          </a:xfrm>
-          <a:prstGeom prst="rect">
-            <a:avLst/>
-          </a:prstGeom>
-          <a:noFill/>
-        </p:spPr>
-        <p:txBody>
-          <a:bodyPr wrap="none" rtlCol="0">
-            <a:spAutoFit/>
-          </a:bodyPr>
-          <a:lstStyle/>
-          <a:p>
-            <a:r>
-              <a:rPr lang="en-US" sz="4400" b="1" dirty="0"/>
-              <a:t>Example in </a:t>
-            </a:r>
-            <a:r>
-              <a:rPr lang="en-US" sz="4400" b="1" dirty="0" err="1"/>
-              <a:t>Rmarkdown</a:t>
-            </a:r>
-            <a:endParaRPr lang="en-US" sz="4400" b="1" dirty="0"/>
-          </a:p>
-          <a:p>
-            <a:endParaRPr lang="en-US" sz="2800" b="1" dirty="0"/>
-          </a:p>
-          <a:p>
-            <a:r>
-              <a:rPr lang="en-US" sz="3600" b="1" dirty="0"/>
-              <a:t>Standard Packages</a:t>
-            </a:r>
-          </a:p>
-          <a:p>
-            <a:r>
-              <a:rPr lang="en-US" sz="2800" dirty="0"/>
-              <a:t>stats – this is part of the base install and has the function </a:t>
-            </a:r>
-            <a:r>
-              <a:rPr lang="en-US" sz="2800" dirty="0" err="1">
-                <a:latin typeface="Courier New" panose="02070309020205020404" pitchFamily="49" charset="0"/>
-                <a:cs typeface="Courier New" panose="02070309020205020404" pitchFamily="49" charset="0"/>
-              </a:rPr>
-              <a:t>prcomp</a:t>
-            </a:r>
-            <a:endParaRPr lang="en-US" sz="2800" dirty="0">
-              <a:latin typeface="Courier New" panose="02070309020205020404" pitchFamily="49" charset="0"/>
-              <a:cs typeface="Courier New" panose="02070309020205020404" pitchFamily="49" charset="0"/>
-            </a:endParaRPr>
-          </a:p>
-          <a:p>
-            <a:endParaRPr lang="en-US" sz="2800" dirty="0"/>
-          </a:p>
-          <a:p>
-            <a:r>
-              <a:rPr lang="en-US" sz="3600" b="1" dirty="0"/>
-              <a:t>New Packages</a:t>
-            </a:r>
-          </a:p>
-          <a:p>
-            <a:r>
-              <a:rPr lang="en-US" sz="2800" dirty="0"/>
-              <a:t>car – </a:t>
-            </a:r>
-            <a:r>
-              <a:rPr lang="en-US" sz="2800" dirty="0" err="1">
-                <a:latin typeface="Courier New" panose="02070309020205020404" pitchFamily="49" charset="0"/>
-                <a:cs typeface="Courier New" panose="02070309020205020404" pitchFamily="49" charset="0"/>
-              </a:rPr>
-              <a:t>data.ellipse</a:t>
-            </a:r>
-            <a:r>
-              <a:rPr lang="en-US" sz="2800" dirty="0">
-                <a:latin typeface="Courier New" panose="02070309020205020404" pitchFamily="49" charset="0"/>
-                <a:cs typeface="Courier New" panose="02070309020205020404" pitchFamily="49" charset="0"/>
-              </a:rPr>
-              <a:t> </a:t>
-            </a:r>
-            <a:r>
-              <a:rPr lang="en-US" sz="2800" dirty="0"/>
-              <a:t>function</a:t>
-            </a:r>
-          </a:p>
-          <a:p>
-            <a:r>
-              <a:rPr lang="en-US" sz="2800" dirty="0" err="1"/>
-              <a:t>FactoMineR</a:t>
-            </a:r>
-            <a:r>
-              <a:rPr lang="en-US" sz="2800" dirty="0"/>
-              <a:t> – </a:t>
-            </a:r>
-            <a:r>
-              <a:rPr lang="en-US" sz="2800" dirty="0">
-                <a:latin typeface="Courier New" panose="02070309020205020404" pitchFamily="49" charset="0"/>
-                <a:cs typeface="Courier New" panose="02070309020205020404" pitchFamily="49" charset="0"/>
-              </a:rPr>
-              <a:t>PCA</a:t>
-            </a:r>
-            <a:r>
-              <a:rPr lang="en-US" sz="2800" dirty="0"/>
-              <a:t> function</a:t>
-            </a:r>
-            <a:endParaRPr lang="en-US" sz="3600" dirty="0"/>
-          </a:p>
-        </p:txBody>
-      </p:sp>
-    </p:spTree>
-    <p:extLst>
-      <p:ext uri="{BB962C8B-B14F-4D97-AF65-F5344CB8AC3E}">
-        <p14:creationId xmlns:p14="http://schemas.microsoft.com/office/powerpoint/2010/main" val="4018297870"/>
-      </p:ext>
-    </p:extLst>
-  </p:cSld>
-  <p:clrMapOvr>
-    <a:masterClrMapping/>
-  </p:clrMapOvr>
-</p:sld>
-</file>
-
-<file path=ppt/slides/slide2.xml><?xml version="1.0" encoding="utf-8"?>
-<p:sld xmlns:a="http://schemas.openxmlformats.org/drawingml/2006/main" xmlns:r="http://schemas.openxmlformats.org/officeDocument/2006/relationships" xmlns:p="http://schemas.openxmlformats.org/presentationml/2006/main">
-  <p:cSld>
-    <p:bg>
-      <p:bgPr>
-        <a:solidFill>
-          <a:schemeClr val="bg1">
-            <a:lumMod val="95000"/>
-          </a:schemeClr>
-        </a:solidFill>
-        <a:effectLst/>
-      </p:bgPr>
-    </p:bg>
-    <p:spTree>
-      <p:nvGrpSpPr>
-        <p:cNvPr id="1" name=""/>
-        <p:cNvGrpSpPr/>
-        <p:nvPr/>
-      </p:nvGrpSpPr>
-      <p:grpSpPr>
-        <a:xfrm>
-          <a:off x="0" y="0"/>
-          <a:ext cx="0" cy="0"/>
-          <a:chOff x="0" y="0"/>
-          <a:chExt cx="0" cy="0"/>
-        </a:xfrm>
-      </p:grpSpPr>
-      <p:sp>
-        <p:nvSpPr>
-          <p:cNvPr id="2" name="Title 1"/>
-          <p:cNvSpPr>
-            <a:spLocks noGrp="1"/>
-          </p:cNvSpPr>
-          <p:nvPr>
-            <p:ph type="title"/>
-          </p:nvPr>
-        </p:nvSpPr>
-        <p:spPr>
-          <a:xfrm>
-            <a:off x="0" y="0"/>
-            <a:ext cx="12192000" cy="935915"/>
-          </a:xfrm>
-          <a:solidFill>
-            <a:schemeClr val="tx1"/>
-          </a:solidFill>
-        </p:spPr>
-        <p:txBody>
-          <a:bodyPr>
-            <a:normAutofit/>
-          </a:bodyPr>
-          <a:lstStyle/>
-          <a:p>
-            <a:pPr algn="ctr"/>
-            <a:r>
-              <a:rPr lang="en-US" sz="4000" b="1" dirty="0">
-                <a:solidFill>
-                  <a:schemeClr val="bg1"/>
-                </a:solidFill>
-              </a:rPr>
-              <a:t>Planning</a:t>
-            </a:r>
-            <a:endParaRPr lang="en-US" b="1" dirty="0">
-              <a:solidFill>
-                <a:schemeClr val="bg1"/>
-              </a:solidFill>
-            </a:endParaRPr>
-          </a:p>
-        </p:txBody>
-      </p:sp>
-      <p:sp>
-        <p:nvSpPr>
-          <p:cNvPr id="3" name="TextBox 2">
-            <a:extLst>
-              <a:ext uri="{FF2B5EF4-FFF2-40B4-BE49-F238E27FC236}">
-                <a16:creationId xmlns:a16="http://schemas.microsoft.com/office/drawing/2014/main" id="{C6DB565C-D571-DC4C-AEBB-42C41B7C6351}"/>
-              </a:ext>
-            </a:extLst>
-          </p:cNvPr>
-          <p:cNvSpPr txBox="1"/>
-          <p:nvPr/>
-        </p:nvSpPr>
-        <p:spPr>
-          <a:xfrm>
-            <a:off x="269631" y="1219200"/>
-            <a:ext cx="11676184" cy="5201424"/>
-          </a:xfrm>
-          <a:prstGeom prst="rect">
-            <a:avLst/>
-          </a:prstGeom>
-          <a:noFill/>
-        </p:spPr>
-        <p:txBody>
-          <a:bodyPr wrap="square" rtlCol="0">
-            <a:spAutoFit/>
-          </a:bodyPr>
-          <a:lstStyle/>
-          <a:p>
-            <a:r>
-              <a:rPr lang="en-US" sz="2000" dirty="0"/>
-              <a:t>Thursday (22 April): Class but just if you have questions about using </a:t>
-            </a:r>
-            <a:r>
-              <a:rPr lang="en-US" sz="2000" dirty="0" err="1"/>
-              <a:t>Rmarkdown</a:t>
-            </a:r>
-            <a:r>
-              <a:rPr lang="en-US" sz="2000"/>
-              <a:t> or PCA </a:t>
-            </a:r>
-          </a:p>
-          <a:p>
-            <a:r>
-              <a:rPr lang="en-US" sz="2000"/>
-              <a:t>(</a:t>
-            </a:r>
-            <a:r>
-              <a:rPr lang="en-US" sz="2000" dirty="0"/>
-              <a:t>otherwise you can skip</a:t>
-            </a:r>
-            <a:r>
-              <a:rPr lang="en-US" sz="2000"/>
-              <a:t>). </a:t>
-            </a:r>
-          </a:p>
-          <a:p>
-            <a:endParaRPr lang="en-US" sz="800" dirty="0"/>
-          </a:p>
-          <a:p>
-            <a:r>
-              <a:rPr lang="en-US" sz="2000" dirty="0"/>
-              <a:t>Tuesday 27</a:t>
-            </a:r>
-            <a:r>
-              <a:rPr lang="en-US" sz="2000" baseline="30000" dirty="0"/>
-              <a:t>th</a:t>
-            </a:r>
-            <a:r>
-              <a:rPr lang="en-US" sz="2000" dirty="0"/>
-              <a:t> Brief class to go over project assignment</a:t>
-            </a:r>
-          </a:p>
-          <a:p>
-            <a:r>
-              <a:rPr lang="en-US" sz="2000" dirty="0"/>
-              <a:t>	- Inside of a single .</a:t>
-            </a:r>
-            <a:r>
-              <a:rPr lang="en-US" sz="2000" dirty="0" err="1"/>
-              <a:t>Rmd</a:t>
-            </a:r>
-            <a:r>
-              <a:rPr lang="en-US" sz="2000" dirty="0"/>
-              <a:t> file you will </a:t>
-            </a:r>
-          </a:p>
-          <a:p>
-            <a:r>
-              <a:rPr lang="en-US" sz="2000" dirty="0"/>
-              <a:t>	- Read in a csv datafile </a:t>
-            </a:r>
-          </a:p>
-          <a:p>
-            <a:r>
-              <a:rPr lang="en-US" sz="2000" dirty="0"/>
-              <a:t>	- Performing a statistical analysis</a:t>
-            </a:r>
-          </a:p>
-          <a:p>
-            <a:r>
-              <a:rPr lang="en-US" sz="2000" dirty="0"/>
-              <a:t>	- Provide a publication quality plot</a:t>
-            </a:r>
-          </a:p>
-          <a:p>
-            <a:r>
-              <a:rPr lang="en-US" sz="2000" dirty="0"/>
-              <a:t>	- Include text above and below each block of code that explains what you are doing.</a:t>
-            </a:r>
-          </a:p>
-          <a:p>
-            <a:r>
-              <a:rPr lang="en-US" sz="2000" dirty="0"/>
-              <a:t>	- You will upload your .</a:t>
-            </a:r>
-            <a:r>
-              <a:rPr lang="en-US" sz="2000" dirty="0" err="1"/>
-              <a:t>Rmd</a:t>
-            </a:r>
-            <a:r>
-              <a:rPr lang="en-US" sz="2000" dirty="0"/>
-              <a:t> file and the CSV file that you use to a google folder.</a:t>
-            </a:r>
-          </a:p>
-          <a:p>
-            <a:r>
-              <a:rPr lang="en-US" sz="2000" dirty="0"/>
-              <a:t>	- I will “knit” your file and grade the resulting html file.</a:t>
-            </a:r>
-          </a:p>
-          <a:p>
-            <a:r>
-              <a:rPr lang="en-US" sz="2000" dirty="0"/>
-              <a:t>	- Contact me first if you are considering using any R packages we have not covered in class.</a:t>
-            </a:r>
-          </a:p>
-          <a:p>
-            <a:endParaRPr lang="en-US" sz="800" dirty="0"/>
-          </a:p>
-          <a:p>
-            <a:r>
-              <a:rPr lang="en-US" sz="2000" dirty="0"/>
-              <a:t>Thursday 29</a:t>
-            </a:r>
-            <a:r>
-              <a:rPr lang="en-US" sz="2000" baseline="30000" dirty="0"/>
-              <a:t>th</a:t>
-            </a:r>
-            <a:r>
-              <a:rPr lang="en-US" sz="2000" dirty="0"/>
-              <a:t> Review class: Final will post after class and you can begin to work on it.</a:t>
-            </a:r>
-          </a:p>
-          <a:p>
-            <a:endParaRPr lang="en-US" sz="800" dirty="0"/>
-          </a:p>
-          <a:p>
-            <a:r>
-              <a:rPr lang="en-US" sz="2000" dirty="0"/>
-              <a:t>Tuesday 4</a:t>
-            </a:r>
-            <a:r>
-              <a:rPr lang="en-US" sz="2000" baseline="30000" dirty="0"/>
-              <a:t>th</a:t>
-            </a:r>
-            <a:r>
-              <a:rPr lang="en-US" sz="2000" dirty="0"/>
-              <a:t> 5:00 PM Final will close.</a:t>
-            </a:r>
-          </a:p>
-          <a:p>
-            <a:endParaRPr lang="en-US" sz="800" dirty="0"/>
-          </a:p>
-          <a:p>
-            <a:r>
-              <a:rPr lang="en-US" sz="2000" b="1" dirty="0"/>
-              <a:t>Thanks to all of you for your flexibility and hard work this semester I know that the delivery format has been less than ideal for a class like this.</a:t>
-            </a:r>
-          </a:p>
-        </p:txBody>
-      </p:sp>
-    </p:spTree>
-    <p:extLst>
-      <p:ext uri="{BB962C8B-B14F-4D97-AF65-F5344CB8AC3E}">
-        <p14:creationId xmlns:p14="http://schemas.microsoft.com/office/powerpoint/2010/main" val="3240868548"/>
-      </p:ext>
-    </p:extLst>
-  </p:cSld>
-  <p:clrMapOvr>
-    <a:masterClrMapping/>
-  </p:clrMapOvr>
-  <p:timing>
-    <p:tnLst>
-      <p:par>
-        <p:cTn id="1" dur="indefinite" restart="never" nodeType="tmRoot">
-          <p:childTnLst>
-            <p:seq concurrent="1" nextAc="seek">
-              <p:cTn id="2" dur="indefinite" nodeType="mainSeq">
-                <p:childTnLst>
-                  <p:par>
-                    <p:cTn id="3" fill="hold">
-                      <p:stCondLst>
-                        <p:cond delay="indefinite"/>
-                      </p:stCondLst>
-                      <p:childTnLst>
-                        <p:par>
-                          <p:cTn id="4" fill="hold">
-                            <p:stCondLst>
-                              <p:cond delay="0"/>
-                            </p:stCondLst>
-                            <p:childTnLst>
-                              <p:par>
-                                <p:cTn id="5" presetID="1" presetClass="entr" presetSubtype="0" fill="hold" nodeType="clickEffect">
-                                  <p:stCondLst>
-                                    <p:cond delay="0"/>
-                                  </p:stCondLst>
-                                  <p:childTnLst>
-                                    <p:set>
-                                      <p:cBhvr>
-                                        <p:cTn id="6" dur="1" fill="hold">
-                                          <p:stCondLst>
-                                            <p:cond delay="0"/>
-                                          </p:stCondLst>
-                                        </p:cTn>
-                                        <p:tgtEl>
-                                          <p:spTgt spid="3">
-                                            <p:txEl>
-                                              <p:pRg st="0" end="0"/>
-                                            </p:txEl>
-                                          </p:spTgt>
-                                        </p:tgtEl>
-                                        <p:attrNameLst>
-                                          <p:attrName>style.visibility</p:attrName>
-                                        </p:attrNameLst>
-                                      </p:cBhvr>
-                                      <p:to>
-                                        <p:strVal val="visible"/>
-                                      </p:to>
-                                    </p:set>
-                                  </p:childTnLst>
-                                </p:cTn>
-                              </p:par>
-                            </p:childTnLst>
-                          </p:cTn>
-                        </p:par>
-                      </p:childTnLst>
-                    </p:cTn>
-                  </p:par>
-                  <p:par>
-                    <p:cTn id="7" fill="hold">
-                      <p:stCondLst>
-                        <p:cond delay="indefinite"/>
-                      </p:stCondLst>
-                      <p:childTnLst>
-                        <p:par>
-                          <p:cTn id="8" fill="hold">
-                            <p:stCondLst>
-                              <p:cond delay="0"/>
-                            </p:stCondLst>
-                            <p:childTnLst>
-                              <p:par>
-                                <p:cTn id="9" presetID="1" presetClass="entr" presetSubtype="0" fill="hold" nodeType="clickEffect">
-                                  <p:stCondLst>
-                                    <p:cond delay="0"/>
-                                  </p:stCondLst>
-                                  <p:childTnLst>
-                                    <p:set>
-                                      <p:cBhvr>
-                                        <p:cTn id="10" dur="1" fill="hold">
-                                          <p:stCondLst>
-                                            <p:cond delay="0"/>
-                                          </p:stCondLst>
-                                        </p:cTn>
-                                        <p:tgtEl>
-                                          <p:spTgt spid="3">
-                                            <p:txEl>
-                                              <p:pRg st="1" end="1"/>
-                                            </p:txEl>
-                                          </p:spTgt>
-                                        </p:tgtEl>
-                                        <p:attrNameLst>
-                                          <p:attrName>style.visibility</p:attrName>
-                                        </p:attrNameLst>
-                                      </p:cBhvr>
-                                      <p:to>
-                                        <p:strVal val="visible"/>
-                                      </p:to>
-                                    </p:set>
-                                  </p:childTnLst>
-                                </p:cTn>
-                              </p:par>
-                            </p:childTnLst>
-                          </p:cTn>
-                        </p:par>
-                      </p:childTnLst>
-                    </p:cTn>
-                  </p:par>
-                  <p:par>
-                    <p:cTn id="11" fill="hold">
-                      <p:stCondLst>
-                        <p:cond delay="indefinite"/>
-                      </p:stCondLst>
-                      <p:childTnLst>
-                        <p:par>
-                          <p:cTn id="12" fill="hold">
-                            <p:stCondLst>
-                              <p:cond delay="0"/>
-                            </p:stCondLst>
-                            <p:childTnLst>
-                              <p:par>
-                                <p:cTn id="13" presetID="1" presetClass="entr" presetSubtype="0" fill="hold" nodeType="clickEffect">
-                                  <p:stCondLst>
-                                    <p:cond delay="0"/>
-                                  </p:stCondLst>
-                                  <p:childTnLst>
-                                    <p:set>
-                                      <p:cBhvr>
-                                        <p:cTn id="14" dur="1" fill="hold">
-                                          <p:stCondLst>
-                                            <p:cond delay="0"/>
-                                          </p:stCondLst>
-                                        </p:cTn>
-                                        <p:tgtEl>
-                                          <p:spTgt spid="3">
-                                            <p:txEl>
-                                              <p:pRg st="3" end="3"/>
-                                            </p:txEl>
-                                          </p:spTgt>
-                                        </p:tgtEl>
-                                        <p:attrNameLst>
-                                          <p:attrName>style.visibility</p:attrName>
-                                        </p:attrNameLst>
-                                      </p:cBhvr>
-                                      <p:to>
-                                        <p:strVal val="visible"/>
-                                      </p:to>
-                                    </p:set>
-                                  </p:childTnLst>
-                                </p:cTn>
-                              </p:par>
-                              <p:par>
-                                <p:cTn id="15" presetID="1" presetClass="entr" presetSubtype="0" fill="hold" nodeType="withEffect">
-                                  <p:stCondLst>
-                                    <p:cond delay="0"/>
-                                  </p:stCondLst>
-                                  <p:childTnLst>
-                                    <p:set>
-                                      <p:cBhvr>
-                                        <p:cTn id="16" dur="1" fill="hold">
-                                          <p:stCondLst>
-                                            <p:cond delay="0"/>
-                                          </p:stCondLst>
-                                        </p:cTn>
-                                        <p:tgtEl>
-                                          <p:spTgt spid="3">
-                                            <p:txEl>
-                                              <p:pRg st="4" end="4"/>
-                                            </p:txEl>
-                                          </p:spTgt>
-                                        </p:tgtEl>
-                                        <p:attrNameLst>
-                                          <p:attrName>style.visibility</p:attrName>
-                                        </p:attrNameLst>
-                                      </p:cBhvr>
-                                      <p:to>
-                                        <p:strVal val="visible"/>
-                                      </p:to>
-                                    </p:set>
-                                  </p:childTnLst>
-                                </p:cTn>
-                              </p:par>
-                              <p:par>
-                                <p:cTn id="17" presetID="1" presetClass="entr" presetSubtype="0" fill="hold" nodeType="withEffect">
-                                  <p:stCondLst>
-                                    <p:cond delay="0"/>
-                                  </p:stCondLst>
-                                  <p:childTnLst>
-                                    <p:set>
-                                      <p:cBhvr>
-                                        <p:cTn id="18" dur="1" fill="hold">
-                                          <p:stCondLst>
-                                            <p:cond delay="0"/>
-                                          </p:stCondLst>
-                                        </p:cTn>
-                                        <p:tgtEl>
-                                          <p:spTgt spid="3">
-                                            <p:txEl>
-                                              <p:pRg st="5" end="5"/>
-                                            </p:txEl>
-                                          </p:spTgt>
-                                        </p:tgtEl>
-                                        <p:attrNameLst>
-                                          <p:attrName>style.visibility</p:attrName>
-                                        </p:attrNameLst>
-                                      </p:cBhvr>
-                                      <p:to>
-                                        <p:strVal val="visible"/>
-                                      </p:to>
-                                    </p:set>
-                                  </p:childTnLst>
-                                </p:cTn>
-                              </p:par>
-                              <p:par>
-                                <p:cTn id="19" presetID="1" presetClass="entr" presetSubtype="0" fill="hold" nodeType="withEffect">
-                                  <p:stCondLst>
-                                    <p:cond delay="0"/>
-                                  </p:stCondLst>
-                                  <p:childTnLst>
-                                    <p:set>
-                                      <p:cBhvr>
-                                        <p:cTn id="20" dur="1" fill="hold">
-                                          <p:stCondLst>
-                                            <p:cond delay="0"/>
-                                          </p:stCondLst>
-                                        </p:cTn>
-                                        <p:tgtEl>
-                                          <p:spTgt spid="3">
-                                            <p:txEl>
-                                              <p:pRg st="6" end="6"/>
-                                            </p:txEl>
-                                          </p:spTgt>
-                                        </p:tgtEl>
-                                        <p:attrNameLst>
-                                          <p:attrName>style.visibility</p:attrName>
-                                        </p:attrNameLst>
-                                      </p:cBhvr>
-                                      <p:to>
-                                        <p:strVal val="visible"/>
-                                      </p:to>
-                                    </p:set>
-                                  </p:childTnLst>
-                                </p:cTn>
-                              </p:par>
-                              <p:par>
-                                <p:cTn id="21" presetID="1" presetClass="entr" presetSubtype="0" fill="hold" nodeType="withEffect">
-                                  <p:stCondLst>
-                                    <p:cond delay="0"/>
-                                  </p:stCondLst>
-                                  <p:childTnLst>
-                                    <p:set>
-                                      <p:cBhvr>
-                                        <p:cTn id="22" dur="1" fill="hold">
-                                          <p:stCondLst>
-                                            <p:cond delay="0"/>
-                                          </p:stCondLst>
-                                        </p:cTn>
-                                        <p:tgtEl>
-                                          <p:spTgt spid="3">
-                                            <p:txEl>
-                                              <p:pRg st="7" end="7"/>
-                                            </p:txEl>
-                                          </p:spTgt>
-                                        </p:tgtEl>
-                                        <p:attrNameLst>
-                                          <p:attrName>style.visibility</p:attrName>
-                                        </p:attrNameLst>
-                                      </p:cBhvr>
-                                      <p:to>
-                                        <p:strVal val="visible"/>
-                                      </p:to>
-                                    </p:set>
-                                  </p:childTnLst>
-                                </p:cTn>
-                              </p:par>
-                              <p:par>
-                                <p:cTn id="23" presetID="1" presetClass="entr" presetSubtype="0" fill="hold" nodeType="withEffect">
-                                  <p:stCondLst>
-                                    <p:cond delay="0"/>
-                                  </p:stCondLst>
-                                  <p:childTnLst>
-                                    <p:set>
-                                      <p:cBhvr>
-                                        <p:cTn id="24" dur="1" fill="hold">
-                                          <p:stCondLst>
-                                            <p:cond delay="0"/>
-                                          </p:stCondLst>
-                                        </p:cTn>
-                                        <p:tgtEl>
-                                          <p:spTgt spid="3">
-                                            <p:txEl>
-                                              <p:pRg st="8" end="8"/>
-                                            </p:txEl>
-                                          </p:spTgt>
-                                        </p:tgtEl>
-                                        <p:attrNameLst>
-                                          <p:attrName>style.visibility</p:attrName>
-                                        </p:attrNameLst>
-                                      </p:cBhvr>
-                                      <p:to>
-                                        <p:strVal val="visible"/>
-                                      </p:to>
-                                    </p:set>
-                                  </p:childTnLst>
-                                </p:cTn>
-                              </p:par>
-                              <p:par>
-                                <p:cTn id="25" presetID="1" presetClass="entr" presetSubtype="0" fill="hold" nodeType="withEffect">
-                                  <p:stCondLst>
-                                    <p:cond delay="0"/>
-                                  </p:stCondLst>
-                                  <p:childTnLst>
-                                    <p:set>
-                                      <p:cBhvr>
-                                        <p:cTn id="26" dur="1" fill="hold">
-                                          <p:stCondLst>
-                                            <p:cond delay="0"/>
-                                          </p:stCondLst>
-                                        </p:cTn>
-                                        <p:tgtEl>
-                                          <p:spTgt spid="3">
-                                            <p:txEl>
-                                              <p:pRg st="9" end="9"/>
-                                            </p:txEl>
-                                          </p:spTgt>
-                                        </p:tgtEl>
-                                        <p:attrNameLst>
-                                          <p:attrName>style.visibility</p:attrName>
-                                        </p:attrNameLst>
-                                      </p:cBhvr>
-                                      <p:to>
-                                        <p:strVal val="visible"/>
-                                      </p:to>
-                                    </p:set>
-                                  </p:childTnLst>
-                                </p:cTn>
-                              </p:par>
-                              <p:par>
-                                <p:cTn id="27" presetID="1" presetClass="entr" presetSubtype="0" fill="hold" nodeType="withEffect">
-                                  <p:stCondLst>
-                                    <p:cond delay="0"/>
-                                  </p:stCondLst>
-                                  <p:childTnLst>
-                                    <p:set>
-                                      <p:cBhvr>
-                                        <p:cTn id="28" dur="1" fill="hold">
-                                          <p:stCondLst>
-                                            <p:cond delay="0"/>
-                                          </p:stCondLst>
-                                        </p:cTn>
-                                        <p:tgtEl>
-                                          <p:spTgt spid="3">
-                                            <p:txEl>
-                                              <p:pRg st="10" end="10"/>
-                                            </p:txEl>
-                                          </p:spTgt>
-                                        </p:tgtEl>
-                                        <p:attrNameLst>
-                                          <p:attrName>style.visibility</p:attrName>
-                                        </p:attrNameLst>
-                                      </p:cBhvr>
-                                      <p:to>
-                                        <p:strVal val="visible"/>
-                                      </p:to>
-                                    </p:set>
-                                  </p:childTnLst>
-                                </p:cTn>
-                              </p:par>
-                              <p:par>
-                                <p:cTn id="29" presetID="1" presetClass="entr" presetSubtype="0" fill="hold" nodeType="withEffect">
-                                  <p:stCondLst>
-                                    <p:cond delay="0"/>
-                                  </p:stCondLst>
-                                  <p:childTnLst>
-                                    <p:set>
-                                      <p:cBhvr>
-                                        <p:cTn id="30" dur="1" fill="hold">
-                                          <p:stCondLst>
-                                            <p:cond delay="0"/>
-                                          </p:stCondLst>
-                                        </p:cTn>
-                                        <p:tgtEl>
-                                          <p:spTgt spid="3">
-                                            <p:txEl>
-                                              <p:pRg st="11" end="11"/>
-                                            </p:txEl>
-                                          </p:spTgt>
-                                        </p:tgtEl>
-                                        <p:attrNameLst>
-                                          <p:attrName>style.visibility</p:attrName>
-                                        </p:attrNameLst>
-                                      </p:cBhvr>
-                                      <p:to>
-                                        <p:strVal val="visible"/>
-                                      </p:to>
-                                    </p:set>
-                                  </p:childTnLst>
-                                </p:cTn>
-                              </p:par>
-                            </p:childTnLst>
-                          </p:cTn>
-                        </p:par>
-                      </p:childTnLst>
-                    </p:cTn>
-                  </p:par>
-                  <p:par>
-                    <p:cTn id="31" fill="hold">
-                      <p:stCondLst>
-                        <p:cond delay="indefinite"/>
-                      </p:stCondLst>
-                      <p:childTnLst>
-                        <p:par>
-                          <p:cTn id="32" fill="hold">
-                            <p:stCondLst>
-                              <p:cond delay="0"/>
-                            </p:stCondLst>
-                            <p:childTnLst>
-                              <p:par>
-                                <p:cTn id="33" presetID="1" presetClass="entr" presetSubtype="0" fill="hold" nodeType="clickEffect">
-                                  <p:stCondLst>
-                                    <p:cond delay="0"/>
-                                  </p:stCondLst>
-                                  <p:childTnLst>
-                                    <p:set>
-                                      <p:cBhvr>
-                                        <p:cTn id="34" dur="1" fill="hold">
-                                          <p:stCondLst>
-                                            <p:cond delay="0"/>
-                                          </p:stCondLst>
-                                        </p:cTn>
-                                        <p:tgtEl>
-                                          <p:spTgt spid="3">
-                                            <p:txEl>
-                                              <p:pRg st="13" end="13"/>
-                                            </p:txEl>
-                                          </p:spTgt>
-                                        </p:tgtEl>
-                                        <p:attrNameLst>
-                                          <p:attrName>style.visibility</p:attrName>
-                                        </p:attrNameLst>
-                                      </p:cBhvr>
-                                      <p:to>
-                                        <p:strVal val="visible"/>
-                                      </p:to>
-                                    </p:set>
-                                  </p:childTnLst>
-                                </p:cTn>
-                              </p:par>
-                            </p:childTnLst>
-                          </p:cTn>
-                        </p:par>
-                      </p:childTnLst>
-                    </p:cTn>
-                  </p:par>
-                  <p:par>
-                    <p:cTn id="35" fill="hold">
-                      <p:stCondLst>
-                        <p:cond delay="indefinite"/>
-                      </p:stCondLst>
-                      <p:childTnLst>
-                        <p:par>
-                          <p:cTn id="36" fill="hold">
-                            <p:stCondLst>
-                              <p:cond delay="0"/>
-                            </p:stCondLst>
-                            <p:childTnLst>
-                              <p:par>
-                                <p:cTn id="37" presetID="1" presetClass="entr" presetSubtype="0" fill="hold" nodeType="clickEffect">
-                                  <p:stCondLst>
-                                    <p:cond delay="0"/>
-                                  </p:stCondLst>
-                                  <p:childTnLst>
-                                    <p:set>
-                                      <p:cBhvr>
-                                        <p:cTn id="38" dur="1" fill="hold">
-                                          <p:stCondLst>
-                                            <p:cond delay="0"/>
-                                          </p:stCondLst>
-                                        </p:cTn>
-                                        <p:tgtEl>
-                                          <p:spTgt spid="3">
-                                            <p:txEl>
-                                              <p:pRg st="15" end="15"/>
-                                            </p:txEl>
-                                          </p:spTgt>
-                                        </p:tgtEl>
-                                        <p:attrNameLst>
-                                          <p:attrName>style.visibility</p:attrName>
-                                        </p:attrNameLst>
-                                      </p:cBhvr>
-                                      <p:to>
-                                        <p:strVal val="visible"/>
-                                      </p:to>
-                                    </p:set>
-                                  </p:childTnLst>
-                                </p:cTn>
-                              </p:par>
-                            </p:childTnLst>
-                          </p:cTn>
-                        </p:par>
-                      </p:childTnLst>
-                    </p:cTn>
-                  </p:par>
-                  <p:par>
-                    <p:cTn id="39" fill="hold">
-                      <p:stCondLst>
-                        <p:cond delay="indefinite"/>
-                      </p:stCondLst>
-                      <p:childTnLst>
-                        <p:par>
-                          <p:cTn id="40" fill="hold">
-                            <p:stCondLst>
-                              <p:cond delay="0"/>
-                            </p:stCondLst>
-                            <p:childTnLst>
-                              <p:par>
-                                <p:cTn id="41" presetID="1" presetClass="entr" presetSubtype="0" fill="hold" nodeType="clickEffect">
-                                  <p:stCondLst>
-                                    <p:cond delay="0"/>
-                                  </p:stCondLst>
-                                  <p:childTnLst>
-                                    <p:set>
-                                      <p:cBhvr>
-                                        <p:cTn id="42" dur="1" fill="hold">
-                                          <p:stCondLst>
-                                            <p:cond delay="0"/>
-                                          </p:stCondLst>
-                                        </p:cTn>
-                                        <p:tgtEl>
-                                          <p:spTgt spid="3">
-                                            <p:txEl>
-                                              <p:pRg st="17" end="17"/>
-                                            </p:txEl>
-                                          </p:spTgt>
-                                        </p:tgtEl>
-                                        <p:attrNameLst>
-                                          <p:attrName>style.visibility</p:attrName>
-                                        </p:attrNameLst>
-                                      </p:cBhvr>
-                                      <p:to>
-                                        <p:strVal val="visible"/>
-                                      </p:to>
-                                    </p:set>
-                                  </p:childTnLst>
-                                </p:cTn>
-                              </p:par>
-                            </p:childTnLst>
-                          </p:cTn>
-                        </p:par>
-                      </p:childTnLst>
-                    </p:cTn>
-                  </p:par>
-                </p:childTnLst>
-              </p:cTn>
-              <p:prevCondLst>
-                <p:cond evt="onPrev" delay="0">
-                  <p:tgtEl>
-                    <p:sldTgt/>
-                  </p:tgtEl>
-                </p:cond>
-              </p:prevCondLst>
-              <p:nextCondLst>
-                <p:cond evt="onNext" delay="0">
-                  <p:tgtEl>
-                    <p:sldTgt/>
-                  </p:tgtEl>
-                </p:cond>
-              </p:nextCondLst>
-            </p:seq>
-          </p:childTnLst>
-        </p:cTn>
-      </p:par>
-    </p:tnLst>
-  </p:timing>
-</p:sld>
-</file>
-
-<file path=ppt/slides/slide3.xml><?xml version="1.0" encoding="utf-8"?>
-<p:sld xmlns:a="http://schemas.openxmlformats.org/drawingml/2006/main" xmlns:r="http://schemas.openxmlformats.org/officeDocument/2006/relationships" xmlns:p="http://schemas.openxmlformats.org/presentationml/2006/main">
-  <p:cSld>
-    <p:bg>
-      <p:bgPr>
-        <a:solidFill>
-          <a:schemeClr val="bg1">
-            <a:lumMod val="95000"/>
-          </a:schemeClr>
-        </a:solidFill>
-        <a:effectLst/>
-      </p:bgPr>
-    </p:bg>
-    <p:spTree>
-      <p:nvGrpSpPr>
-        <p:cNvPr id="1" name=""/>
-        <p:cNvGrpSpPr/>
-        <p:nvPr/>
-      </p:nvGrpSpPr>
-      <p:grpSpPr>
-        <a:xfrm>
-          <a:off x="0" y="0"/>
-          <a:ext cx="0" cy="0"/>
-          <a:chOff x="0" y="0"/>
-          <a:chExt cx="0" cy="0"/>
-        </a:xfrm>
-      </p:grpSpPr>
-      <p:sp>
-        <p:nvSpPr>
-          <p:cNvPr id="2" name="Title 1"/>
-          <p:cNvSpPr>
-            <a:spLocks noGrp="1"/>
-          </p:cNvSpPr>
-          <p:nvPr>
-            <p:ph type="title"/>
-          </p:nvPr>
-        </p:nvSpPr>
-        <p:spPr>
-          <a:xfrm>
-            <a:off x="0" y="0"/>
-            <a:ext cx="12192000" cy="935915"/>
-          </a:xfrm>
-          <a:solidFill>
-            <a:schemeClr val="tx1"/>
-          </a:solidFill>
-        </p:spPr>
-        <p:txBody>
-          <a:bodyPr/>
-          <a:lstStyle/>
-          <a:p>
-            <a:pPr algn="ctr"/>
-            <a:r>
-              <a:rPr lang="en-US" b="1" dirty="0">
-                <a:solidFill>
-                  <a:schemeClr val="bg1"/>
-                </a:solidFill>
-              </a:rPr>
-              <a:t>Why do we do dimensional reduction?</a:t>
-            </a:r>
-          </a:p>
-        </p:txBody>
-      </p:sp>
-      <p:sp>
-        <p:nvSpPr>
-          <p:cNvPr id="4" name="Rectangle 3"/>
-          <p:cNvSpPr/>
-          <p:nvPr/>
-        </p:nvSpPr>
-        <p:spPr>
-          <a:xfrm>
-            <a:off x="258184" y="1762460"/>
-            <a:ext cx="11629016" cy="3170099"/>
-          </a:xfrm>
-          <a:prstGeom prst="rect">
-            <a:avLst/>
-          </a:prstGeom>
-        </p:spPr>
-        <p:txBody>
-          <a:bodyPr wrap="square">
-            <a:spAutoFit/>
-          </a:bodyPr>
-          <a:lstStyle/>
-          <a:p>
-            <a:pPr marL="742950" indent="-742950">
-              <a:buFont typeface="+mj-lt"/>
-              <a:buAutoNum type="arabicPeriod"/>
-            </a:pPr>
-            <a:r>
-              <a:rPr lang="en-US" sz="4000" dirty="0"/>
-              <a:t>Datasets are getting bigger and bigger</a:t>
-            </a:r>
-          </a:p>
-          <a:p>
-            <a:pPr marL="742950" indent="-742950">
-              <a:buFont typeface="+mj-lt"/>
-              <a:buAutoNum type="arabicPeriod"/>
-            </a:pPr>
-            <a:r>
-              <a:rPr lang="en-US" sz="4000" dirty="0"/>
-              <a:t>Understanding our data is often the new bottleneck</a:t>
-            </a:r>
-          </a:p>
-          <a:p>
-            <a:pPr marL="742950" indent="-742950">
-              <a:buFont typeface="+mj-lt"/>
-              <a:buAutoNum type="arabicPeriod"/>
-            </a:pPr>
-            <a:r>
-              <a:rPr lang="en-US" sz="4000" dirty="0"/>
-              <a:t>We can’t think well beyond 3-4 dimensions</a:t>
-            </a:r>
-          </a:p>
-          <a:p>
-            <a:pPr marL="742950" indent="-742950">
-              <a:buFont typeface="+mj-lt"/>
-              <a:buAutoNum type="arabicPeriod"/>
-            </a:pPr>
-            <a:r>
-              <a:rPr lang="en-US" sz="4000" dirty="0"/>
-              <a:t>We can’t illustrate well beyond 2-3 dimensions</a:t>
-            </a:r>
-          </a:p>
-          <a:p>
-            <a:pPr marL="742950" indent="-742950">
-              <a:buFont typeface="+mj-lt"/>
-              <a:buAutoNum type="arabicPeriod"/>
-            </a:pPr>
-            <a:endParaRPr lang="en-US" sz="4000" dirty="0"/>
-          </a:p>
-        </p:txBody>
-      </p:sp>
-    </p:spTree>
-    <p:extLst>
-      <p:ext uri="{BB962C8B-B14F-4D97-AF65-F5344CB8AC3E}">
-        <p14:creationId xmlns:p14="http://schemas.microsoft.com/office/powerpoint/2010/main" val="1890702201"/>
-      </p:ext>
-    </p:extLst>
-  </p:cSld>
-  <p:clrMapOvr>
-    <a:masterClrMapping/>
-  </p:clrMapOvr>
-  <p:timing>
-    <p:tnLst>
-      <p:par>
-        <p:cTn id="1" dur="indefinite" restart="never" nodeType="tmRoot">
-          <p:childTnLst>
-            <p:seq concurrent="1" nextAc="seek">
-              <p:cTn id="2" dur="indefinite" nodeType="mainSeq">
-                <p:childTnLst>
-                  <p:par>
-                    <p:cTn id="3" fill="hold">
-                      <p:stCondLst>
-                        <p:cond delay="indefinite"/>
-                      </p:stCondLst>
-                      <p:childTnLst>
-                        <p:par>
-                          <p:cTn id="4" fill="hold">
-                            <p:stCondLst>
-                              <p:cond delay="0"/>
-                            </p:stCondLst>
-                            <p:childTnLst>
-                              <p:par>
-                                <p:cTn id="5" presetID="1" presetClass="entr" presetSubtype="0" fill="hold" nodeType="clickEffect">
-                                  <p:stCondLst>
-                                    <p:cond delay="0"/>
-                                  </p:stCondLst>
-                                  <p:childTnLst>
-                                    <p:set>
-                                      <p:cBhvr>
-                                        <p:cTn id="6" dur="1" fill="hold">
-                                          <p:stCondLst>
-                                            <p:cond delay="0"/>
-                                          </p:stCondLst>
-                                        </p:cTn>
-                                        <p:tgtEl>
-                                          <p:spTgt spid="4">
-                                            <p:txEl>
-                                              <p:pRg st="0" end="0"/>
-                                            </p:txEl>
-                                          </p:spTgt>
-                                        </p:tgtEl>
-                                        <p:attrNameLst>
-                                          <p:attrName>style.visibility</p:attrName>
-                                        </p:attrNameLst>
-                                      </p:cBhvr>
-                                      <p:to>
-                                        <p:strVal val="visible"/>
-                                      </p:to>
-                                    </p:set>
-                                  </p:childTnLst>
-                                </p:cTn>
-                              </p:par>
-                            </p:childTnLst>
-                          </p:cTn>
-                        </p:par>
-                      </p:childTnLst>
-                    </p:cTn>
-                  </p:par>
-                  <p:par>
-                    <p:cTn id="7" fill="hold">
-                      <p:stCondLst>
-                        <p:cond delay="indefinite"/>
-                      </p:stCondLst>
-                      <p:childTnLst>
-                        <p:par>
-                          <p:cTn id="8" fill="hold">
-                            <p:stCondLst>
-                              <p:cond delay="0"/>
-                            </p:stCondLst>
-                            <p:childTnLst>
-                              <p:par>
-                                <p:cTn id="9" presetID="1" presetClass="entr" presetSubtype="0" fill="hold" nodeType="clickEffect">
-                                  <p:stCondLst>
-                                    <p:cond delay="0"/>
-                                  </p:stCondLst>
-                                  <p:childTnLst>
-                                    <p:set>
-                                      <p:cBhvr>
-                                        <p:cTn id="10" dur="1" fill="hold">
-                                          <p:stCondLst>
-                                            <p:cond delay="0"/>
-                                          </p:stCondLst>
-                                        </p:cTn>
-                                        <p:tgtEl>
-                                          <p:spTgt spid="4">
-                                            <p:txEl>
-                                              <p:pRg st="1" end="1"/>
-                                            </p:txEl>
-                                          </p:spTgt>
-                                        </p:tgtEl>
-                                        <p:attrNameLst>
-                                          <p:attrName>style.visibility</p:attrName>
-                                        </p:attrNameLst>
-                                      </p:cBhvr>
-                                      <p:to>
-                                        <p:strVal val="visible"/>
-                                      </p:to>
-                                    </p:set>
-                                  </p:childTnLst>
-                                </p:cTn>
-                              </p:par>
-                            </p:childTnLst>
-                          </p:cTn>
-                        </p:par>
-                      </p:childTnLst>
-                    </p:cTn>
-                  </p:par>
-                  <p:par>
-                    <p:cTn id="11" fill="hold">
-                      <p:stCondLst>
-                        <p:cond delay="indefinite"/>
-                      </p:stCondLst>
-                      <p:childTnLst>
-                        <p:par>
-                          <p:cTn id="12" fill="hold">
-                            <p:stCondLst>
-                              <p:cond delay="0"/>
-                            </p:stCondLst>
-                            <p:childTnLst>
-                              <p:par>
-                                <p:cTn id="13" presetID="1" presetClass="entr" presetSubtype="0" fill="hold" nodeType="clickEffect">
-                                  <p:stCondLst>
-                                    <p:cond delay="0"/>
-                                  </p:stCondLst>
-                                  <p:childTnLst>
-                                    <p:set>
-                                      <p:cBhvr>
-                                        <p:cTn id="14" dur="1" fill="hold">
-                                          <p:stCondLst>
-                                            <p:cond delay="0"/>
-                                          </p:stCondLst>
-                                        </p:cTn>
-                                        <p:tgtEl>
-                                          <p:spTgt spid="4">
-                                            <p:txEl>
-                                              <p:pRg st="2" end="2"/>
-                                            </p:txEl>
-                                          </p:spTgt>
-                                        </p:tgtEl>
-                                        <p:attrNameLst>
-                                          <p:attrName>style.visibility</p:attrName>
-                                        </p:attrNameLst>
-                                      </p:cBhvr>
-                                      <p:to>
-                                        <p:strVal val="visible"/>
-                                      </p:to>
-                                    </p:set>
-                                  </p:childTnLst>
-                                </p:cTn>
-                              </p:par>
-                            </p:childTnLst>
-                          </p:cTn>
-                        </p:par>
-                      </p:childTnLst>
-                    </p:cTn>
-                  </p:par>
-                  <p:par>
-                    <p:cTn id="15" fill="hold">
-                      <p:stCondLst>
-                        <p:cond delay="indefinite"/>
-                      </p:stCondLst>
-                      <p:childTnLst>
-                        <p:par>
-                          <p:cTn id="16" fill="hold">
-                            <p:stCondLst>
-                              <p:cond delay="0"/>
-                            </p:stCondLst>
-                            <p:childTnLst>
-                              <p:par>
-                                <p:cTn id="17" presetID="1" presetClass="entr" presetSubtype="0" fill="hold" nodeType="clickEffect">
-                                  <p:stCondLst>
-                                    <p:cond delay="0"/>
-                                  </p:stCondLst>
-                                  <p:childTnLst>
-                                    <p:set>
-                                      <p:cBhvr>
-                                        <p:cTn id="18" dur="1" fill="hold">
-                                          <p:stCondLst>
-                                            <p:cond delay="0"/>
-                                          </p:stCondLst>
-                                        </p:cTn>
-                                        <p:tgtEl>
-                                          <p:spTgt spid="4">
-                                            <p:txEl>
-                                              <p:pRg st="3" end="3"/>
-                                            </p:txEl>
-                                          </p:spTgt>
-                                        </p:tgtEl>
-                                        <p:attrNameLst>
-                                          <p:attrName>style.visibility</p:attrName>
-                                        </p:attrNameLst>
-                                      </p:cBhvr>
-                                      <p:to>
-                                        <p:strVal val="visible"/>
-                                      </p:to>
-                                    </p:set>
-                                  </p:childTnLst>
-                                </p:cTn>
-                              </p:par>
-                            </p:childTnLst>
-                          </p:cTn>
-                        </p:par>
-                      </p:childTnLst>
-                    </p:cTn>
-                  </p:par>
-                </p:childTnLst>
-              </p:cTn>
-              <p:prevCondLst>
-                <p:cond evt="onPrev" delay="0">
-                  <p:tgtEl>
-                    <p:sldTgt/>
-                  </p:tgtEl>
-                </p:cond>
-              </p:prevCondLst>
-              <p:nextCondLst>
-                <p:cond evt="onNext" delay="0">
-                  <p:tgtEl>
-                    <p:sldTgt/>
-                  </p:tgtEl>
-                </p:cond>
-              </p:nextCondLst>
-            </p:seq>
-          </p:childTnLst>
-        </p:cTn>
-      </p:par>
-    </p:tnLst>
-  </p:timing>
-</p:sld>
-</file>
-
-<file path=ppt/slides/slide4.xml><?xml version="1.0" encoding="utf-8"?>
-<p:sld xmlns:a="http://schemas.openxmlformats.org/drawingml/2006/main" xmlns:r="http://schemas.openxmlformats.org/officeDocument/2006/relationships" xmlns:p="http://schemas.openxmlformats.org/presentationml/2006/main">
-  <p:cSld>
-    <p:bg>
-      <p:bgPr>
-        <a:solidFill>
-          <a:schemeClr val="bg1">
-            <a:lumMod val="95000"/>
-          </a:schemeClr>
-        </a:solidFill>
-        <a:effectLst/>
-      </p:bgPr>
-    </p:bg>
-    <p:spTree>
-      <p:nvGrpSpPr>
-        <p:cNvPr id="1" name=""/>
-        <p:cNvGrpSpPr/>
-        <p:nvPr/>
-      </p:nvGrpSpPr>
-      <p:grpSpPr>
-        <a:xfrm>
-          <a:off x="0" y="0"/>
-          <a:ext cx="0" cy="0"/>
-          <a:chOff x="0" y="0"/>
-          <a:chExt cx="0" cy="0"/>
-        </a:xfrm>
-      </p:grpSpPr>
-      <p:sp>
-        <p:nvSpPr>
-          <p:cNvPr id="2" name="Title 1"/>
-          <p:cNvSpPr>
-            <a:spLocks noGrp="1"/>
-          </p:cNvSpPr>
-          <p:nvPr>
-            <p:ph type="title"/>
-          </p:nvPr>
-        </p:nvSpPr>
-        <p:spPr>
-          <a:xfrm>
-            <a:off x="0" y="0"/>
-            <a:ext cx="12192000" cy="935915"/>
-          </a:xfrm>
-          <a:solidFill>
-            <a:schemeClr val="tx1"/>
-          </a:solidFill>
-        </p:spPr>
-        <p:txBody>
-          <a:bodyPr/>
-          <a:lstStyle/>
-          <a:p>
-            <a:pPr algn="ctr"/>
-            <a:r>
-              <a:rPr lang="en-US" b="1" dirty="0">
-                <a:solidFill>
-                  <a:schemeClr val="bg1"/>
-                </a:solidFill>
-              </a:rPr>
-              <a:t>What is principal component analysis</a:t>
-            </a:r>
-          </a:p>
-        </p:txBody>
-      </p:sp>
-      <p:sp>
-        <p:nvSpPr>
-          <p:cNvPr id="4" name="Rectangle 3"/>
-          <p:cNvSpPr/>
-          <p:nvPr/>
-        </p:nvSpPr>
-        <p:spPr>
-          <a:xfrm>
-            <a:off x="258184" y="1762460"/>
-            <a:ext cx="11629016" cy="1938992"/>
-          </a:xfrm>
-          <a:prstGeom prst="rect">
-            <a:avLst/>
-          </a:prstGeom>
-        </p:spPr>
-        <p:txBody>
-          <a:bodyPr wrap="square">
-            <a:spAutoFit/>
-          </a:bodyPr>
-          <a:lstStyle/>
-          <a:p>
-            <a:r>
-              <a:rPr lang="en-US" sz="4000" dirty="0"/>
-              <a:t>PCA is a dimensional reduction tool that takes many (possibly correlated) measurements and transforms it into a smaller set of uncorrelated </a:t>
-            </a:r>
-            <a:r>
-              <a:rPr lang="en-US" sz="4000" dirty="0" err="1"/>
-              <a:t>measuerments</a:t>
-            </a:r>
-            <a:r>
-              <a:rPr lang="en-US" sz="4000" dirty="0"/>
-              <a:t>. </a:t>
-            </a:r>
-          </a:p>
-        </p:txBody>
-      </p:sp>
-    </p:spTree>
-    <p:extLst>
-      <p:ext uri="{BB962C8B-B14F-4D97-AF65-F5344CB8AC3E}">
-        <p14:creationId xmlns:p14="http://schemas.microsoft.com/office/powerpoint/2010/main" val="1768498152"/>
-      </p:ext>
-    </p:extLst>
-  </p:cSld>
-  <p:clrMapOvr>
-    <a:masterClrMapping/>
-  </p:clrMapOvr>
-</p:sld>
-</file>
-
-<file path=ppt/slides/slide5.xml><?xml version="1.0" encoding="utf-8"?>
-<p:sld xmlns:a="http://schemas.openxmlformats.org/drawingml/2006/main" xmlns:r="http://schemas.openxmlformats.org/officeDocument/2006/relationships" xmlns:p="http://schemas.openxmlformats.org/presentationml/2006/main">
-  <p:cSld>
-    <p:bg>
-      <p:bgPr>
-        <a:solidFill>
-          <a:schemeClr val="bg1">
-            <a:lumMod val="95000"/>
-          </a:schemeClr>
-        </a:solidFill>
-        <a:effectLst/>
-      </p:bgPr>
-    </p:bg>
-    <p:spTree>
-      <p:nvGrpSpPr>
-        <p:cNvPr id="1" name=""/>
-        <p:cNvGrpSpPr/>
-        <p:nvPr/>
-      </p:nvGrpSpPr>
-      <p:grpSpPr>
-        <a:xfrm>
-          <a:off x="0" y="0"/>
-          <a:ext cx="0" cy="0"/>
-          <a:chOff x="0" y="0"/>
-          <a:chExt cx="0" cy="0"/>
-        </a:xfrm>
-      </p:grpSpPr>
-      <p:sp>
-        <p:nvSpPr>
-          <p:cNvPr id="2" name="Title 1"/>
-          <p:cNvSpPr>
-            <a:spLocks noGrp="1"/>
-          </p:cNvSpPr>
-          <p:nvPr>
-            <p:ph type="title"/>
-          </p:nvPr>
-        </p:nvSpPr>
-        <p:spPr>
-          <a:xfrm>
-            <a:off x="0" y="0"/>
-            <a:ext cx="12192000" cy="935915"/>
-          </a:xfrm>
-          <a:solidFill>
-            <a:schemeClr val="tx1"/>
-          </a:solidFill>
-        </p:spPr>
-        <p:txBody>
-          <a:bodyPr/>
-          <a:lstStyle/>
-          <a:p>
-            <a:pPr algn="ctr"/>
-            <a:r>
-              <a:rPr lang="en-US" b="1" dirty="0">
-                <a:solidFill>
-                  <a:schemeClr val="bg1"/>
-                </a:solidFill>
-              </a:rPr>
-              <a:t>One dimensional data</a:t>
-            </a:r>
-          </a:p>
-        </p:txBody>
-      </p:sp>
-      <p:pic>
-        <p:nvPicPr>
-          <p:cNvPr id="7" name="Picture 6"/>
-          <p:cNvPicPr>
-            <a:picLocks noChangeAspect="1"/>
-          </p:cNvPicPr>
-          <p:nvPr/>
-        </p:nvPicPr>
-        <p:blipFill>
-          <a:blip r:embed="rId2">
-            <a:extLst>
-              <a:ext uri="{28A0092B-C50C-407E-A947-70E740481C1C}">
-                <a14:useLocalDpi xmlns:a14="http://schemas.microsoft.com/office/drawing/2010/main" val="0"/>
-              </a:ext>
-            </a:extLst>
-          </a:blip>
-          <a:stretch>
-            <a:fillRect/>
-          </a:stretch>
-        </p:blipFill>
-        <p:spPr>
-          <a:xfrm>
-            <a:off x="4829175" y="1220549"/>
-            <a:ext cx="5851927" cy="5094525"/>
-          </a:xfrm>
-          <a:prstGeom prst="rect">
-            <a:avLst/>
-          </a:prstGeom>
-        </p:spPr>
-      </p:pic>
-      <p:pic>
-        <p:nvPicPr>
-          <p:cNvPr id="8" name="Picture 7"/>
-          <p:cNvPicPr>
-            <a:picLocks noChangeAspect="1"/>
-          </p:cNvPicPr>
-          <p:nvPr/>
-        </p:nvPicPr>
-        <p:blipFill>
-          <a:blip r:embed="rId3">
-            <a:extLst>
-              <a:ext uri="{28A0092B-C50C-407E-A947-70E740481C1C}">
-                <a14:useLocalDpi xmlns:a14="http://schemas.microsoft.com/office/drawing/2010/main" val="0"/>
-              </a:ext>
-            </a:extLst>
-          </a:blip>
-          <a:stretch>
-            <a:fillRect/>
-          </a:stretch>
-        </p:blipFill>
-        <p:spPr>
-          <a:xfrm>
-            <a:off x="1092081" y="1220549"/>
-            <a:ext cx="1500305" cy="4924664"/>
-          </a:xfrm>
-          <a:prstGeom prst="rect">
-            <a:avLst/>
-          </a:prstGeom>
-        </p:spPr>
-      </p:pic>
-    </p:spTree>
-    <p:extLst>
-      <p:ext uri="{BB962C8B-B14F-4D97-AF65-F5344CB8AC3E}">
-        <p14:creationId xmlns:p14="http://schemas.microsoft.com/office/powerpoint/2010/main" val="1902704987"/>
-      </p:ext>
-    </p:extLst>
-  </p:cSld>
-  <p:clrMapOvr>
-    <a:masterClrMapping/>
-  </p:clrMapOvr>
-</p:sld>
-</file>
-
-<file path=ppt/slides/slide6.xml><?xml version="1.0" encoding="utf-8"?>
-<p:sld xmlns:a="http://schemas.openxmlformats.org/drawingml/2006/main" xmlns:r="http://schemas.openxmlformats.org/officeDocument/2006/relationships" xmlns:p="http://schemas.openxmlformats.org/presentationml/2006/main">
-  <p:cSld>
-    <p:bg>
-      <p:bgPr>
-        <a:solidFill>
-          <a:schemeClr val="bg1">
-            <a:lumMod val="95000"/>
-          </a:schemeClr>
-        </a:solidFill>
-        <a:effectLst/>
-      </p:bgPr>
-    </p:bg>
-    <p:spTree>
-      <p:nvGrpSpPr>
-        <p:cNvPr id="1" name=""/>
-        <p:cNvGrpSpPr/>
-        <p:nvPr/>
-      </p:nvGrpSpPr>
-      <p:grpSpPr>
-        <a:xfrm>
-          <a:off x="0" y="0"/>
-          <a:ext cx="0" cy="0"/>
-          <a:chOff x="0" y="0"/>
-          <a:chExt cx="0" cy="0"/>
-        </a:xfrm>
-      </p:grpSpPr>
-      <p:sp>
-        <p:nvSpPr>
-          <p:cNvPr id="2" name="Title 1"/>
-          <p:cNvSpPr>
-            <a:spLocks noGrp="1"/>
-          </p:cNvSpPr>
-          <p:nvPr>
-            <p:ph type="title"/>
-          </p:nvPr>
-        </p:nvSpPr>
-        <p:spPr>
-          <a:xfrm>
-            <a:off x="0" y="0"/>
-            <a:ext cx="12192000" cy="935915"/>
-          </a:xfrm>
-          <a:solidFill>
-            <a:schemeClr val="tx1"/>
-          </a:solidFill>
-        </p:spPr>
-        <p:txBody>
-          <a:bodyPr/>
-          <a:lstStyle/>
-          <a:p>
-            <a:pPr algn="ctr"/>
-            <a:r>
-              <a:rPr lang="en-US" b="1" dirty="0">
-                <a:solidFill>
-                  <a:schemeClr val="bg1"/>
-                </a:solidFill>
-              </a:rPr>
-              <a:t>Two-dimensional data</a:t>
-            </a:r>
-          </a:p>
-        </p:txBody>
-      </p:sp>
-      <p:pic>
-        <p:nvPicPr>
-          <p:cNvPr id="7" name="Picture 6"/>
-          <p:cNvPicPr>
-            <a:picLocks noChangeAspect="1"/>
-          </p:cNvPicPr>
-          <p:nvPr/>
-        </p:nvPicPr>
-        <p:blipFill>
-          <a:blip r:embed="rId2">
-            <a:extLst>
-              <a:ext uri="{28A0092B-C50C-407E-A947-70E740481C1C}">
-                <a14:useLocalDpi xmlns:a14="http://schemas.microsoft.com/office/drawing/2010/main" val="0"/>
-              </a:ext>
-            </a:extLst>
-          </a:blip>
-          <a:stretch>
-            <a:fillRect/>
-          </a:stretch>
-        </p:blipFill>
-        <p:spPr>
-          <a:xfrm>
-            <a:off x="966788" y="1254125"/>
-            <a:ext cx="2501900" cy="5118100"/>
-          </a:xfrm>
-          <a:prstGeom prst="rect">
-            <a:avLst/>
-          </a:prstGeom>
-        </p:spPr>
-      </p:pic>
-      <p:pic>
-        <p:nvPicPr>
-          <p:cNvPr id="8" name="Picture 7"/>
-          <p:cNvPicPr>
-            <a:picLocks noChangeAspect="1"/>
-          </p:cNvPicPr>
-          <p:nvPr/>
-        </p:nvPicPr>
-        <p:blipFill>
-          <a:blip r:embed="rId3">
-            <a:extLst>
-              <a:ext uri="{28A0092B-C50C-407E-A947-70E740481C1C}">
-                <a14:useLocalDpi xmlns:a14="http://schemas.microsoft.com/office/drawing/2010/main" val="0"/>
-              </a:ext>
-            </a:extLst>
-          </a:blip>
-          <a:stretch>
-            <a:fillRect/>
-          </a:stretch>
-        </p:blipFill>
-        <p:spPr>
-          <a:xfrm>
-            <a:off x="5229226" y="1243037"/>
-            <a:ext cx="5816768" cy="5129188"/>
-          </a:xfrm>
-          <a:prstGeom prst="rect">
-            <a:avLst/>
-          </a:prstGeom>
-        </p:spPr>
-      </p:pic>
-    </p:spTree>
-    <p:extLst>
-      <p:ext uri="{BB962C8B-B14F-4D97-AF65-F5344CB8AC3E}">
-        <p14:creationId xmlns:p14="http://schemas.microsoft.com/office/powerpoint/2010/main" val="755446493"/>
-      </p:ext>
-    </p:extLst>
-  </p:cSld>
-  <p:clrMapOvr>
-    <a:masterClrMapping/>
-  </p:clrMapOvr>
-</p:sld>
-</file>
-
-<file path=ppt/slides/slide7.xml><?xml version="1.0" encoding="utf-8"?>
-<p:sld xmlns:a="http://schemas.openxmlformats.org/drawingml/2006/main" xmlns:r="http://schemas.openxmlformats.org/officeDocument/2006/relationships" xmlns:p="http://schemas.openxmlformats.org/presentationml/2006/main">
-  <p:cSld>
-    <p:bg>
-      <p:bgPr>
-        <a:solidFill>
-          <a:schemeClr val="bg1">
-            <a:lumMod val="95000"/>
-          </a:schemeClr>
-        </a:solidFill>
-        <a:effectLst/>
-      </p:bgPr>
-    </p:bg>
-    <p:spTree>
-      <p:nvGrpSpPr>
-        <p:cNvPr id="1" name=""/>
-        <p:cNvGrpSpPr/>
-        <p:nvPr/>
-      </p:nvGrpSpPr>
-      <p:grpSpPr>
-        <a:xfrm>
-          <a:off x="0" y="0"/>
-          <a:ext cx="0" cy="0"/>
-          <a:chOff x="0" y="0"/>
-          <a:chExt cx="0" cy="0"/>
-        </a:xfrm>
-      </p:grpSpPr>
-      <p:sp>
-        <p:nvSpPr>
-          <p:cNvPr id="2" name="Title 1"/>
-          <p:cNvSpPr>
-            <a:spLocks noGrp="1"/>
-          </p:cNvSpPr>
-          <p:nvPr>
-            <p:ph type="title"/>
-          </p:nvPr>
-        </p:nvSpPr>
-        <p:spPr>
-          <a:xfrm>
-            <a:off x="0" y="0"/>
-            <a:ext cx="12192000" cy="935915"/>
-          </a:xfrm>
-          <a:solidFill>
-            <a:schemeClr val="tx1"/>
-          </a:solidFill>
-        </p:spPr>
-        <p:txBody>
-          <a:bodyPr/>
-          <a:lstStyle/>
-          <a:p>
-            <a:pPr algn="ctr"/>
-            <a:r>
-              <a:rPr lang="en-US" b="1" dirty="0">
-                <a:solidFill>
-                  <a:schemeClr val="bg1"/>
-                </a:solidFill>
-              </a:rPr>
               <a:t>High dimensional data</a:t>
             </a:r>
           </a:p>
@@ -6409,7 +3596,7 @@
 </p:sld>
 </file>
 
-<file path=ppt/slides/slide8.xml><?xml version="1.0" encoding="utf-8"?>
+<file path=ppt/slides/slide11.xml><?xml version="1.0" encoding="utf-8"?>
 <p:sld xmlns:a="http://schemas.openxmlformats.org/drawingml/2006/main" xmlns:r="http://schemas.openxmlformats.org/officeDocument/2006/relationships" xmlns:p="http://schemas.openxmlformats.org/presentationml/2006/main">
   <p:cSld>
     <p:bg>
@@ -6826,7 +4013,7 @@
 </p:sld>
 </file>
 
-<file path=ppt/slides/slide9.xml><?xml version="1.0" encoding="utf-8"?>
+<file path=ppt/slides/slide12.xml><?xml version="1.0" encoding="utf-8"?>
 <p:sld xmlns:a="http://schemas.openxmlformats.org/drawingml/2006/main" xmlns:r="http://schemas.openxmlformats.org/officeDocument/2006/relationships" xmlns:p="http://schemas.openxmlformats.org/presentationml/2006/main">
   <p:cSld>
     <p:bg>
@@ -8111,6 +5298,3818 @@
 </p:sld>
 </file>
 
+<file path=ppt/slides/slide13.xml><?xml version="1.0" encoding="utf-8"?>
+<p:sld xmlns:a="http://schemas.openxmlformats.org/drawingml/2006/main" xmlns:r="http://schemas.openxmlformats.org/officeDocument/2006/relationships" xmlns:p="http://schemas.openxmlformats.org/presentationml/2006/main">
+  <p:cSld>
+    <p:bg>
+      <p:bgPr>
+        <a:solidFill>
+          <a:schemeClr val="bg1">
+            <a:lumMod val="95000"/>
+          </a:schemeClr>
+        </a:solidFill>
+        <a:effectLst/>
+      </p:bgPr>
+    </p:bg>
+    <p:spTree>
+      <p:nvGrpSpPr>
+        <p:cNvPr id="1" name=""/>
+        <p:cNvGrpSpPr/>
+        <p:nvPr/>
+      </p:nvGrpSpPr>
+      <p:grpSpPr>
+        <a:xfrm>
+          <a:off x="0" y="0"/>
+          <a:ext cx="0" cy="0"/>
+          <a:chOff x="0" y="0"/>
+          <a:chExt cx="0" cy="0"/>
+        </a:xfrm>
+      </p:grpSpPr>
+      <p:sp>
+        <p:nvSpPr>
+          <p:cNvPr id="2" name="Title 1"/>
+          <p:cNvSpPr>
+            <a:spLocks noGrp="1"/>
+          </p:cNvSpPr>
+          <p:nvPr>
+            <p:ph type="title"/>
+          </p:nvPr>
+        </p:nvSpPr>
+        <p:spPr>
+          <a:xfrm>
+            <a:off x="0" y="0"/>
+            <a:ext cx="12192000" cy="935915"/>
+          </a:xfrm>
+          <a:solidFill>
+            <a:schemeClr val="tx1"/>
+          </a:solidFill>
+        </p:spPr>
+        <p:txBody>
+          <a:bodyPr/>
+          <a:lstStyle/>
+          <a:p>
+            <a:pPr algn="ctr"/>
+            <a:r>
+              <a:rPr lang="en-US" b="1" dirty="0">
+                <a:solidFill>
+                  <a:schemeClr val="bg1"/>
+                </a:solidFill>
+              </a:rPr>
+              <a:t>How do people use PCA</a:t>
+            </a:r>
+          </a:p>
+        </p:txBody>
+      </p:sp>
+      <p:sp>
+        <p:nvSpPr>
+          <p:cNvPr id="29" name="TextBox 28"/>
+          <p:cNvSpPr txBox="1"/>
+          <p:nvPr/>
+        </p:nvSpPr>
+        <p:spPr>
+          <a:xfrm>
+            <a:off x="413657" y="1784731"/>
+            <a:ext cx="4463143" cy="2585323"/>
+          </a:xfrm>
+          <a:prstGeom prst="rect">
+            <a:avLst/>
+          </a:prstGeom>
+          <a:noFill/>
+        </p:spPr>
+        <p:txBody>
+          <a:bodyPr wrap="square" rtlCol="0">
+            <a:spAutoFit/>
+          </a:bodyPr>
+          <a:lstStyle/>
+          <a:p>
+            <a:r>
+              <a:rPr lang="en-US" dirty="0"/>
+              <a:t>Input data: 500,000 SNP genotypes for 3000 Europeans.</a:t>
+            </a:r>
+          </a:p>
+          <a:p>
+            <a:endParaRPr lang="en-US" dirty="0"/>
+          </a:p>
+          <a:p>
+            <a:r>
+              <a:rPr lang="en-US" dirty="0"/>
+              <a:t>3000 rows</a:t>
+            </a:r>
+          </a:p>
+          <a:p>
+            <a:r>
+              <a:rPr lang="en-US" dirty="0"/>
+              <a:t>500,000 columns</a:t>
+            </a:r>
+          </a:p>
+          <a:p>
+            <a:endParaRPr lang="en-US" dirty="0"/>
+          </a:p>
+          <a:p>
+            <a:endParaRPr lang="en-US" dirty="0"/>
+          </a:p>
+          <a:p>
+            <a:endParaRPr lang="en-US" dirty="0"/>
+          </a:p>
+          <a:p>
+            <a:r>
+              <a:rPr lang="en-US" dirty="0"/>
+              <a:t>What are PC1 and PC2?</a:t>
+            </a:r>
+          </a:p>
+        </p:txBody>
+      </p:sp>
+      <p:pic>
+        <p:nvPicPr>
+          <p:cNvPr id="30" name="Picture 29"/>
+          <p:cNvPicPr>
+            <a:picLocks noChangeAspect="1"/>
+          </p:cNvPicPr>
+          <p:nvPr/>
+        </p:nvPicPr>
+        <p:blipFill>
+          <a:blip r:embed="rId2">
+            <a:extLst>
+              <a:ext uri="{28A0092B-C50C-407E-A947-70E740481C1C}">
+                <a14:useLocalDpi xmlns:a14="http://schemas.microsoft.com/office/drawing/2010/main" val="0"/>
+              </a:ext>
+            </a:extLst>
+          </a:blip>
+          <a:stretch>
+            <a:fillRect/>
+          </a:stretch>
+        </p:blipFill>
+        <p:spPr>
+          <a:xfrm>
+            <a:off x="5189695" y="1371074"/>
+            <a:ext cx="6552361" cy="4858792"/>
+          </a:xfrm>
+          <a:prstGeom prst="rect">
+            <a:avLst/>
+          </a:prstGeom>
+        </p:spPr>
+      </p:pic>
+    </p:spTree>
+    <p:extLst>
+      <p:ext uri="{BB962C8B-B14F-4D97-AF65-F5344CB8AC3E}">
+        <p14:creationId xmlns:p14="http://schemas.microsoft.com/office/powerpoint/2010/main" val="474782727"/>
+      </p:ext>
+    </p:extLst>
+  </p:cSld>
+  <p:clrMapOvr>
+    <a:masterClrMapping/>
+  </p:clrMapOvr>
+  <p:timing>
+    <p:tnLst>
+      <p:par>
+        <p:cTn id="1" dur="indefinite" restart="never" nodeType="tmRoot">
+          <p:childTnLst>
+            <p:seq concurrent="1" nextAc="seek">
+              <p:cTn id="2" dur="indefinite" nodeType="mainSeq">
+                <p:childTnLst>
+                  <p:par>
+                    <p:cTn id="3" fill="hold">
+                      <p:stCondLst>
+                        <p:cond delay="indefinite"/>
+                      </p:stCondLst>
+                      <p:childTnLst>
+                        <p:par>
+                          <p:cTn id="4" fill="hold">
+                            <p:stCondLst>
+                              <p:cond delay="0"/>
+                            </p:stCondLst>
+                            <p:childTnLst>
+                              <p:par>
+                                <p:cTn id="5" presetID="1" presetClass="entr" presetSubtype="0" fill="hold" nodeType="clickEffect">
+                                  <p:stCondLst>
+                                    <p:cond delay="0"/>
+                                  </p:stCondLst>
+                                  <p:childTnLst>
+                                    <p:set>
+                                      <p:cBhvr>
+                                        <p:cTn id="6" dur="1" fill="hold">
+                                          <p:stCondLst>
+                                            <p:cond delay="0"/>
+                                          </p:stCondLst>
+                                        </p:cTn>
+                                        <p:tgtEl>
+                                          <p:spTgt spid="29">
+                                            <p:txEl>
+                                              <p:pRg st="7" end="7"/>
+                                            </p:txEl>
+                                          </p:spTgt>
+                                        </p:tgtEl>
+                                        <p:attrNameLst>
+                                          <p:attrName>style.visibility</p:attrName>
+                                        </p:attrNameLst>
+                                      </p:cBhvr>
+                                      <p:to>
+                                        <p:strVal val="visible"/>
+                                      </p:to>
+                                    </p:set>
+                                  </p:childTnLst>
+                                </p:cTn>
+                              </p:par>
+                            </p:childTnLst>
+                          </p:cTn>
+                        </p:par>
+                      </p:childTnLst>
+                    </p:cTn>
+                  </p:par>
+                </p:childTnLst>
+              </p:cTn>
+              <p:prevCondLst>
+                <p:cond evt="onPrev" delay="0">
+                  <p:tgtEl>
+                    <p:sldTgt/>
+                  </p:tgtEl>
+                </p:cond>
+              </p:prevCondLst>
+              <p:nextCondLst>
+                <p:cond evt="onNext" delay="0">
+                  <p:tgtEl>
+                    <p:sldTgt/>
+                  </p:tgtEl>
+                </p:cond>
+              </p:nextCondLst>
+            </p:seq>
+          </p:childTnLst>
+        </p:cTn>
+      </p:par>
+    </p:tnLst>
+  </p:timing>
+</p:sld>
+</file>
+
+<file path=ppt/slides/slide14.xml><?xml version="1.0" encoding="utf-8"?>
+<p:sld xmlns:a="http://schemas.openxmlformats.org/drawingml/2006/main" xmlns:r="http://schemas.openxmlformats.org/officeDocument/2006/relationships" xmlns:p="http://schemas.openxmlformats.org/presentationml/2006/main">
+  <p:cSld>
+    <p:bg>
+      <p:bgPr>
+        <a:solidFill>
+          <a:schemeClr val="bg1">
+            <a:lumMod val="95000"/>
+          </a:schemeClr>
+        </a:solidFill>
+        <a:effectLst/>
+      </p:bgPr>
+    </p:bg>
+    <p:spTree>
+      <p:nvGrpSpPr>
+        <p:cNvPr id="1" name=""/>
+        <p:cNvGrpSpPr/>
+        <p:nvPr/>
+      </p:nvGrpSpPr>
+      <p:grpSpPr>
+        <a:xfrm>
+          <a:off x="0" y="0"/>
+          <a:ext cx="0" cy="0"/>
+          <a:chOff x="0" y="0"/>
+          <a:chExt cx="0" cy="0"/>
+        </a:xfrm>
+      </p:grpSpPr>
+      <p:sp>
+        <p:nvSpPr>
+          <p:cNvPr id="2" name="Title 1"/>
+          <p:cNvSpPr>
+            <a:spLocks noGrp="1"/>
+          </p:cNvSpPr>
+          <p:nvPr>
+            <p:ph type="title"/>
+          </p:nvPr>
+        </p:nvSpPr>
+        <p:spPr>
+          <a:xfrm>
+            <a:off x="0" y="0"/>
+            <a:ext cx="12192000" cy="935915"/>
+          </a:xfrm>
+          <a:solidFill>
+            <a:schemeClr val="tx1"/>
+          </a:solidFill>
+        </p:spPr>
+        <p:txBody>
+          <a:bodyPr/>
+          <a:lstStyle/>
+          <a:p>
+            <a:pPr algn="ctr"/>
+            <a:r>
+              <a:rPr lang="en-US" b="1" dirty="0">
+                <a:solidFill>
+                  <a:schemeClr val="bg1"/>
+                </a:solidFill>
+              </a:rPr>
+              <a:t>How do people use PCA</a:t>
+            </a:r>
+          </a:p>
+        </p:txBody>
+      </p:sp>
+      <p:sp>
+        <p:nvSpPr>
+          <p:cNvPr id="29" name="TextBox 28"/>
+          <p:cNvSpPr txBox="1"/>
+          <p:nvPr/>
+        </p:nvSpPr>
+        <p:spPr>
+          <a:xfrm>
+            <a:off x="413657" y="1784731"/>
+            <a:ext cx="4463143" cy="2308324"/>
+          </a:xfrm>
+          <a:prstGeom prst="rect">
+            <a:avLst/>
+          </a:prstGeom>
+          <a:noFill/>
+        </p:spPr>
+        <p:txBody>
+          <a:bodyPr wrap="square" rtlCol="0">
+            <a:spAutoFit/>
+          </a:bodyPr>
+          <a:lstStyle/>
+          <a:p>
+            <a:r>
+              <a:rPr lang="en-US" dirty="0"/>
+              <a:t>Input data: </a:t>
+            </a:r>
+          </a:p>
+          <a:p>
+            <a:r>
+              <a:rPr lang="en-US" dirty="0"/>
+              <a:t>Expression level for 1000s of genes</a:t>
+            </a:r>
+          </a:p>
+          <a:p>
+            <a:r>
+              <a:rPr lang="en-US" dirty="0"/>
+              <a:t>In 100s of cells (color indicates type of cell)</a:t>
+            </a:r>
+          </a:p>
+          <a:p>
+            <a:endParaRPr lang="en-US" dirty="0"/>
+          </a:p>
+          <a:p>
+            <a:endParaRPr lang="en-US" dirty="0"/>
+          </a:p>
+          <a:p>
+            <a:endParaRPr lang="en-US" dirty="0"/>
+          </a:p>
+          <a:p>
+            <a:r>
+              <a:rPr lang="en-US" dirty="0"/>
+              <a:t>What are the PCs here?</a:t>
+            </a:r>
+          </a:p>
+          <a:p>
+            <a:endParaRPr lang="en-US" dirty="0"/>
+          </a:p>
+        </p:txBody>
+      </p:sp>
+      <p:pic>
+        <p:nvPicPr>
+          <p:cNvPr id="4" name="Picture 3"/>
+          <p:cNvPicPr>
+            <a:picLocks noChangeAspect="1"/>
+          </p:cNvPicPr>
+          <p:nvPr/>
+        </p:nvPicPr>
+        <p:blipFill>
+          <a:blip r:embed="rId2">
+            <a:extLst>
+              <a:ext uri="{28A0092B-C50C-407E-A947-70E740481C1C}">
+                <a14:useLocalDpi xmlns:a14="http://schemas.microsoft.com/office/drawing/2010/main" val="0"/>
+              </a:ext>
+            </a:extLst>
+          </a:blip>
+          <a:stretch>
+            <a:fillRect/>
+          </a:stretch>
+        </p:blipFill>
+        <p:spPr>
+          <a:xfrm>
+            <a:off x="5747657" y="1110083"/>
+            <a:ext cx="5856514" cy="5592877"/>
+          </a:xfrm>
+          <a:prstGeom prst="rect">
+            <a:avLst/>
+          </a:prstGeom>
+        </p:spPr>
+      </p:pic>
+    </p:spTree>
+    <p:extLst>
+      <p:ext uri="{BB962C8B-B14F-4D97-AF65-F5344CB8AC3E}">
+        <p14:creationId xmlns:p14="http://schemas.microsoft.com/office/powerpoint/2010/main" val="1040302226"/>
+      </p:ext>
+    </p:extLst>
+  </p:cSld>
+  <p:clrMapOvr>
+    <a:masterClrMapping/>
+  </p:clrMapOvr>
+  <p:timing>
+    <p:tnLst>
+      <p:par>
+        <p:cTn id="1" dur="indefinite" restart="never" nodeType="tmRoot">
+          <p:childTnLst>
+            <p:seq concurrent="1" nextAc="seek">
+              <p:cTn id="2" dur="indefinite" nodeType="mainSeq">
+                <p:childTnLst>
+                  <p:par>
+                    <p:cTn id="3" fill="hold">
+                      <p:stCondLst>
+                        <p:cond delay="indefinite"/>
+                      </p:stCondLst>
+                      <p:childTnLst>
+                        <p:par>
+                          <p:cTn id="4" fill="hold">
+                            <p:stCondLst>
+                              <p:cond delay="0"/>
+                            </p:stCondLst>
+                            <p:childTnLst>
+                              <p:par>
+                                <p:cTn id="5" presetID="1" presetClass="entr" presetSubtype="0" fill="hold" nodeType="clickEffect">
+                                  <p:stCondLst>
+                                    <p:cond delay="0"/>
+                                  </p:stCondLst>
+                                  <p:childTnLst>
+                                    <p:set>
+                                      <p:cBhvr>
+                                        <p:cTn id="6" dur="1" fill="hold">
+                                          <p:stCondLst>
+                                            <p:cond delay="0"/>
+                                          </p:stCondLst>
+                                        </p:cTn>
+                                        <p:tgtEl>
+                                          <p:spTgt spid="29">
+                                            <p:txEl>
+                                              <p:pRg st="6" end="6"/>
+                                            </p:txEl>
+                                          </p:spTgt>
+                                        </p:tgtEl>
+                                        <p:attrNameLst>
+                                          <p:attrName>style.visibility</p:attrName>
+                                        </p:attrNameLst>
+                                      </p:cBhvr>
+                                      <p:to>
+                                        <p:strVal val="visible"/>
+                                      </p:to>
+                                    </p:set>
+                                  </p:childTnLst>
+                                </p:cTn>
+                              </p:par>
+                            </p:childTnLst>
+                          </p:cTn>
+                        </p:par>
+                      </p:childTnLst>
+                    </p:cTn>
+                  </p:par>
+                </p:childTnLst>
+              </p:cTn>
+              <p:prevCondLst>
+                <p:cond evt="onPrev" delay="0">
+                  <p:tgtEl>
+                    <p:sldTgt/>
+                  </p:tgtEl>
+                </p:cond>
+              </p:prevCondLst>
+              <p:nextCondLst>
+                <p:cond evt="onNext" delay="0">
+                  <p:tgtEl>
+                    <p:sldTgt/>
+                  </p:tgtEl>
+                </p:cond>
+              </p:nextCondLst>
+            </p:seq>
+          </p:childTnLst>
+        </p:cTn>
+      </p:par>
+    </p:tnLst>
+  </p:timing>
+</p:sld>
+</file>
+
+<file path=ppt/slides/slide15.xml><?xml version="1.0" encoding="utf-8"?>
+<p:sld xmlns:a="http://schemas.openxmlformats.org/drawingml/2006/main" xmlns:r="http://schemas.openxmlformats.org/officeDocument/2006/relationships" xmlns:p="http://schemas.openxmlformats.org/presentationml/2006/main">
+  <p:cSld>
+    <p:bg>
+      <p:bgPr>
+        <a:solidFill>
+          <a:schemeClr val="bg1">
+            <a:lumMod val="95000"/>
+          </a:schemeClr>
+        </a:solidFill>
+        <a:effectLst/>
+      </p:bgPr>
+    </p:bg>
+    <p:spTree>
+      <p:nvGrpSpPr>
+        <p:cNvPr id="1" name=""/>
+        <p:cNvGrpSpPr/>
+        <p:nvPr/>
+      </p:nvGrpSpPr>
+      <p:grpSpPr>
+        <a:xfrm>
+          <a:off x="0" y="0"/>
+          <a:ext cx="0" cy="0"/>
+          <a:chOff x="0" y="0"/>
+          <a:chExt cx="0" cy="0"/>
+        </a:xfrm>
+      </p:grpSpPr>
+      <p:sp>
+        <p:nvSpPr>
+          <p:cNvPr id="2" name="Title 1"/>
+          <p:cNvSpPr>
+            <a:spLocks noGrp="1"/>
+          </p:cNvSpPr>
+          <p:nvPr>
+            <p:ph type="title"/>
+          </p:nvPr>
+        </p:nvSpPr>
+        <p:spPr>
+          <a:xfrm>
+            <a:off x="0" y="0"/>
+            <a:ext cx="12192000" cy="935915"/>
+          </a:xfrm>
+          <a:solidFill>
+            <a:schemeClr val="tx1"/>
+          </a:solidFill>
+        </p:spPr>
+        <p:txBody>
+          <a:bodyPr/>
+          <a:lstStyle/>
+          <a:p>
+            <a:pPr algn="ctr"/>
+            <a:r>
+              <a:rPr lang="en-US" b="1" dirty="0">
+                <a:solidFill>
+                  <a:schemeClr val="bg1"/>
+                </a:solidFill>
+              </a:rPr>
+              <a:t>How do people use PCA</a:t>
+            </a:r>
+          </a:p>
+        </p:txBody>
+      </p:sp>
+      <p:sp>
+        <p:nvSpPr>
+          <p:cNvPr id="29" name="TextBox 28"/>
+          <p:cNvSpPr txBox="1"/>
+          <p:nvPr/>
+        </p:nvSpPr>
+        <p:spPr>
+          <a:xfrm>
+            <a:off x="391885" y="1457274"/>
+            <a:ext cx="4310743" cy="1200329"/>
+          </a:xfrm>
+          <a:prstGeom prst="rect">
+            <a:avLst/>
+          </a:prstGeom>
+          <a:noFill/>
+        </p:spPr>
+        <p:txBody>
+          <a:bodyPr wrap="square" rtlCol="0">
+            <a:spAutoFit/>
+          </a:bodyPr>
+          <a:lstStyle/>
+          <a:p>
+            <a:r>
+              <a:rPr lang="en-US" dirty="0"/>
+              <a:t>Input data: </a:t>
+            </a:r>
+          </a:p>
+          <a:p>
+            <a:r>
+              <a:rPr lang="en-US" dirty="0" err="1"/>
+              <a:t>Radseq</a:t>
+            </a:r>
+            <a:r>
+              <a:rPr lang="en-US" dirty="0"/>
+              <a:t> data (genotypes at 100s of loci)</a:t>
+            </a:r>
+          </a:p>
+          <a:p>
+            <a:r>
+              <a:rPr lang="en-US" dirty="0"/>
+              <a:t>For a large number of species or strains</a:t>
+            </a:r>
+          </a:p>
+          <a:p>
+            <a:endParaRPr lang="en-US" dirty="0"/>
+          </a:p>
+        </p:txBody>
+      </p:sp>
+      <p:pic>
+        <p:nvPicPr>
+          <p:cNvPr id="6" name="Picture 5"/>
+          <p:cNvPicPr>
+            <a:picLocks noChangeAspect="1"/>
+          </p:cNvPicPr>
+          <p:nvPr/>
+        </p:nvPicPr>
+        <p:blipFill rotWithShape="1">
+          <a:blip r:embed="rId2">
+            <a:extLst>
+              <a:ext uri="{28A0092B-C50C-407E-A947-70E740481C1C}">
+                <a14:useLocalDpi xmlns:a14="http://schemas.microsoft.com/office/drawing/2010/main" val="0"/>
+              </a:ext>
+            </a:extLst>
+          </a:blip>
+          <a:srcRect l="14912" t="21795" b="6410"/>
+          <a:stretch/>
+        </p:blipFill>
+        <p:spPr>
+          <a:xfrm>
+            <a:off x="4702625" y="1313804"/>
+            <a:ext cx="7302953" cy="4216138"/>
+          </a:xfrm>
+          <a:prstGeom prst="rect">
+            <a:avLst/>
+          </a:prstGeom>
+        </p:spPr>
+      </p:pic>
+    </p:spTree>
+    <p:extLst>
+      <p:ext uri="{BB962C8B-B14F-4D97-AF65-F5344CB8AC3E}">
+        <p14:creationId xmlns:p14="http://schemas.microsoft.com/office/powerpoint/2010/main" val="1726702737"/>
+      </p:ext>
+    </p:extLst>
+  </p:cSld>
+  <p:clrMapOvr>
+    <a:masterClrMapping/>
+  </p:clrMapOvr>
+</p:sld>
+</file>
+
+<file path=ppt/slides/slide16.xml><?xml version="1.0" encoding="utf-8"?>
+<p:sld xmlns:a="http://schemas.openxmlformats.org/drawingml/2006/main" xmlns:r="http://schemas.openxmlformats.org/officeDocument/2006/relationships" xmlns:p="http://schemas.openxmlformats.org/presentationml/2006/main">
+  <p:cSld>
+    <p:bg>
+      <p:bgPr>
+        <a:solidFill>
+          <a:schemeClr val="bg1">
+            <a:lumMod val="95000"/>
+          </a:schemeClr>
+        </a:solidFill>
+        <a:effectLst/>
+      </p:bgPr>
+    </p:bg>
+    <p:spTree>
+      <p:nvGrpSpPr>
+        <p:cNvPr id="1" name=""/>
+        <p:cNvGrpSpPr/>
+        <p:nvPr/>
+      </p:nvGrpSpPr>
+      <p:grpSpPr>
+        <a:xfrm>
+          <a:off x="0" y="0"/>
+          <a:ext cx="0" cy="0"/>
+          <a:chOff x="0" y="0"/>
+          <a:chExt cx="0" cy="0"/>
+        </a:xfrm>
+      </p:grpSpPr>
+      <p:sp>
+        <p:nvSpPr>
+          <p:cNvPr id="2" name="Title 1"/>
+          <p:cNvSpPr>
+            <a:spLocks noGrp="1"/>
+          </p:cNvSpPr>
+          <p:nvPr>
+            <p:ph type="title"/>
+          </p:nvPr>
+        </p:nvSpPr>
+        <p:spPr>
+          <a:xfrm>
+            <a:off x="0" y="0"/>
+            <a:ext cx="12192000" cy="935915"/>
+          </a:xfrm>
+          <a:solidFill>
+            <a:schemeClr val="tx1"/>
+          </a:solidFill>
+        </p:spPr>
+        <p:txBody>
+          <a:bodyPr/>
+          <a:lstStyle/>
+          <a:p>
+            <a:pPr algn="ctr"/>
+            <a:r>
+              <a:rPr lang="en-US" b="1" dirty="0">
+                <a:solidFill>
+                  <a:schemeClr val="bg1"/>
+                </a:solidFill>
+              </a:rPr>
+              <a:t>How do people use PCA</a:t>
+            </a:r>
+          </a:p>
+        </p:txBody>
+      </p:sp>
+      <p:sp>
+        <p:nvSpPr>
+          <p:cNvPr id="29" name="TextBox 28"/>
+          <p:cNvSpPr txBox="1"/>
+          <p:nvPr/>
+        </p:nvSpPr>
+        <p:spPr>
+          <a:xfrm>
+            <a:off x="391885" y="1457274"/>
+            <a:ext cx="4310743" cy="923330"/>
+          </a:xfrm>
+          <a:prstGeom prst="rect">
+            <a:avLst/>
+          </a:prstGeom>
+          <a:noFill/>
+        </p:spPr>
+        <p:txBody>
+          <a:bodyPr wrap="square" rtlCol="0">
+            <a:spAutoFit/>
+          </a:bodyPr>
+          <a:lstStyle/>
+          <a:p>
+            <a:r>
+              <a:rPr lang="en-US" dirty="0"/>
+              <a:t>Input data: </a:t>
+            </a:r>
+          </a:p>
+          <a:p>
+            <a:r>
+              <a:rPr lang="en-US" dirty="0" err="1"/>
+              <a:t>Radseq</a:t>
+            </a:r>
+            <a:r>
+              <a:rPr lang="en-US" dirty="0"/>
+              <a:t> data (genotypes at 100s of loci)</a:t>
+            </a:r>
+          </a:p>
+          <a:p>
+            <a:r>
+              <a:rPr lang="en-US" dirty="0"/>
+              <a:t>For a large number of species or strains</a:t>
+            </a:r>
+          </a:p>
+        </p:txBody>
+      </p:sp>
+      <p:pic>
+        <p:nvPicPr>
+          <p:cNvPr id="4" name="Picture 3"/>
+          <p:cNvPicPr>
+            <a:picLocks noChangeAspect="1"/>
+          </p:cNvPicPr>
+          <p:nvPr/>
+        </p:nvPicPr>
+        <p:blipFill rotWithShape="1">
+          <a:blip r:embed="rId2">
+            <a:extLst>
+              <a:ext uri="{28A0092B-C50C-407E-A947-70E740481C1C}">
+                <a14:useLocalDpi xmlns:a14="http://schemas.microsoft.com/office/drawing/2010/main" val="0"/>
+              </a:ext>
+            </a:extLst>
+          </a:blip>
+          <a:srcRect l="14912" t="21795" b="6410"/>
+          <a:stretch/>
+        </p:blipFill>
+        <p:spPr>
+          <a:xfrm>
+            <a:off x="4702627" y="1313803"/>
+            <a:ext cx="7302955" cy="4216139"/>
+          </a:xfrm>
+          <a:prstGeom prst="rect">
+            <a:avLst/>
+          </a:prstGeom>
+        </p:spPr>
+      </p:pic>
+    </p:spTree>
+    <p:extLst>
+      <p:ext uri="{BB962C8B-B14F-4D97-AF65-F5344CB8AC3E}">
+        <p14:creationId xmlns:p14="http://schemas.microsoft.com/office/powerpoint/2010/main" val="1810970264"/>
+      </p:ext>
+    </p:extLst>
+  </p:cSld>
+  <p:clrMapOvr>
+    <a:masterClrMapping/>
+  </p:clrMapOvr>
+</p:sld>
+</file>
+
+<file path=ppt/slides/slide17.xml><?xml version="1.0" encoding="utf-8"?>
+<p:sld xmlns:a="http://schemas.openxmlformats.org/drawingml/2006/main" xmlns:r="http://schemas.openxmlformats.org/officeDocument/2006/relationships" xmlns:p="http://schemas.openxmlformats.org/presentationml/2006/main">
+  <p:cSld>
+    <p:bg>
+      <p:bgPr>
+        <a:solidFill>
+          <a:schemeClr val="bg1">
+            <a:lumMod val="95000"/>
+          </a:schemeClr>
+        </a:solidFill>
+        <a:effectLst/>
+      </p:bgPr>
+    </p:bg>
+    <p:spTree>
+      <p:nvGrpSpPr>
+        <p:cNvPr id="1" name=""/>
+        <p:cNvGrpSpPr/>
+        <p:nvPr/>
+      </p:nvGrpSpPr>
+      <p:grpSpPr>
+        <a:xfrm>
+          <a:off x="0" y="0"/>
+          <a:ext cx="0" cy="0"/>
+          <a:chOff x="0" y="0"/>
+          <a:chExt cx="0" cy="0"/>
+        </a:xfrm>
+      </p:grpSpPr>
+      <p:sp>
+        <p:nvSpPr>
+          <p:cNvPr id="2" name="Title 1"/>
+          <p:cNvSpPr>
+            <a:spLocks noGrp="1"/>
+          </p:cNvSpPr>
+          <p:nvPr>
+            <p:ph type="title"/>
+          </p:nvPr>
+        </p:nvSpPr>
+        <p:spPr>
+          <a:xfrm>
+            <a:off x="0" y="0"/>
+            <a:ext cx="12192000" cy="935915"/>
+          </a:xfrm>
+          <a:solidFill>
+            <a:schemeClr val="tx1"/>
+          </a:solidFill>
+        </p:spPr>
+        <p:txBody>
+          <a:bodyPr/>
+          <a:lstStyle/>
+          <a:p>
+            <a:pPr algn="ctr"/>
+            <a:r>
+              <a:rPr lang="en-US" b="1" dirty="0">
+                <a:solidFill>
+                  <a:schemeClr val="bg1"/>
+                </a:solidFill>
+              </a:rPr>
+              <a:t>How informative is your PCA</a:t>
+            </a:r>
+          </a:p>
+        </p:txBody>
+      </p:sp>
+      <p:sp>
+        <p:nvSpPr>
+          <p:cNvPr id="29" name="TextBox 28"/>
+          <p:cNvSpPr txBox="1"/>
+          <p:nvPr/>
+        </p:nvSpPr>
+        <p:spPr>
+          <a:xfrm>
+            <a:off x="217714" y="1317401"/>
+            <a:ext cx="5199743" cy="4031873"/>
+          </a:xfrm>
+          <a:prstGeom prst="rect">
+            <a:avLst/>
+          </a:prstGeom>
+          <a:noFill/>
+        </p:spPr>
+        <p:txBody>
+          <a:bodyPr wrap="square" rtlCol="0">
+            <a:spAutoFit/>
+          </a:bodyPr>
+          <a:lstStyle/>
+          <a:p>
+            <a:r>
+              <a:rPr lang="en-US" sz="3200" dirty="0"/>
+              <a:t>Scree Plot: A plot that illustrates the proportion of total variance that is captured by each principal component.</a:t>
+            </a:r>
+          </a:p>
+          <a:p>
+            <a:endParaRPr lang="en-US" sz="3200" dirty="0"/>
+          </a:p>
+          <a:p>
+            <a:r>
+              <a:rPr lang="en-US" sz="3200" dirty="0"/>
+              <a:t>Steep means you can greatly reduce dimensionality without losing information</a:t>
+            </a:r>
+          </a:p>
+        </p:txBody>
+      </p:sp>
+      <p:pic>
+        <p:nvPicPr>
+          <p:cNvPr id="3" name="Picture 2"/>
+          <p:cNvPicPr>
+            <a:picLocks noChangeAspect="1"/>
+          </p:cNvPicPr>
+          <p:nvPr/>
+        </p:nvPicPr>
+        <p:blipFill rotWithShape="1">
+          <a:blip r:embed="rId2">
+            <a:extLst>
+              <a:ext uri="{28A0092B-C50C-407E-A947-70E740481C1C}">
+                <a14:useLocalDpi xmlns:a14="http://schemas.microsoft.com/office/drawing/2010/main" val="0"/>
+              </a:ext>
+            </a:extLst>
+          </a:blip>
+          <a:srcRect t="4127" b="12381"/>
+          <a:stretch/>
+        </p:blipFill>
+        <p:spPr>
+          <a:xfrm>
+            <a:off x="5591628" y="1132115"/>
+            <a:ext cx="5533757" cy="5725885"/>
+          </a:xfrm>
+          <a:prstGeom prst="rect">
+            <a:avLst/>
+          </a:prstGeom>
+        </p:spPr>
+      </p:pic>
+    </p:spTree>
+    <p:extLst>
+      <p:ext uri="{BB962C8B-B14F-4D97-AF65-F5344CB8AC3E}">
+        <p14:creationId xmlns:p14="http://schemas.microsoft.com/office/powerpoint/2010/main" val="629655006"/>
+      </p:ext>
+    </p:extLst>
+  </p:cSld>
+  <p:clrMapOvr>
+    <a:masterClrMapping/>
+  </p:clrMapOvr>
+</p:sld>
+</file>
+
+<file path=ppt/slides/slide18.xml><?xml version="1.0" encoding="utf-8"?>
+<p:sld xmlns:a="http://schemas.openxmlformats.org/drawingml/2006/main" xmlns:r="http://schemas.openxmlformats.org/officeDocument/2006/relationships" xmlns:p="http://schemas.openxmlformats.org/presentationml/2006/main">
+  <p:cSld>
+    <p:spTree>
+      <p:nvGrpSpPr>
+        <p:cNvPr id="1" name=""/>
+        <p:cNvGrpSpPr/>
+        <p:nvPr/>
+      </p:nvGrpSpPr>
+      <p:grpSpPr>
+        <a:xfrm>
+          <a:off x="0" y="0"/>
+          <a:ext cx="0" cy="0"/>
+          <a:chOff x="0" y="0"/>
+          <a:chExt cx="0" cy="0"/>
+        </a:xfrm>
+      </p:grpSpPr>
+      <p:sp>
+        <p:nvSpPr>
+          <p:cNvPr id="2" name="Title 1"/>
+          <p:cNvSpPr>
+            <a:spLocks noGrp="1"/>
+          </p:cNvSpPr>
+          <p:nvPr>
+            <p:ph type="title"/>
+          </p:nvPr>
+        </p:nvSpPr>
+        <p:spPr>
+          <a:xfrm>
+            <a:off x="0" y="0"/>
+            <a:ext cx="12192000" cy="935915"/>
+          </a:xfrm>
+          <a:solidFill>
+            <a:schemeClr val="tx1"/>
+          </a:solidFill>
+        </p:spPr>
+        <p:txBody>
+          <a:bodyPr/>
+          <a:lstStyle/>
+          <a:p>
+            <a:pPr algn="ctr"/>
+            <a:r>
+              <a:rPr lang="en-US" b="1" dirty="0">
+                <a:solidFill>
+                  <a:schemeClr val="bg1"/>
+                </a:solidFill>
+              </a:rPr>
+              <a:t>Alternatives</a:t>
+            </a:r>
+          </a:p>
+        </p:txBody>
+      </p:sp>
+      <p:sp>
+        <p:nvSpPr>
+          <p:cNvPr id="29" name="TextBox 28"/>
+          <p:cNvSpPr txBox="1"/>
+          <p:nvPr/>
+        </p:nvSpPr>
+        <p:spPr>
+          <a:xfrm>
+            <a:off x="413657" y="1784731"/>
+            <a:ext cx="11190514" cy="1938992"/>
+          </a:xfrm>
+          <a:prstGeom prst="rect">
+            <a:avLst/>
+          </a:prstGeom>
+          <a:noFill/>
+        </p:spPr>
+        <p:txBody>
+          <a:bodyPr wrap="square" rtlCol="0">
+            <a:spAutoFit/>
+          </a:bodyPr>
+          <a:lstStyle/>
+          <a:p>
+            <a:r>
+              <a:rPr lang="en-US" sz="2400" b="1" dirty="0"/>
+              <a:t>Discriminate function analysis</a:t>
+            </a:r>
+            <a:r>
+              <a:rPr lang="en-US" sz="2400" dirty="0"/>
+              <a:t>: This is similar to PCA but you assign groupings to the data first and the discriminating components best parse your assigned groups from one another.</a:t>
+            </a:r>
+          </a:p>
+          <a:p>
+            <a:endParaRPr lang="en-US" sz="2400" dirty="0"/>
+          </a:p>
+          <a:p>
+            <a:endParaRPr lang="en-US" sz="2400" dirty="0"/>
+          </a:p>
+        </p:txBody>
+      </p:sp>
+    </p:spTree>
+    <p:extLst>
+      <p:ext uri="{BB962C8B-B14F-4D97-AF65-F5344CB8AC3E}">
+        <p14:creationId xmlns:p14="http://schemas.microsoft.com/office/powerpoint/2010/main" val="3005713011"/>
+      </p:ext>
+    </p:extLst>
+  </p:cSld>
+  <p:clrMapOvr>
+    <a:masterClrMapping/>
+  </p:clrMapOvr>
+</p:sld>
+</file>
+
+<file path=ppt/slides/slide19.xml><?xml version="1.0" encoding="utf-8"?>
+<p:sld xmlns:a="http://schemas.openxmlformats.org/drawingml/2006/main" xmlns:r="http://schemas.openxmlformats.org/officeDocument/2006/relationships" xmlns:p="http://schemas.openxmlformats.org/presentationml/2006/main">
+  <p:cSld>
+    <p:bg>
+      <p:bgPr>
+        <a:solidFill>
+          <a:schemeClr val="bg1">
+            <a:lumMod val="95000"/>
+          </a:schemeClr>
+        </a:solidFill>
+        <a:effectLst/>
+      </p:bgPr>
+    </p:bg>
+    <p:spTree>
+      <p:nvGrpSpPr>
+        <p:cNvPr id="1" name=""/>
+        <p:cNvGrpSpPr/>
+        <p:nvPr/>
+      </p:nvGrpSpPr>
+      <p:grpSpPr>
+        <a:xfrm>
+          <a:off x="0" y="0"/>
+          <a:ext cx="0" cy="0"/>
+          <a:chOff x="0" y="0"/>
+          <a:chExt cx="0" cy="0"/>
+        </a:xfrm>
+      </p:grpSpPr>
+      <p:sp>
+        <p:nvSpPr>
+          <p:cNvPr id="2" name="Title 1"/>
+          <p:cNvSpPr>
+            <a:spLocks noGrp="1"/>
+          </p:cNvSpPr>
+          <p:nvPr>
+            <p:ph type="title"/>
+          </p:nvPr>
+        </p:nvSpPr>
+        <p:spPr>
+          <a:xfrm>
+            <a:off x="0" y="0"/>
+            <a:ext cx="12192000" cy="935915"/>
+          </a:xfrm>
+          <a:solidFill>
+            <a:schemeClr val="tx1"/>
+          </a:solidFill>
+        </p:spPr>
+        <p:txBody>
+          <a:bodyPr>
+            <a:normAutofit fontScale="90000"/>
+          </a:bodyPr>
+          <a:lstStyle/>
+          <a:p>
+            <a:pPr algn="ctr"/>
+            <a:r>
+              <a:rPr lang="en-US" sz="4000" b="1" dirty="0">
+                <a:solidFill>
+                  <a:schemeClr val="bg1"/>
+                </a:solidFill>
+              </a:rPr>
+              <a:t>An example of useful and less useful dimensional reduction</a:t>
+            </a:r>
+            <a:endParaRPr lang="en-US" b="1" dirty="0">
+              <a:solidFill>
+                <a:schemeClr val="bg1"/>
+              </a:solidFill>
+            </a:endParaRPr>
+          </a:p>
+        </p:txBody>
+      </p:sp>
+      <p:sp>
+        <p:nvSpPr>
+          <p:cNvPr id="3" name="TextBox 2">
+            <a:extLst>
+              <a:ext uri="{FF2B5EF4-FFF2-40B4-BE49-F238E27FC236}">
+                <a16:creationId xmlns:a16="http://schemas.microsoft.com/office/drawing/2014/main" id="{C6DB565C-D571-DC4C-AEBB-42C41B7C6351}"/>
+              </a:ext>
+            </a:extLst>
+          </p:cNvPr>
+          <p:cNvSpPr txBox="1"/>
+          <p:nvPr/>
+        </p:nvSpPr>
+        <p:spPr>
+          <a:xfrm>
+            <a:off x="445477" y="1219200"/>
+            <a:ext cx="9841861" cy="4031873"/>
+          </a:xfrm>
+          <a:prstGeom prst="rect">
+            <a:avLst/>
+          </a:prstGeom>
+          <a:noFill/>
+        </p:spPr>
+        <p:txBody>
+          <a:bodyPr wrap="none" rtlCol="0">
+            <a:spAutoFit/>
+          </a:bodyPr>
+          <a:lstStyle/>
+          <a:p>
+            <a:r>
+              <a:rPr lang="en-US" sz="4400" b="1" dirty="0"/>
+              <a:t>Example in </a:t>
+            </a:r>
+            <a:r>
+              <a:rPr lang="en-US" sz="4400" b="1" dirty="0" err="1"/>
+              <a:t>Rmarkdown</a:t>
+            </a:r>
+            <a:endParaRPr lang="en-US" sz="4400" b="1" dirty="0"/>
+          </a:p>
+          <a:p>
+            <a:endParaRPr lang="en-US" sz="2800" b="1" dirty="0"/>
+          </a:p>
+          <a:p>
+            <a:r>
+              <a:rPr lang="en-US" sz="3600" b="1" dirty="0"/>
+              <a:t>Standard Packages</a:t>
+            </a:r>
+          </a:p>
+          <a:p>
+            <a:r>
+              <a:rPr lang="en-US" sz="2800" dirty="0"/>
+              <a:t>stats – this is part of the base install and has the function </a:t>
+            </a:r>
+            <a:r>
+              <a:rPr lang="en-US" sz="2800" dirty="0" err="1">
+                <a:latin typeface="Courier New" panose="02070309020205020404" pitchFamily="49" charset="0"/>
+                <a:cs typeface="Courier New" panose="02070309020205020404" pitchFamily="49" charset="0"/>
+              </a:rPr>
+              <a:t>prcomp</a:t>
+            </a:r>
+            <a:endParaRPr lang="en-US" sz="2800" dirty="0">
+              <a:latin typeface="Courier New" panose="02070309020205020404" pitchFamily="49" charset="0"/>
+              <a:cs typeface="Courier New" panose="02070309020205020404" pitchFamily="49" charset="0"/>
+            </a:endParaRPr>
+          </a:p>
+          <a:p>
+            <a:endParaRPr lang="en-US" sz="2800" dirty="0"/>
+          </a:p>
+          <a:p>
+            <a:r>
+              <a:rPr lang="en-US" sz="3600" b="1" dirty="0"/>
+              <a:t>New Packages</a:t>
+            </a:r>
+          </a:p>
+          <a:p>
+            <a:r>
+              <a:rPr lang="en-US" sz="2800" dirty="0"/>
+              <a:t>car – </a:t>
+            </a:r>
+            <a:r>
+              <a:rPr lang="en-US" sz="2800" dirty="0" err="1">
+                <a:latin typeface="Courier New" panose="02070309020205020404" pitchFamily="49" charset="0"/>
+                <a:cs typeface="Courier New" panose="02070309020205020404" pitchFamily="49" charset="0"/>
+              </a:rPr>
+              <a:t>data.ellipse</a:t>
+            </a:r>
+            <a:r>
+              <a:rPr lang="en-US" sz="2800" dirty="0">
+                <a:latin typeface="Courier New" panose="02070309020205020404" pitchFamily="49" charset="0"/>
+                <a:cs typeface="Courier New" panose="02070309020205020404" pitchFamily="49" charset="0"/>
+              </a:rPr>
+              <a:t> </a:t>
+            </a:r>
+            <a:r>
+              <a:rPr lang="en-US" sz="2800" dirty="0"/>
+              <a:t>function</a:t>
+            </a:r>
+          </a:p>
+          <a:p>
+            <a:r>
+              <a:rPr lang="en-US" sz="2800" dirty="0" err="1"/>
+              <a:t>FactoMineR</a:t>
+            </a:r>
+            <a:r>
+              <a:rPr lang="en-US" sz="2800" dirty="0"/>
+              <a:t> – </a:t>
+            </a:r>
+            <a:r>
+              <a:rPr lang="en-US" sz="2800" dirty="0">
+                <a:latin typeface="Courier New" panose="02070309020205020404" pitchFamily="49" charset="0"/>
+                <a:cs typeface="Courier New" panose="02070309020205020404" pitchFamily="49" charset="0"/>
+              </a:rPr>
+              <a:t>PCA</a:t>
+            </a:r>
+            <a:r>
+              <a:rPr lang="en-US" sz="2800" dirty="0"/>
+              <a:t> function</a:t>
+            </a:r>
+            <a:endParaRPr lang="en-US" sz="3600" dirty="0"/>
+          </a:p>
+        </p:txBody>
+      </p:sp>
+    </p:spTree>
+    <p:extLst>
+      <p:ext uri="{BB962C8B-B14F-4D97-AF65-F5344CB8AC3E}">
+        <p14:creationId xmlns:p14="http://schemas.microsoft.com/office/powerpoint/2010/main" val="4018297870"/>
+      </p:ext>
+    </p:extLst>
+  </p:cSld>
+  <p:clrMapOvr>
+    <a:masterClrMapping/>
+  </p:clrMapOvr>
+</p:sld>
+</file>
+
+<file path=ppt/slides/slide2.xml><?xml version="1.0" encoding="utf-8"?>
+<p:sld xmlns:a="http://schemas.openxmlformats.org/drawingml/2006/main" xmlns:r="http://schemas.openxmlformats.org/officeDocument/2006/relationships" xmlns:p="http://schemas.openxmlformats.org/presentationml/2006/main">
+  <p:cSld>
+    <p:bg>
+      <p:bgPr>
+        <a:solidFill>
+          <a:schemeClr val="bg1">
+            <a:lumMod val="95000"/>
+          </a:schemeClr>
+        </a:solidFill>
+        <a:effectLst/>
+      </p:bgPr>
+    </p:bg>
+    <p:spTree>
+      <p:nvGrpSpPr>
+        <p:cNvPr id="1" name=""/>
+        <p:cNvGrpSpPr/>
+        <p:nvPr/>
+      </p:nvGrpSpPr>
+      <p:grpSpPr>
+        <a:xfrm>
+          <a:off x="0" y="0"/>
+          <a:ext cx="0" cy="0"/>
+          <a:chOff x="0" y="0"/>
+          <a:chExt cx="0" cy="0"/>
+        </a:xfrm>
+      </p:grpSpPr>
+      <p:sp>
+        <p:nvSpPr>
+          <p:cNvPr id="2" name="Title 1"/>
+          <p:cNvSpPr>
+            <a:spLocks noGrp="1"/>
+          </p:cNvSpPr>
+          <p:nvPr>
+            <p:ph type="title"/>
+          </p:nvPr>
+        </p:nvSpPr>
+        <p:spPr>
+          <a:xfrm>
+            <a:off x="0" y="0"/>
+            <a:ext cx="12192000" cy="935915"/>
+          </a:xfrm>
+          <a:solidFill>
+            <a:schemeClr val="tx1"/>
+          </a:solidFill>
+        </p:spPr>
+        <p:txBody>
+          <a:bodyPr/>
+          <a:lstStyle/>
+          <a:p>
+            <a:pPr algn="ctr"/>
+            <a:r>
+              <a:rPr lang="en-US" b="1" dirty="0">
+                <a:solidFill>
+                  <a:schemeClr val="bg1"/>
+                </a:solidFill>
+              </a:rPr>
+              <a:t>What are multiple comparisons/testing</a:t>
+            </a:r>
+          </a:p>
+        </p:txBody>
+      </p:sp>
+      <p:graphicFrame>
+        <p:nvGraphicFramePr>
+          <p:cNvPr id="7" name="Table 7">
+            <a:extLst>
+              <a:ext uri="{FF2B5EF4-FFF2-40B4-BE49-F238E27FC236}">
+                <a16:creationId xmlns:a16="http://schemas.microsoft.com/office/drawing/2014/main" id="{80923C46-C07B-6387-31EC-EAFFFB3BA69A}"/>
+              </a:ext>
+            </a:extLst>
+          </p:cNvPr>
+          <p:cNvGraphicFramePr>
+            <a:graphicFrameLocks noGrp="1"/>
+          </p:cNvGraphicFramePr>
+          <p:nvPr>
+            <p:extLst>
+              <p:ext uri="{D42A27DB-BD31-4B8C-83A1-F6EECF244321}">
+                <p14:modId xmlns:p14="http://schemas.microsoft.com/office/powerpoint/2010/main" val="116270276"/>
+              </p:ext>
+            </p:extLst>
+          </p:nvPr>
+        </p:nvGraphicFramePr>
+        <p:xfrm>
+          <a:off x="2031999" y="1203960"/>
+          <a:ext cx="8128002" cy="2225040"/>
+        </p:xfrm>
+        <a:graphic>
+          <a:graphicData uri="http://schemas.openxmlformats.org/drawingml/2006/table">
+            <a:tbl>
+              <a:tblPr firstRow="1" bandRow="1">
+                <a:tableStyleId>{5C22544A-7EE6-4342-B048-85BDC9FD1C3A}</a:tableStyleId>
+              </a:tblPr>
+              <a:tblGrid>
+                <a:gridCol w="1354667">
+                  <a:extLst>
+                    <a:ext uri="{9D8B030D-6E8A-4147-A177-3AD203B41FA5}">
+                      <a16:colId xmlns:a16="http://schemas.microsoft.com/office/drawing/2014/main" val="101417023"/>
+                    </a:ext>
+                  </a:extLst>
+                </a:gridCol>
+                <a:gridCol w="1354667">
+                  <a:extLst>
+                    <a:ext uri="{9D8B030D-6E8A-4147-A177-3AD203B41FA5}">
+                      <a16:colId xmlns:a16="http://schemas.microsoft.com/office/drawing/2014/main" val="3686728178"/>
+                    </a:ext>
+                  </a:extLst>
+                </a:gridCol>
+                <a:gridCol w="1354667">
+                  <a:extLst>
+                    <a:ext uri="{9D8B030D-6E8A-4147-A177-3AD203B41FA5}">
+                      <a16:colId xmlns:a16="http://schemas.microsoft.com/office/drawing/2014/main" val="1118256207"/>
+                    </a:ext>
+                  </a:extLst>
+                </a:gridCol>
+                <a:gridCol w="1354667">
+                  <a:extLst>
+                    <a:ext uri="{9D8B030D-6E8A-4147-A177-3AD203B41FA5}">
+                      <a16:colId xmlns:a16="http://schemas.microsoft.com/office/drawing/2014/main" val="2461227180"/>
+                    </a:ext>
+                  </a:extLst>
+                </a:gridCol>
+                <a:gridCol w="1354667">
+                  <a:extLst>
+                    <a:ext uri="{9D8B030D-6E8A-4147-A177-3AD203B41FA5}">
+                      <a16:colId xmlns:a16="http://schemas.microsoft.com/office/drawing/2014/main" val="3412486831"/>
+                    </a:ext>
+                  </a:extLst>
+                </a:gridCol>
+                <a:gridCol w="1354667">
+                  <a:extLst>
+                    <a:ext uri="{9D8B030D-6E8A-4147-A177-3AD203B41FA5}">
+                      <a16:colId xmlns:a16="http://schemas.microsoft.com/office/drawing/2014/main" val="2686437873"/>
+                    </a:ext>
+                  </a:extLst>
+                </a:gridCol>
+              </a:tblGrid>
+              <a:tr h="370840">
+                <a:tc>
+                  <a:txBody>
+                    <a:bodyPr/>
+                    <a:lstStyle/>
+                    <a:p>
+                      <a:r>
+                        <a:rPr lang="en-US" dirty="0"/>
+                        <a:t>Horsebean</a:t>
+                      </a:r>
+                    </a:p>
+                  </a:txBody>
+                  <a:tcPr/>
+                </a:tc>
+                <a:tc>
+                  <a:txBody>
+                    <a:bodyPr/>
+                    <a:lstStyle/>
+                    <a:p>
+                      <a:r>
+                        <a:rPr lang="en-US" dirty="0"/>
+                        <a:t>Linseed</a:t>
+                      </a:r>
+                    </a:p>
+                  </a:txBody>
+                  <a:tcPr/>
+                </a:tc>
+                <a:tc>
+                  <a:txBody>
+                    <a:bodyPr/>
+                    <a:lstStyle/>
+                    <a:p>
+                      <a:r>
+                        <a:rPr lang="en-US" dirty="0"/>
+                        <a:t>Soybean</a:t>
+                      </a:r>
+                    </a:p>
+                  </a:txBody>
+                  <a:tcPr/>
+                </a:tc>
+                <a:tc>
+                  <a:txBody>
+                    <a:bodyPr/>
+                    <a:lstStyle/>
+                    <a:p>
+                      <a:r>
+                        <a:rPr lang="en-US" dirty="0"/>
+                        <a:t>Sunflower</a:t>
+                      </a:r>
+                    </a:p>
+                  </a:txBody>
+                  <a:tcPr/>
+                </a:tc>
+                <a:tc>
+                  <a:txBody>
+                    <a:bodyPr/>
+                    <a:lstStyle/>
+                    <a:p>
+                      <a:r>
+                        <a:rPr lang="en-US" dirty="0" err="1"/>
+                        <a:t>Meatmeal</a:t>
+                      </a:r>
+                      <a:endParaRPr lang="en-US" dirty="0"/>
+                    </a:p>
+                  </a:txBody>
+                  <a:tcPr/>
+                </a:tc>
+                <a:tc>
+                  <a:txBody>
+                    <a:bodyPr/>
+                    <a:lstStyle/>
+                    <a:p>
+                      <a:r>
+                        <a:rPr lang="en-US" dirty="0"/>
+                        <a:t>Casein</a:t>
+                      </a:r>
+                    </a:p>
+                  </a:txBody>
+                  <a:tcPr/>
+                </a:tc>
+                <a:extLst>
+                  <a:ext uri="{0D108BD9-81ED-4DB2-BD59-A6C34878D82A}">
+                    <a16:rowId xmlns:a16="http://schemas.microsoft.com/office/drawing/2014/main" val="1223017852"/>
+                  </a:ext>
+                </a:extLst>
+              </a:tr>
+              <a:tr h="370840">
+                <a:tc>
+                  <a:txBody>
+                    <a:bodyPr/>
+                    <a:lstStyle/>
+                    <a:p>
+                      <a:r>
+                        <a:rPr lang="en-US" dirty="0"/>
+                        <a:t>179</a:t>
+                      </a:r>
+                    </a:p>
+                  </a:txBody>
+                  <a:tcPr/>
+                </a:tc>
+                <a:tc>
+                  <a:txBody>
+                    <a:bodyPr/>
+                    <a:lstStyle/>
+                    <a:p>
+                      <a:r>
+                        <a:rPr lang="en-US" dirty="0"/>
+                        <a:t>205</a:t>
+                      </a:r>
+                    </a:p>
+                  </a:txBody>
+                  <a:tcPr/>
+                </a:tc>
+                <a:tc>
+                  <a:txBody>
+                    <a:bodyPr/>
+                    <a:lstStyle/>
+                    <a:p>
+                      <a:r>
+                        <a:rPr lang="en-US" dirty="0"/>
+                        <a:t>189</a:t>
+                      </a:r>
+                    </a:p>
+                  </a:txBody>
+                  <a:tcPr/>
+                </a:tc>
+                <a:tc>
+                  <a:txBody>
+                    <a:bodyPr/>
+                    <a:lstStyle/>
+                    <a:p>
+                      <a:r>
+                        <a:rPr lang="en-US" dirty="0"/>
+                        <a:t>205</a:t>
+                      </a:r>
+                    </a:p>
+                  </a:txBody>
+                  <a:tcPr/>
+                </a:tc>
+                <a:tc>
+                  <a:txBody>
+                    <a:bodyPr/>
+                    <a:lstStyle/>
+                    <a:p>
+                      <a:r>
+                        <a:rPr lang="en-US" dirty="0"/>
+                        <a:t>179</a:t>
+                      </a:r>
+                    </a:p>
+                  </a:txBody>
+                  <a:tcPr/>
+                </a:tc>
+                <a:tc>
+                  <a:txBody>
+                    <a:bodyPr/>
+                    <a:lstStyle/>
+                    <a:p>
+                      <a:r>
+                        <a:rPr lang="en-US" dirty="0"/>
+                        <a:t>205</a:t>
+                      </a:r>
+                    </a:p>
+                  </a:txBody>
+                  <a:tcPr/>
+                </a:tc>
+                <a:extLst>
+                  <a:ext uri="{0D108BD9-81ED-4DB2-BD59-A6C34878D82A}">
+                    <a16:rowId xmlns:a16="http://schemas.microsoft.com/office/drawing/2014/main" val="869181761"/>
+                  </a:ext>
+                </a:extLst>
+              </a:tr>
+              <a:tr h="370840">
+                <a:tc>
+                  <a:txBody>
+                    <a:bodyPr/>
+                    <a:lstStyle/>
+                    <a:p>
+                      <a:r>
+                        <a:rPr lang="en-US" dirty="0"/>
+                        <a:t>216</a:t>
+                      </a:r>
+                    </a:p>
+                  </a:txBody>
+                  <a:tcPr/>
+                </a:tc>
+                <a:tc>
+                  <a:txBody>
+                    <a:bodyPr/>
+                    <a:lstStyle/>
+                    <a:p>
+                      <a:r>
+                        <a:rPr lang="en-US" dirty="0"/>
+                        <a:t>198</a:t>
+                      </a:r>
+                    </a:p>
+                  </a:txBody>
+                  <a:tcPr/>
+                </a:tc>
+                <a:tc>
+                  <a:txBody>
+                    <a:bodyPr/>
+                    <a:lstStyle/>
+                    <a:p>
+                      <a:r>
+                        <a:rPr lang="en-US" dirty="0"/>
+                        <a:t>186</a:t>
+                      </a:r>
+                    </a:p>
+                  </a:txBody>
+                  <a:tcPr/>
+                </a:tc>
+                <a:tc>
+                  <a:txBody>
+                    <a:bodyPr/>
+                    <a:lstStyle/>
+                    <a:p>
+                      <a:r>
+                        <a:rPr lang="en-US" dirty="0"/>
+                        <a:t>198</a:t>
+                      </a:r>
+                    </a:p>
+                  </a:txBody>
+                  <a:tcPr/>
+                </a:tc>
+                <a:tc>
+                  <a:txBody>
+                    <a:bodyPr/>
+                    <a:lstStyle/>
+                    <a:p>
+                      <a:r>
+                        <a:rPr lang="en-US" dirty="0"/>
+                        <a:t>216</a:t>
+                      </a:r>
+                    </a:p>
+                  </a:txBody>
+                  <a:tcPr/>
+                </a:tc>
+                <a:tc>
+                  <a:txBody>
+                    <a:bodyPr/>
+                    <a:lstStyle/>
+                    <a:p>
+                      <a:r>
+                        <a:rPr lang="en-US" dirty="0"/>
+                        <a:t>198</a:t>
+                      </a:r>
+                    </a:p>
+                  </a:txBody>
+                  <a:tcPr/>
+                </a:tc>
+                <a:extLst>
+                  <a:ext uri="{0D108BD9-81ED-4DB2-BD59-A6C34878D82A}">
+                    <a16:rowId xmlns:a16="http://schemas.microsoft.com/office/drawing/2014/main" val="2642051718"/>
+                  </a:ext>
+                </a:extLst>
+              </a:tr>
+              <a:tr h="370840">
+                <a:tc>
+                  <a:txBody>
+                    <a:bodyPr/>
+                    <a:lstStyle/>
+                    <a:p>
+                      <a:r>
+                        <a:rPr lang="en-US" dirty="0"/>
+                        <a:t>165</a:t>
+                      </a:r>
+                    </a:p>
+                  </a:txBody>
+                  <a:tcPr/>
+                </a:tc>
+                <a:tc>
+                  <a:txBody>
+                    <a:bodyPr/>
+                    <a:lstStyle/>
+                    <a:p>
+                      <a:r>
+                        <a:rPr lang="en-US" dirty="0"/>
+                        <a:t>212</a:t>
+                      </a:r>
+                    </a:p>
+                  </a:txBody>
+                  <a:tcPr/>
+                </a:tc>
+                <a:tc>
+                  <a:txBody>
+                    <a:bodyPr/>
+                    <a:lstStyle/>
+                    <a:p>
+                      <a:r>
+                        <a:rPr lang="en-US" dirty="0"/>
+                        <a:t>175</a:t>
+                      </a:r>
+                    </a:p>
+                  </a:txBody>
+                  <a:tcPr/>
+                </a:tc>
+                <a:tc>
+                  <a:txBody>
+                    <a:bodyPr/>
+                    <a:lstStyle/>
+                    <a:p>
+                      <a:r>
+                        <a:rPr lang="en-US" dirty="0"/>
+                        <a:t>212</a:t>
+                      </a:r>
+                    </a:p>
+                  </a:txBody>
+                  <a:tcPr/>
+                </a:tc>
+                <a:tc>
+                  <a:txBody>
+                    <a:bodyPr/>
+                    <a:lstStyle/>
+                    <a:p>
+                      <a:r>
+                        <a:rPr lang="en-US" dirty="0"/>
+                        <a:t>165</a:t>
+                      </a:r>
+                    </a:p>
+                  </a:txBody>
+                  <a:tcPr/>
+                </a:tc>
+                <a:tc>
+                  <a:txBody>
+                    <a:bodyPr/>
+                    <a:lstStyle/>
+                    <a:p>
+                      <a:r>
+                        <a:rPr lang="en-US" dirty="0"/>
+                        <a:t>212</a:t>
+                      </a:r>
+                    </a:p>
+                  </a:txBody>
+                  <a:tcPr/>
+                </a:tc>
+                <a:extLst>
+                  <a:ext uri="{0D108BD9-81ED-4DB2-BD59-A6C34878D82A}">
+                    <a16:rowId xmlns:a16="http://schemas.microsoft.com/office/drawing/2014/main" val="232647636"/>
+                  </a:ext>
+                </a:extLst>
+              </a:tr>
+              <a:tr h="370840">
+                <a:tc>
+                  <a:txBody>
+                    <a:bodyPr/>
+                    <a:lstStyle/>
+                    <a:p>
+                      <a:r>
+                        <a:rPr lang="en-US" dirty="0"/>
+                        <a:t>183</a:t>
+                      </a:r>
+                    </a:p>
+                  </a:txBody>
+                  <a:tcPr/>
+                </a:tc>
+                <a:tc>
+                  <a:txBody>
+                    <a:bodyPr/>
+                    <a:lstStyle/>
+                    <a:p>
+                      <a:r>
+                        <a:rPr lang="en-US" dirty="0"/>
+                        <a:t>218</a:t>
+                      </a:r>
+                    </a:p>
+                  </a:txBody>
+                  <a:tcPr/>
+                </a:tc>
+                <a:tc>
+                  <a:txBody>
+                    <a:bodyPr/>
+                    <a:lstStyle/>
+                    <a:p>
+                      <a:r>
+                        <a:rPr lang="en-US" dirty="0"/>
+                        <a:t>193</a:t>
+                      </a:r>
+                    </a:p>
+                  </a:txBody>
+                  <a:tcPr/>
+                </a:tc>
+                <a:tc>
+                  <a:txBody>
+                    <a:bodyPr/>
+                    <a:lstStyle/>
+                    <a:p>
+                      <a:r>
+                        <a:rPr lang="en-US" dirty="0"/>
+                        <a:t>218</a:t>
+                      </a:r>
+                    </a:p>
+                  </a:txBody>
+                  <a:tcPr/>
+                </a:tc>
+                <a:tc>
+                  <a:txBody>
+                    <a:bodyPr/>
+                    <a:lstStyle/>
+                    <a:p>
+                      <a:r>
+                        <a:rPr lang="en-US" dirty="0"/>
+                        <a:t>183</a:t>
+                      </a:r>
+                    </a:p>
+                  </a:txBody>
+                  <a:tcPr/>
+                </a:tc>
+                <a:tc>
+                  <a:txBody>
+                    <a:bodyPr/>
+                    <a:lstStyle/>
+                    <a:p>
+                      <a:r>
+                        <a:rPr lang="en-US" dirty="0"/>
+                        <a:t>218</a:t>
+                      </a:r>
+                    </a:p>
+                  </a:txBody>
+                  <a:tcPr/>
+                </a:tc>
+                <a:extLst>
+                  <a:ext uri="{0D108BD9-81ED-4DB2-BD59-A6C34878D82A}">
+                    <a16:rowId xmlns:a16="http://schemas.microsoft.com/office/drawing/2014/main" val="959934129"/>
+                  </a:ext>
+                </a:extLst>
+              </a:tr>
+              <a:tr h="370840">
+                <a:tc>
+                  <a:txBody>
+                    <a:bodyPr/>
+                    <a:lstStyle/>
+                    <a:p>
+                      <a:r>
+                        <a:rPr lang="en-US" dirty="0"/>
+                        <a:t>169</a:t>
+                      </a:r>
+                    </a:p>
+                  </a:txBody>
+                  <a:tcPr/>
+                </a:tc>
+                <a:tc>
+                  <a:txBody>
+                    <a:bodyPr/>
+                    <a:lstStyle/>
+                    <a:p>
+                      <a:r>
+                        <a:rPr lang="en-US" dirty="0"/>
+                        <a:t>210</a:t>
+                      </a:r>
+                    </a:p>
+                  </a:txBody>
+                  <a:tcPr/>
+                </a:tc>
+                <a:tc>
+                  <a:txBody>
+                    <a:bodyPr/>
+                    <a:lstStyle/>
+                    <a:p>
+                      <a:r>
+                        <a:rPr lang="en-US" dirty="0"/>
+                        <a:t>149</a:t>
+                      </a:r>
+                    </a:p>
+                  </a:txBody>
+                  <a:tcPr/>
+                </a:tc>
+                <a:tc>
+                  <a:txBody>
+                    <a:bodyPr/>
+                    <a:lstStyle/>
+                    <a:p>
+                      <a:r>
+                        <a:rPr lang="en-US" dirty="0"/>
+                        <a:t>210</a:t>
+                      </a:r>
+                    </a:p>
+                  </a:txBody>
+                  <a:tcPr/>
+                </a:tc>
+                <a:tc>
+                  <a:txBody>
+                    <a:bodyPr/>
+                    <a:lstStyle/>
+                    <a:p>
+                      <a:r>
+                        <a:rPr lang="en-US" dirty="0"/>
+                        <a:t>169</a:t>
+                      </a:r>
+                    </a:p>
+                  </a:txBody>
+                  <a:tcPr/>
+                </a:tc>
+                <a:tc>
+                  <a:txBody>
+                    <a:bodyPr/>
+                    <a:lstStyle/>
+                    <a:p>
+                      <a:r>
+                        <a:rPr lang="en-US" dirty="0"/>
+                        <a:t>210</a:t>
+                      </a:r>
+                    </a:p>
+                  </a:txBody>
+                  <a:tcPr/>
+                </a:tc>
+                <a:extLst>
+                  <a:ext uri="{0D108BD9-81ED-4DB2-BD59-A6C34878D82A}">
+                    <a16:rowId xmlns:a16="http://schemas.microsoft.com/office/drawing/2014/main" val="4240345550"/>
+                  </a:ext>
+                </a:extLst>
+              </a:tr>
+            </a:tbl>
+          </a:graphicData>
+        </a:graphic>
+      </p:graphicFrame>
+      <p:sp>
+        <p:nvSpPr>
+          <p:cNvPr id="8" name="TextBox 7">
+            <a:extLst>
+              <a:ext uri="{FF2B5EF4-FFF2-40B4-BE49-F238E27FC236}">
+                <a16:creationId xmlns:a16="http://schemas.microsoft.com/office/drawing/2014/main" id="{60FF168E-597D-CCBB-F985-9D4240BC8B39}"/>
+              </a:ext>
+            </a:extLst>
+          </p:cNvPr>
+          <p:cNvSpPr txBox="1"/>
+          <p:nvPr/>
+        </p:nvSpPr>
+        <p:spPr>
+          <a:xfrm>
+            <a:off x="4505659" y="3937000"/>
+            <a:ext cx="3180679" cy="523220"/>
+          </a:xfrm>
+          <a:prstGeom prst="rect">
+            <a:avLst/>
+          </a:prstGeom>
+          <a:noFill/>
+        </p:spPr>
+        <p:txBody>
+          <a:bodyPr wrap="none" rtlCol="0">
+            <a:spAutoFit/>
+          </a:bodyPr>
+          <a:lstStyle/>
+          <a:p>
+            <a:r>
+              <a:rPr lang="en-US" sz="2800" dirty="0"/>
+              <a:t>FWER = 1-(1-alpha)</a:t>
+            </a:r>
+            <a:r>
+              <a:rPr lang="en-US" sz="2800" baseline="30000" dirty="0"/>
+              <a:t>m</a:t>
+            </a:r>
+            <a:endParaRPr lang="en-US" sz="2800" dirty="0"/>
+          </a:p>
+        </p:txBody>
+      </p:sp>
+      <p:sp>
+        <p:nvSpPr>
+          <p:cNvPr id="12" name="TextBox 11">
+            <a:extLst>
+              <a:ext uri="{FF2B5EF4-FFF2-40B4-BE49-F238E27FC236}">
+                <a16:creationId xmlns:a16="http://schemas.microsoft.com/office/drawing/2014/main" id="{BEC552B2-EEE3-A0D1-391E-9D5724B30C6A}"/>
+              </a:ext>
+            </a:extLst>
+          </p:cNvPr>
+          <p:cNvSpPr txBox="1"/>
+          <p:nvPr/>
+        </p:nvSpPr>
+        <p:spPr>
+          <a:xfrm>
+            <a:off x="3957080" y="5176986"/>
+            <a:ext cx="4277839" cy="954107"/>
+          </a:xfrm>
+          <a:prstGeom prst="rect">
+            <a:avLst/>
+          </a:prstGeom>
+          <a:noFill/>
+        </p:spPr>
+        <p:txBody>
+          <a:bodyPr wrap="none" rtlCol="0">
+            <a:spAutoFit/>
+          </a:bodyPr>
+          <a:lstStyle/>
+          <a:p>
+            <a:pPr algn="ctr"/>
+            <a:r>
+              <a:rPr lang="en-US" sz="2800" dirty="0"/>
+              <a:t>FWER = 1-(1-0.05)</a:t>
+            </a:r>
+            <a:r>
+              <a:rPr lang="en-US" sz="2800" baseline="30000" dirty="0"/>
+              <a:t>15</a:t>
+            </a:r>
+          </a:p>
+          <a:p>
+            <a:pPr algn="ctr"/>
+            <a:r>
+              <a:rPr lang="en-US" sz="2800" dirty="0"/>
+              <a:t>45% chance of false positive</a:t>
+            </a:r>
+          </a:p>
+        </p:txBody>
+      </p:sp>
+    </p:spTree>
+    <p:extLst>
+      <p:ext uri="{BB962C8B-B14F-4D97-AF65-F5344CB8AC3E}">
+        <p14:creationId xmlns:p14="http://schemas.microsoft.com/office/powerpoint/2010/main" val="3453122749"/>
+      </p:ext>
+    </p:extLst>
+  </p:cSld>
+  <p:clrMapOvr>
+    <a:masterClrMapping/>
+  </p:clrMapOvr>
+</p:sld>
+</file>
+
+<file path=ppt/slides/slide3.xml><?xml version="1.0" encoding="utf-8"?>
+<p:sld xmlns:a="http://schemas.openxmlformats.org/drawingml/2006/main" xmlns:r="http://schemas.openxmlformats.org/officeDocument/2006/relationships" xmlns:p="http://schemas.openxmlformats.org/presentationml/2006/main">
+  <p:cSld>
+    <p:bg>
+      <p:bgPr>
+        <a:solidFill>
+          <a:schemeClr val="bg1">
+            <a:lumMod val="95000"/>
+          </a:schemeClr>
+        </a:solidFill>
+        <a:effectLst/>
+      </p:bgPr>
+    </p:bg>
+    <p:spTree>
+      <p:nvGrpSpPr>
+        <p:cNvPr id="1" name=""/>
+        <p:cNvGrpSpPr/>
+        <p:nvPr/>
+      </p:nvGrpSpPr>
+      <p:grpSpPr>
+        <a:xfrm>
+          <a:off x="0" y="0"/>
+          <a:ext cx="0" cy="0"/>
+          <a:chOff x="0" y="0"/>
+          <a:chExt cx="0" cy="0"/>
+        </a:xfrm>
+      </p:grpSpPr>
+      <p:sp>
+        <p:nvSpPr>
+          <p:cNvPr id="2" name="Title 1"/>
+          <p:cNvSpPr>
+            <a:spLocks noGrp="1"/>
+          </p:cNvSpPr>
+          <p:nvPr>
+            <p:ph type="title"/>
+          </p:nvPr>
+        </p:nvSpPr>
+        <p:spPr>
+          <a:xfrm>
+            <a:off x="0" y="0"/>
+            <a:ext cx="12192000" cy="935915"/>
+          </a:xfrm>
+          <a:solidFill>
+            <a:schemeClr val="tx1"/>
+          </a:solidFill>
+        </p:spPr>
+        <p:txBody>
+          <a:bodyPr/>
+          <a:lstStyle/>
+          <a:p>
+            <a:pPr algn="ctr"/>
+            <a:r>
+              <a:rPr lang="en-US" b="1" dirty="0">
+                <a:solidFill>
+                  <a:schemeClr val="bg1"/>
+                </a:solidFill>
+              </a:rPr>
+              <a:t>What are multiple comparisons/testing</a:t>
+            </a:r>
+          </a:p>
+        </p:txBody>
+      </p:sp>
+      <p:graphicFrame>
+        <p:nvGraphicFramePr>
+          <p:cNvPr id="7" name="Table 7">
+            <a:extLst>
+              <a:ext uri="{FF2B5EF4-FFF2-40B4-BE49-F238E27FC236}">
+                <a16:creationId xmlns:a16="http://schemas.microsoft.com/office/drawing/2014/main" id="{80923C46-C07B-6387-31EC-EAFFFB3BA69A}"/>
+              </a:ext>
+            </a:extLst>
+          </p:cNvPr>
+          <p:cNvGraphicFramePr>
+            <a:graphicFrameLocks noGrp="1"/>
+          </p:cNvGraphicFramePr>
+          <p:nvPr/>
+        </p:nvGraphicFramePr>
+        <p:xfrm>
+          <a:off x="2031999" y="1203960"/>
+          <a:ext cx="8128002" cy="2225040"/>
+        </p:xfrm>
+        <a:graphic>
+          <a:graphicData uri="http://schemas.openxmlformats.org/drawingml/2006/table">
+            <a:tbl>
+              <a:tblPr firstRow="1" bandRow="1">
+                <a:tableStyleId>{5C22544A-7EE6-4342-B048-85BDC9FD1C3A}</a:tableStyleId>
+              </a:tblPr>
+              <a:tblGrid>
+                <a:gridCol w="1354667">
+                  <a:extLst>
+                    <a:ext uri="{9D8B030D-6E8A-4147-A177-3AD203B41FA5}">
+                      <a16:colId xmlns:a16="http://schemas.microsoft.com/office/drawing/2014/main" val="101417023"/>
+                    </a:ext>
+                  </a:extLst>
+                </a:gridCol>
+                <a:gridCol w="1354667">
+                  <a:extLst>
+                    <a:ext uri="{9D8B030D-6E8A-4147-A177-3AD203B41FA5}">
+                      <a16:colId xmlns:a16="http://schemas.microsoft.com/office/drawing/2014/main" val="3686728178"/>
+                    </a:ext>
+                  </a:extLst>
+                </a:gridCol>
+                <a:gridCol w="1354667">
+                  <a:extLst>
+                    <a:ext uri="{9D8B030D-6E8A-4147-A177-3AD203B41FA5}">
+                      <a16:colId xmlns:a16="http://schemas.microsoft.com/office/drawing/2014/main" val="1118256207"/>
+                    </a:ext>
+                  </a:extLst>
+                </a:gridCol>
+                <a:gridCol w="1354667">
+                  <a:extLst>
+                    <a:ext uri="{9D8B030D-6E8A-4147-A177-3AD203B41FA5}">
+                      <a16:colId xmlns:a16="http://schemas.microsoft.com/office/drawing/2014/main" val="2461227180"/>
+                    </a:ext>
+                  </a:extLst>
+                </a:gridCol>
+                <a:gridCol w="1354667">
+                  <a:extLst>
+                    <a:ext uri="{9D8B030D-6E8A-4147-A177-3AD203B41FA5}">
+                      <a16:colId xmlns:a16="http://schemas.microsoft.com/office/drawing/2014/main" val="3412486831"/>
+                    </a:ext>
+                  </a:extLst>
+                </a:gridCol>
+                <a:gridCol w="1354667">
+                  <a:extLst>
+                    <a:ext uri="{9D8B030D-6E8A-4147-A177-3AD203B41FA5}">
+                      <a16:colId xmlns:a16="http://schemas.microsoft.com/office/drawing/2014/main" val="2686437873"/>
+                    </a:ext>
+                  </a:extLst>
+                </a:gridCol>
+              </a:tblGrid>
+              <a:tr h="370840">
+                <a:tc>
+                  <a:txBody>
+                    <a:bodyPr/>
+                    <a:lstStyle/>
+                    <a:p>
+                      <a:r>
+                        <a:rPr lang="en-US" dirty="0"/>
+                        <a:t>Horsebean</a:t>
+                      </a:r>
+                    </a:p>
+                  </a:txBody>
+                  <a:tcPr/>
+                </a:tc>
+                <a:tc>
+                  <a:txBody>
+                    <a:bodyPr/>
+                    <a:lstStyle/>
+                    <a:p>
+                      <a:r>
+                        <a:rPr lang="en-US" dirty="0"/>
+                        <a:t>Linseed</a:t>
+                      </a:r>
+                    </a:p>
+                  </a:txBody>
+                  <a:tcPr/>
+                </a:tc>
+                <a:tc>
+                  <a:txBody>
+                    <a:bodyPr/>
+                    <a:lstStyle/>
+                    <a:p>
+                      <a:r>
+                        <a:rPr lang="en-US" dirty="0"/>
+                        <a:t>Soybean</a:t>
+                      </a:r>
+                    </a:p>
+                  </a:txBody>
+                  <a:tcPr/>
+                </a:tc>
+                <a:tc>
+                  <a:txBody>
+                    <a:bodyPr/>
+                    <a:lstStyle/>
+                    <a:p>
+                      <a:r>
+                        <a:rPr lang="en-US" dirty="0"/>
+                        <a:t>Sunflower</a:t>
+                      </a:r>
+                    </a:p>
+                  </a:txBody>
+                  <a:tcPr/>
+                </a:tc>
+                <a:tc>
+                  <a:txBody>
+                    <a:bodyPr/>
+                    <a:lstStyle/>
+                    <a:p>
+                      <a:r>
+                        <a:rPr lang="en-US" dirty="0" err="1"/>
+                        <a:t>Meatmeal</a:t>
+                      </a:r>
+                      <a:endParaRPr lang="en-US" dirty="0"/>
+                    </a:p>
+                  </a:txBody>
+                  <a:tcPr/>
+                </a:tc>
+                <a:tc>
+                  <a:txBody>
+                    <a:bodyPr/>
+                    <a:lstStyle/>
+                    <a:p>
+                      <a:r>
+                        <a:rPr lang="en-US" dirty="0"/>
+                        <a:t>Casein</a:t>
+                      </a:r>
+                    </a:p>
+                  </a:txBody>
+                  <a:tcPr/>
+                </a:tc>
+                <a:extLst>
+                  <a:ext uri="{0D108BD9-81ED-4DB2-BD59-A6C34878D82A}">
+                    <a16:rowId xmlns:a16="http://schemas.microsoft.com/office/drawing/2014/main" val="1223017852"/>
+                  </a:ext>
+                </a:extLst>
+              </a:tr>
+              <a:tr h="370840">
+                <a:tc>
+                  <a:txBody>
+                    <a:bodyPr/>
+                    <a:lstStyle/>
+                    <a:p>
+                      <a:r>
+                        <a:rPr lang="en-US" dirty="0"/>
+                        <a:t>179</a:t>
+                      </a:r>
+                    </a:p>
+                  </a:txBody>
+                  <a:tcPr/>
+                </a:tc>
+                <a:tc>
+                  <a:txBody>
+                    <a:bodyPr/>
+                    <a:lstStyle/>
+                    <a:p>
+                      <a:r>
+                        <a:rPr lang="en-US" dirty="0"/>
+                        <a:t>205</a:t>
+                      </a:r>
+                    </a:p>
+                  </a:txBody>
+                  <a:tcPr/>
+                </a:tc>
+                <a:tc>
+                  <a:txBody>
+                    <a:bodyPr/>
+                    <a:lstStyle/>
+                    <a:p>
+                      <a:r>
+                        <a:rPr lang="en-US" dirty="0"/>
+                        <a:t>189</a:t>
+                      </a:r>
+                    </a:p>
+                  </a:txBody>
+                  <a:tcPr/>
+                </a:tc>
+                <a:tc>
+                  <a:txBody>
+                    <a:bodyPr/>
+                    <a:lstStyle/>
+                    <a:p>
+                      <a:r>
+                        <a:rPr lang="en-US" dirty="0"/>
+                        <a:t>205</a:t>
+                      </a:r>
+                    </a:p>
+                  </a:txBody>
+                  <a:tcPr/>
+                </a:tc>
+                <a:tc>
+                  <a:txBody>
+                    <a:bodyPr/>
+                    <a:lstStyle/>
+                    <a:p>
+                      <a:r>
+                        <a:rPr lang="en-US" dirty="0"/>
+                        <a:t>179</a:t>
+                      </a:r>
+                    </a:p>
+                  </a:txBody>
+                  <a:tcPr/>
+                </a:tc>
+                <a:tc>
+                  <a:txBody>
+                    <a:bodyPr/>
+                    <a:lstStyle/>
+                    <a:p>
+                      <a:r>
+                        <a:rPr lang="en-US" dirty="0"/>
+                        <a:t>205</a:t>
+                      </a:r>
+                    </a:p>
+                  </a:txBody>
+                  <a:tcPr/>
+                </a:tc>
+                <a:extLst>
+                  <a:ext uri="{0D108BD9-81ED-4DB2-BD59-A6C34878D82A}">
+                    <a16:rowId xmlns:a16="http://schemas.microsoft.com/office/drawing/2014/main" val="869181761"/>
+                  </a:ext>
+                </a:extLst>
+              </a:tr>
+              <a:tr h="370840">
+                <a:tc>
+                  <a:txBody>
+                    <a:bodyPr/>
+                    <a:lstStyle/>
+                    <a:p>
+                      <a:r>
+                        <a:rPr lang="en-US" dirty="0"/>
+                        <a:t>216</a:t>
+                      </a:r>
+                    </a:p>
+                  </a:txBody>
+                  <a:tcPr/>
+                </a:tc>
+                <a:tc>
+                  <a:txBody>
+                    <a:bodyPr/>
+                    <a:lstStyle/>
+                    <a:p>
+                      <a:r>
+                        <a:rPr lang="en-US" dirty="0"/>
+                        <a:t>198</a:t>
+                      </a:r>
+                    </a:p>
+                  </a:txBody>
+                  <a:tcPr/>
+                </a:tc>
+                <a:tc>
+                  <a:txBody>
+                    <a:bodyPr/>
+                    <a:lstStyle/>
+                    <a:p>
+                      <a:r>
+                        <a:rPr lang="en-US" dirty="0"/>
+                        <a:t>186</a:t>
+                      </a:r>
+                    </a:p>
+                  </a:txBody>
+                  <a:tcPr/>
+                </a:tc>
+                <a:tc>
+                  <a:txBody>
+                    <a:bodyPr/>
+                    <a:lstStyle/>
+                    <a:p>
+                      <a:r>
+                        <a:rPr lang="en-US" dirty="0"/>
+                        <a:t>198</a:t>
+                      </a:r>
+                    </a:p>
+                  </a:txBody>
+                  <a:tcPr/>
+                </a:tc>
+                <a:tc>
+                  <a:txBody>
+                    <a:bodyPr/>
+                    <a:lstStyle/>
+                    <a:p>
+                      <a:r>
+                        <a:rPr lang="en-US" dirty="0"/>
+                        <a:t>216</a:t>
+                      </a:r>
+                    </a:p>
+                  </a:txBody>
+                  <a:tcPr/>
+                </a:tc>
+                <a:tc>
+                  <a:txBody>
+                    <a:bodyPr/>
+                    <a:lstStyle/>
+                    <a:p>
+                      <a:r>
+                        <a:rPr lang="en-US" dirty="0"/>
+                        <a:t>198</a:t>
+                      </a:r>
+                    </a:p>
+                  </a:txBody>
+                  <a:tcPr/>
+                </a:tc>
+                <a:extLst>
+                  <a:ext uri="{0D108BD9-81ED-4DB2-BD59-A6C34878D82A}">
+                    <a16:rowId xmlns:a16="http://schemas.microsoft.com/office/drawing/2014/main" val="2642051718"/>
+                  </a:ext>
+                </a:extLst>
+              </a:tr>
+              <a:tr h="370840">
+                <a:tc>
+                  <a:txBody>
+                    <a:bodyPr/>
+                    <a:lstStyle/>
+                    <a:p>
+                      <a:r>
+                        <a:rPr lang="en-US" dirty="0"/>
+                        <a:t>165</a:t>
+                      </a:r>
+                    </a:p>
+                  </a:txBody>
+                  <a:tcPr/>
+                </a:tc>
+                <a:tc>
+                  <a:txBody>
+                    <a:bodyPr/>
+                    <a:lstStyle/>
+                    <a:p>
+                      <a:r>
+                        <a:rPr lang="en-US" dirty="0"/>
+                        <a:t>212</a:t>
+                      </a:r>
+                    </a:p>
+                  </a:txBody>
+                  <a:tcPr/>
+                </a:tc>
+                <a:tc>
+                  <a:txBody>
+                    <a:bodyPr/>
+                    <a:lstStyle/>
+                    <a:p>
+                      <a:r>
+                        <a:rPr lang="en-US" dirty="0"/>
+                        <a:t>175</a:t>
+                      </a:r>
+                    </a:p>
+                  </a:txBody>
+                  <a:tcPr/>
+                </a:tc>
+                <a:tc>
+                  <a:txBody>
+                    <a:bodyPr/>
+                    <a:lstStyle/>
+                    <a:p>
+                      <a:r>
+                        <a:rPr lang="en-US" dirty="0"/>
+                        <a:t>212</a:t>
+                      </a:r>
+                    </a:p>
+                  </a:txBody>
+                  <a:tcPr/>
+                </a:tc>
+                <a:tc>
+                  <a:txBody>
+                    <a:bodyPr/>
+                    <a:lstStyle/>
+                    <a:p>
+                      <a:r>
+                        <a:rPr lang="en-US" dirty="0"/>
+                        <a:t>165</a:t>
+                      </a:r>
+                    </a:p>
+                  </a:txBody>
+                  <a:tcPr/>
+                </a:tc>
+                <a:tc>
+                  <a:txBody>
+                    <a:bodyPr/>
+                    <a:lstStyle/>
+                    <a:p>
+                      <a:r>
+                        <a:rPr lang="en-US" dirty="0"/>
+                        <a:t>212</a:t>
+                      </a:r>
+                    </a:p>
+                  </a:txBody>
+                  <a:tcPr/>
+                </a:tc>
+                <a:extLst>
+                  <a:ext uri="{0D108BD9-81ED-4DB2-BD59-A6C34878D82A}">
+                    <a16:rowId xmlns:a16="http://schemas.microsoft.com/office/drawing/2014/main" val="232647636"/>
+                  </a:ext>
+                </a:extLst>
+              </a:tr>
+              <a:tr h="370840">
+                <a:tc>
+                  <a:txBody>
+                    <a:bodyPr/>
+                    <a:lstStyle/>
+                    <a:p>
+                      <a:r>
+                        <a:rPr lang="en-US" dirty="0"/>
+                        <a:t>183</a:t>
+                      </a:r>
+                    </a:p>
+                  </a:txBody>
+                  <a:tcPr/>
+                </a:tc>
+                <a:tc>
+                  <a:txBody>
+                    <a:bodyPr/>
+                    <a:lstStyle/>
+                    <a:p>
+                      <a:r>
+                        <a:rPr lang="en-US" dirty="0"/>
+                        <a:t>218</a:t>
+                      </a:r>
+                    </a:p>
+                  </a:txBody>
+                  <a:tcPr/>
+                </a:tc>
+                <a:tc>
+                  <a:txBody>
+                    <a:bodyPr/>
+                    <a:lstStyle/>
+                    <a:p>
+                      <a:r>
+                        <a:rPr lang="en-US" dirty="0"/>
+                        <a:t>193</a:t>
+                      </a:r>
+                    </a:p>
+                  </a:txBody>
+                  <a:tcPr/>
+                </a:tc>
+                <a:tc>
+                  <a:txBody>
+                    <a:bodyPr/>
+                    <a:lstStyle/>
+                    <a:p>
+                      <a:r>
+                        <a:rPr lang="en-US" dirty="0"/>
+                        <a:t>218</a:t>
+                      </a:r>
+                    </a:p>
+                  </a:txBody>
+                  <a:tcPr/>
+                </a:tc>
+                <a:tc>
+                  <a:txBody>
+                    <a:bodyPr/>
+                    <a:lstStyle/>
+                    <a:p>
+                      <a:r>
+                        <a:rPr lang="en-US" dirty="0"/>
+                        <a:t>183</a:t>
+                      </a:r>
+                    </a:p>
+                  </a:txBody>
+                  <a:tcPr/>
+                </a:tc>
+                <a:tc>
+                  <a:txBody>
+                    <a:bodyPr/>
+                    <a:lstStyle/>
+                    <a:p>
+                      <a:r>
+                        <a:rPr lang="en-US" dirty="0"/>
+                        <a:t>218</a:t>
+                      </a:r>
+                    </a:p>
+                  </a:txBody>
+                  <a:tcPr/>
+                </a:tc>
+                <a:extLst>
+                  <a:ext uri="{0D108BD9-81ED-4DB2-BD59-A6C34878D82A}">
+                    <a16:rowId xmlns:a16="http://schemas.microsoft.com/office/drawing/2014/main" val="959934129"/>
+                  </a:ext>
+                </a:extLst>
+              </a:tr>
+              <a:tr h="370840">
+                <a:tc>
+                  <a:txBody>
+                    <a:bodyPr/>
+                    <a:lstStyle/>
+                    <a:p>
+                      <a:r>
+                        <a:rPr lang="en-US" dirty="0"/>
+                        <a:t>169</a:t>
+                      </a:r>
+                    </a:p>
+                  </a:txBody>
+                  <a:tcPr/>
+                </a:tc>
+                <a:tc>
+                  <a:txBody>
+                    <a:bodyPr/>
+                    <a:lstStyle/>
+                    <a:p>
+                      <a:r>
+                        <a:rPr lang="en-US" dirty="0"/>
+                        <a:t>210</a:t>
+                      </a:r>
+                    </a:p>
+                  </a:txBody>
+                  <a:tcPr/>
+                </a:tc>
+                <a:tc>
+                  <a:txBody>
+                    <a:bodyPr/>
+                    <a:lstStyle/>
+                    <a:p>
+                      <a:r>
+                        <a:rPr lang="en-US" dirty="0"/>
+                        <a:t>149</a:t>
+                      </a:r>
+                    </a:p>
+                  </a:txBody>
+                  <a:tcPr/>
+                </a:tc>
+                <a:tc>
+                  <a:txBody>
+                    <a:bodyPr/>
+                    <a:lstStyle/>
+                    <a:p>
+                      <a:r>
+                        <a:rPr lang="en-US" dirty="0"/>
+                        <a:t>210</a:t>
+                      </a:r>
+                    </a:p>
+                  </a:txBody>
+                  <a:tcPr/>
+                </a:tc>
+                <a:tc>
+                  <a:txBody>
+                    <a:bodyPr/>
+                    <a:lstStyle/>
+                    <a:p>
+                      <a:r>
+                        <a:rPr lang="en-US" dirty="0"/>
+                        <a:t>169</a:t>
+                      </a:r>
+                    </a:p>
+                  </a:txBody>
+                  <a:tcPr/>
+                </a:tc>
+                <a:tc>
+                  <a:txBody>
+                    <a:bodyPr/>
+                    <a:lstStyle/>
+                    <a:p>
+                      <a:r>
+                        <a:rPr lang="en-US" dirty="0"/>
+                        <a:t>210</a:t>
+                      </a:r>
+                    </a:p>
+                  </a:txBody>
+                  <a:tcPr/>
+                </a:tc>
+                <a:extLst>
+                  <a:ext uri="{0D108BD9-81ED-4DB2-BD59-A6C34878D82A}">
+                    <a16:rowId xmlns:a16="http://schemas.microsoft.com/office/drawing/2014/main" val="4240345550"/>
+                  </a:ext>
+                </a:extLst>
+              </a:tr>
+            </a:tbl>
+          </a:graphicData>
+        </a:graphic>
+      </p:graphicFrame>
+      <p:sp>
+        <p:nvSpPr>
+          <p:cNvPr id="8" name="TextBox 7">
+            <a:extLst>
+              <a:ext uri="{FF2B5EF4-FFF2-40B4-BE49-F238E27FC236}">
+                <a16:creationId xmlns:a16="http://schemas.microsoft.com/office/drawing/2014/main" id="{60FF168E-597D-CCBB-F985-9D4240BC8B39}"/>
+              </a:ext>
+            </a:extLst>
+          </p:cNvPr>
+          <p:cNvSpPr txBox="1"/>
+          <p:nvPr/>
+        </p:nvSpPr>
+        <p:spPr>
+          <a:xfrm>
+            <a:off x="4505659" y="3937000"/>
+            <a:ext cx="3180679" cy="523220"/>
+          </a:xfrm>
+          <a:prstGeom prst="rect">
+            <a:avLst/>
+          </a:prstGeom>
+          <a:noFill/>
+        </p:spPr>
+        <p:txBody>
+          <a:bodyPr wrap="none" rtlCol="0">
+            <a:spAutoFit/>
+          </a:bodyPr>
+          <a:lstStyle/>
+          <a:p>
+            <a:r>
+              <a:rPr lang="en-US" sz="2800" dirty="0"/>
+              <a:t>FWER = 1-(1-alpha)</a:t>
+            </a:r>
+            <a:r>
+              <a:rPr lang="en-US" sz="2800" baseline="30000" dirty="0"/>
+              <a:t>m</a:t>
+            </a:r>
+            <a:endParaRPr lang="en-US" sz="2800" dirty="0"/>
+          </a:p>
+        </p:txBody>
+      </p:sp>
+      <p:sp>
+        <p:nvSpPr>
+          <p:cNvPr id="12" name="TextBox 11">
+            <a:extLst>
+              <a:ext uri="{FF2B5EF4-FFF2-40B4-BE49-F238E27FC236}">
+                <a16:creationId xmlns:a16="http://schemas.microsoft.com/office/drawing/2014/main" id="{BEC552B2-EEE3-A0D1-391E-9D5724B30C6A}"/>
+              </a:ext>
+            </a:extLst>
+          </p:cNvPr>
+          <p:cNvSpPr txBox="1"/>
+          <p:nvPr/>
+        </p:nvSpPr>
+        <p:spPr>
+          <a:xfrm>
+            <a:off x="3957080" y="5176986"/>
+            <a:ext cx="4277839" cy="954107"/>
+          </a:xfrm>
+          <a:prstGeom prst="rect">
+            <a:avLst/>
+          </a:prstGeom>
+          <a:noFill/>
+        </p:spPr>
+        <p:txBody>
+          <a:bodyPr wrap="none" rtlCol="0">
+            <a:spAutoFit/>
+          </a:bodyPr>
+          <a:lstStyle/>
+          <a:p>
+            <a:pPr algn="ctr"/>
+            <a:r>
+              <a:rPr lang="en-US" sz="2800" dirty="0"/>
+              <a:t>FWER = 1-(1-0.05)</a:t>
+            </a:r>
+            <a:r>
+              <a:rPr lang="en-US" sz="2800" baseline="30000" dirty="0"/>
+              <a:t>15</a:t>
+            </a:r>
+          </a:p>
+          <a:p>
+            <a:pPr algn="ctr"/>
+            <a:r>
+              <a:rPr lang="en-US" sz="2800" dirty="0"/>
+              <a:t>45% chance of false positive</a:t>
+            </a:r>
+          </a:p>
+        </p:txBody>
+      </p:sp>
+    </p:spTree>
+    <p:extLst>
+      <p:ext uri="{BB962C8B-B14F-4D97-AF65-F5344CB8AC3E}">
+        <p14:creationId xmlns:p14="http://schemas.microsoft.com/office/powerpoint/2010/main" val="273391079"/>
+      </p:ext>
+    </p:extLst>
+  </p:cSld>
+  <p:clrMapOvr>
+    <a:masterClrMapping/>
+  </p:clrMapOvr>
+</p:sld>
+</file>
+
+<file path=ppt/slides/slide4.xml><?xml version="1.0" encoding="utf-8"?>
+<p:sld xmlns:a="http://schemas.openxmlformats.org/drawingml/2006/main" xmlns:r="http://schemas.openxmlformats.org/officeDocument/2006/relationships" xmlns:p="http://schemas.openxmlformats.org/presentationml/2006/main">
+  <p:cSld>
+    <p:bg>
+      <p:bgPr>
+        <a:solidFill>
+          <a:schemeClr val="bg1">
+            <a:lumMod val="95000"/>
+          </a:schemeClr>
+        </a:solidFill>
+        <a:effectLst/>
+      </p:bgPr>
+    </p:bg>
+    <p:spTree>
+      <p:nvGrpSpPr>
+        <p:cNvPr id="1" name=""/>
+        <p:cNvGrpSpPr/>
+        <p:nvPr/>
+      </p:nvGrpSpPr>
+      <p:grpSpPr>
+        <a:xfrm>
+          <a:off x="0" y="0"/>
+          <a:ext cx="0" cy="0"/>
+          <a:chOff x="0" y="0"/>
+          <a:chExt cx="0" cy="0"/>
+        </a:xfrm>
+      </p:grpSpPr>
+      <p:sp>
+        <p:nvSpPr>
+          <p:cNvPr id="2" name="Title 1"/>
+          <p:cNvSpPr>
+            <a:spLocks noGrp="1"/>
+          </p:cNvSpPr>
+          <p:nvPr>
+            <p:ph type="title"/>
+          </p:nvPr>
+        </p:nvSpPr>
+        <p:spPr>
+          <a:xfrm>
+            <a:off x="0" y="0"/>
+            <a:ext cx="12192000" cy="935915"/>
+          </a:xfrm>
+          <a:solidFill>
+            <a:schemeClr val="tx1"/>
+          </a:solidFill>
+        </p:spPr>
+        <p:txBody>
+          <a:bodyPr/>
+          <a:lstStyle/>
+          <a:p>
+            <a:pPr algn="ctr"/>
+            <a:r>
+              <a:rPr lang="en-US" b="1" dirty="0">
+                <a:solidFill>
+                  <a:schemeClr val="bg1"/>
+                </a:solidFill>
+              </a:rPr>
+              <a:t>Bonferroni Correction</a:t>
+            </a:r>
+          </a:p>
+        </p:txBody>
+      </p:sp>
+      <p:sp>
+        <p:nvSpPr>
+          <p:cNvPr id="12" name="TextBox 11">
+            <a:extLst>
+              <a:ext uri="{FF2B5EF4-FFF2-40B4-BE49-F238E27FC236}">
+                <a16:creationId xmlns:a16="http://schemas.microsoft.com/office/drawing/2014/main" id="{BEC552B2-EEE3-A0D1-391E-9D5724B30C6A}"/>
+              </a:ext>
+            </a:extLst>
+          </p:cNvPr>
+          <p:cNvSpPr txBox="1"/>
+          <p:nvPr/>
+        </p:nvSpPr>
+        <p:spPr>
+          <a:xfrm>
+            <a:off x="6992380" y="3221185"/>
+            <a:ext cx="4277839" cy="954107"/>
+          </a:xfrm>
+          <a:prstGeom prst="rect">
+            <a:avLst/>
+          </a:prstGeom>
+          <a:noFill/>
+        </p:spPr>
+        <p:txBody>
+          <a:bodyPr wrap="none" rtlCol="0">
+            <a:spAutoFit/>
+          </a:bodyPr>
+          <a:lstStyle/>
+          <a:p>
+            <a:pPr algn="ctr"/>
+            <a:r>
+              <a:rPr lang="en-US" sz="2800" dirty="0"/>
+              <a:t>FWER = 1-(1-0.05)</a:t>
+            </a:r>
+            <a:r>
+              <a:rPr lang="en-US" sz="2800" baseline="30000" dirty="0"/>
+              <a:t>15</a:t>
+            </a:r>
+          </a:p>
+          <a:p>
+            <a:pPr algn="ctr"/>
+            <a:r>
+              <a:rPr lang="en-US" sz="2800" dirty="0"/>
+              <a:t>45% chance of false positive</a:t>
+            </a:r>
+          </a:p>
+        </p:txBody>
+      </p:sp>
+      <p:sp>
+        <p:nvSpPr>
+          <p:cNvPr id="3" name="TextBox 2">
+            <a:extLst>
+              <a:ext uri="{FF2B5EF4-FFF2-40B4-BE49-F238E27FC236}">
+                <a16:creationId xmlns:a16="http://schemas.microsoft.com/office/drawing/2014/main" id="{87045FFA-0940-6F61-0067-D3ECA96B6562}"/>
+              </a:ext>
+            </a:extLst>
+          </p:cNvPr>
+          <p:cNvSpPr txBox="1"/>
+          <p:nvPr/>
+        </p:nvSpPr>
+        <p:spPr>
+          <a:xfrm>
+            <a:off x="241300" y="1054100"/>
+            <a:ext cx="10547824" cy="400110"/>
+          </a:xfrm>
+          <a:prstGeom prst="rect">
+            <a:avLst/>
+          </a:prstGeom>
+          <a:noFill/>
+        </p:spPr>
+        <p:txBody>
+          <a:bodyPr wrap="none" rtlCol="0">
+            <a:spAutoFit/>
+          </a:bodyPr>
+          <a:lstStyle/>
+          <a:p>
+            <a:r>
+              <a:rPr lang="en-US" sz="2000" dirty="0"/>
+              <a:t>With the Bonferroni correctio method we divide alpha by number of comparisons being completed.</a:t>
+            </a:r>
+          </a:p>
+        </p:txBody>
+      </p:sp>
+      <p:sp>
+        <p:nvSpPr>
+          <p:cNvPr id="4" name="TextBox 3">
+            <a:extLst>
+              <a:ext uri="{FF2B5EF4-FFF2-40B4-BE49-F238E27FC236}">
+                <a16:creationId xmlns:a16="http://schemas.microsoft.com/office/drawing/2014/main" id="{6BD05016-14AE-1AC7-90CE-FA4E48380CD6}"/>
+              </a:ext>
+            </a:extLst>
+          </p:cNvPr>
+          <p:cNvSpPr txBox="1"/>
+          <p:nvPr/>
+        </p:nvSpPr>
+        <p:spPr>
+          <a:xfrm>
+            <a:off x="517851" y="3221186"/>
+            <a:ext cx="4095095" cy="1384995"/>
+          </a:xfrm>
+          <a:prstGeom prst="rect">
+            <a:avLst/>
+          </a:prstGeom>
+          <a:noFill/>
+        </p:spPr>
+        <p:txBody>
+          <a:bodyPr wrap="none" rtlCol="0">
+            <a:spAutoFit/>
+          </a:bodyPr>
+          <a:lstStyle/>
+          <a:p>
+            <a:pPr algn="ctr"/>
+            <a:r>
+              <a:rPr lang="en-US" sz="2800" dirty="0"/>
+              <a:t>0.05/15 = 0.0033333</a:t>
+            </a:r>
+          </a:p>
+          <a:p>
+            <a:pPr algn="ctr"/>
+            <a:r>
+              <a:rPr lang="en-US" sz="2800" dirty="0"/>
+              <a:t>FWER = 1-(1-0.00333)</a:t>
+            </a:r>
+            <a:r>
+              <a:rPr lang="en-US" sz="2800" baseline="30000" dirty="0"/>
+              <a:t>15</a:t>
+            </a:r>
+          </a:p>
+          <a:p>
+            <a:pPr algn="ctr"/>
+            <a:r>
+              <a:rPr lang="en-US" sz="2800" dirty="0"/>
+              <a:t>5% chance of false positive</a:t>
+            </a:r>
+          </a:p>
+        </p:txBody>
+      </p:sp>
+    </p:spTree>
+    <p:extLst>
+      <p:ext uri="{BB962C8B-B14F-4D97-AF65-F5344CB8AC3E}">
+        <p14:creationId xmlns:p14="http://schemas.microsoft.com/office/powerpoint/2010/main" val="4013080928"/>
+      </p:ext>
+    </p:extLst>
+  </p:cSld>
+  <p:clrMapOvr>
+    <a:masterClrMapping/>
+  </p:clrMapOvr>
+</p:sld>
+</file>
+
+<file path=ppt/slides/slide5.xml><?xml version="1.0" encoding="utf-8"?>
+<p:sld xmlns:a="http://schemas.openxmlformats.org/drawingml/2006/main" xmlns:r="http://schemas.openxmlformats.org/officeDocument/2006/relationships" xmlns:p="http://schemas.openxmlformats.org/presentationml/2006/main">
+  <p:cSld>
+    <p:bg>
+      <p:bgPr>
+        <a:solidFill>
+          <a:schemeClr val="bg1">
+            <a:lumMod val="95000"/>
+          </a:schemeClr>
+        </a:solidFill>
+        <a:effectLst/>
+      </p:bgPr>
+    </p:bg>
+    <p:spTree>
+      <p:nvGrpSpPr>
+        <p:cNvPr id="1" name=""/>
+        <p:cNvGrpSpPr/>
+        <p:nvPr/>
+      </p:nvGrpSpPr>
+      <p:grpSpPr>
+        <a:xfrm>
+          <a:off x="0" y="0"/>
+          <a:ext cx="0" cy="0"/>
+          <a:chOff x="0" y="0"/>
+          <a:chExt cx="0" cy="0"/>
+        </a:xfrm>
+      </p:grpSpPr>
+      <p:sp>
+        <p:nvSpPr>
+          <p:cNvPr id="2" name="Title 1"/>
+          <p:cNvSpPr>
+            <a:spLocks noGrp="1"/>
+          </p:cNvSpPr>
+          <p:nvPr>
+            <p:ph type="title"/>
+          </p:nvPr>
+        </p:nvSpPr>
+        <p:spPr>
+          <a:xfrm>
+            <a:off x="0" y="0"/>
+            <a:ext cx="12192000" cy="935915"/>
+          </a:xfrm>
+          <a:solidFill>
+            <a:schemeClr val="tx1"/>
+          </a:solidFill>
+        </p:spPr>
+        <p:txBody>
+          <a:bodyPr/>
+          <a:lstStyle/>
+          <a:p>
+            <a:pPr algn="ctr"/>
+            <a:r>
+              <a:rPr lang="en-US" b="1" dirty="0">
+                <a:solidFill>
+                  <a:schemeClr val="bg1"/>
+                </a:solidFill>
+              </a:rPr>
+              <a:t>False Discovery Rate</a:t>
+            </a:r>
+          </a:p>
+        </p:txBody>
+      </p:sp>
+      <p:sp>
+        <p:nvSpPr>
+          <p:cNvPr id="3" name="TextBox 2">
+            <a:extLst>
+              <a:ext uri="{FF2B5EF4-FFF2-40B4-BE49-F238E27FC236}">
+                <a16:creationId xmlns:a16="http://schemas.microsoft.com/office/drawing/2014/main" id="{87045FFA-0940-6F61-0067-D3ECA96B6562}"/>
+              </a:ext>
+            </a:extLst>
+          </p:cNvPr>
+          <p:cNvSpPr txBox="1"/>
+          <p:nvPr/>
+        </p:nvSpPr>
+        <p:spPr>
+          <a:xfrm>
+            <a:off x="241300" y="1124442"/>
+            <a:ext cx="11569700" cy="1815882"/>
+          </a:xfrm>
+          <a:prstGeom prst="rect">
+            <a:avLst/>
+          </a:prstGeom>
+          <a:noFill/>
+        </p:spPr>
+        <p:txBody>
+          <a:bodyPr wrap="square" rtlCol="0">
+            <a:spAutoFit/>
+          </a:bodyPr>
+          <a:lstStyle/>
+          <a:p>
+            <a:r>
+              <a:rPr lang="en-US" sz="2800" dirty="0"/>
+              <a:t>An alternative approach is to decide what proportion of positive results we are ok with having be false positives. This is a common approach in genetic scans (GWAS). The math is bit more complicated but FDR approaches and Bonferroni methods are available in the </a:t>
+            </a:r>
+            <a:r>
+              <a:rPr lang="en-US" sz="2800" dirty="0" err="1"/>
+              <a:t>p.adjust</a:t>
+            </a:r>
+            <a:r>
+              <a:rPr lang="en-US" sz="2800" dirty="0"/>
+              <a:t> function.</a:t>
+            </a:r>
+          </a:p>
+        </p:txBody>
+      </p:sp>
+    </p:spTree>
+    <p:extLst>
+      <p:ext uri="{BB962C8B-B14F-4D97-AF65-F5344CB8AC3E}">
+        <p14:creationId xmlns:p14="http://schemas.microsoft.com/office/powerpoint/2010/main" val="4182047106"/>
+      </p:ext>
+    </p:extLst>
+  </p:cSld>
+  <p:clrMapOvr>
+    <a:masterClrMapping/>
+  </p:clrMapOvr>
+</p:sld>
+</file>
+
+<file path=ppt/slides/slide6.xml><?xml version="1.0" encoding="utf-8"?>
+<p:sld xmlns:a="http://schemas.openxmlformats.org/drawingml/2006/main" xmlns:r="http://schemas.openxmlformats.org/officeDocument/2006/relationships" xmlns:p="http://schemas.openxmlformats.org/presentationml/2006/main">
+  <p:cSld>
+    <p:bg>
+      <p:bgPr>
+        <a:solidFill>
+          <a:schemeClr val="bg1">
+            <a:lumMod val="95000"/>
+          </a:schemeClr>
+        </a:solidFill>
+        <a:effectLst/>
+      </p:bgPr>
+    </p:bg>
+    <p:spTree>
+      <p:nvGrpSpPr>
+        <p:cNvPr id="1" name=""/>
+        <p:cNvGrpSpPr/>
+        <p:nvPr/>
+      </p:nvGrpSpPr>
+      <p:grpSpPr>
+        <a:xfrm>
+          <a:off x="0" y="0"/>
+          <a:ext cx="0" cy="0"/>
+          <a:chOff x="0" y="0"/>
+          <a:chExt cx="0" cy="0"/>
+        </a:xfrm>
+      </p:grpSpPr>
+      <p:sp>
+        <p:nvSpPr>
+          <p:cNvPr id="2" name="Title 1"/>
+          <p:cNvSpPr>
+            <a:spLocks noGrp="1"/>
+          </p:cNvSpPr>
+          <p:nvPr>
+            <p:ph type="title"/>
+          </p:nvPr>
+        </p:nvSpPr>
+        <p:spPr>
+          <a:xfrm>
+            <a:off x="0" y="0"/>
+            <a:ext cx="12192000" cy="935915"/>
+          </a:xfrm>
+          <a:solidFill>
+            <a:schemeClr val="tx1"/>
+          </a:solidFill>
+        </p:spPr>
+        <p:txBody>
+          <a:bodyPr/>
+          <a:lstStyle/>
+          <a:p>
+            <a:pPr algn="ctr"/>
+            <a:r>
+              <a:rPr lang="en-US" b="1" dirty="0">
+                <a:solidFill>
+                  <a:schemeClr val="bg1"/>
+                </a:solidFill>
+              </a:rPr>
+              <a:t>Why do we do dimensional reduction?</a:t>
+            </a:r>
+          </a:p>
+        </p:txBody>
+      </p:sp>
+      <p:sp>
+        <p:nvSpPr>
+          <p:cNvPr id="4" name="Rectangle 3"/>
+          <p:cNvSpPr/>
+          <p:nvPr/>
+        </p:nvSpPr>
+        <p:spPr>
+          <a:xfrm>
+            <a:off x="258184" y="1762460"/>
+            <a:ext cx="11629016" cy="3170099"/>
+          </a:xfrm>
+          <a:prstGeom prst="rect">
+            <a:avLst/>
+          </a:prstGeom>
+        </p:spPr>
+        <p:txBody>
+          <a:bodyPr wrap="square">
+            <a:spAutoFit/>
+          </a:bodyPr>
+          <a:lstStyle/>
+          <a:p>
+            <a:pPr marL="742950" indent="-742950">
+              <a:buFont typeface="+mj-lt"/>
+              <a:buAutoNum type="arabicPeriod"/>
+            </a:pPr>
+            <a:r>
+              <a:rPr lang="en-US" sz="4000" dirty="0"/>
+              <a:t>Datasets are getting bigger and bigger</a:t>
+            </a:r>
+          </a:p>
+          <a:p>
+            <a:pPr marL="742950" indent="-742950">
+              <a:buFont typeface="+mj-lt"/>
+              <a:buAutoNum type="arabicPeriod"/>
+            </a:pPr>
+            <a:r>
+              <a:rPr lang="en-US" sz="4000" dirty="0"/>
+              <a:t>Understanding our data is often the new bottleneck</a:t>
+            </a:r>
+          </a:p>
+          <a:p>
+            <a:pPr marL="742950" indent="-742950">
+              <a:buFont typeface="+mj-lt"/>
+              <a:buAutoNum type="arabicPeriod"/>
+            </a:pPr>
+            <a:r>
+              <a:rPr lang="en-US" sz="4000" dirty="0"/>
+              <a:t>We can’t think well beyond 3-4 dimensions</a:t>
+            </a:r>
+          </a:p>
+          <a:p>
+            <a:pPr marL="742950" indent="-742950">
+              <a:buFont typeface="+mj-lt"/>
+              <a:buAutoNum type="arabicPeriod"/>
+            </a:pPr>
+            <a:r>
+              <a:rPr lang="en-US" sz="4000" dirty="0"/>
+              <a:t>We can’t illustrate well beyond 2-3 dimensions</a:t>
+            </a:r>
+          </a:p>
+          <a:p>
+            <a:pPr marL="742950" indent="-742950">
+              <a:buFont typeface="+mj-lt"/>
+              <a:buAutoNum type="arabicPeriod"/>
+            </a:pPr>
+            <a:endParaRPr lang="en-US" sz="4000" dirty="0"/>
+          </a:p>
+        </p:txBody>
+      </p:sp>
+    </p:spTree>
+    <p:extLst>
+      <p:ext uri="{BB962C8B-B14F-4D97-AF65-F5344CB8AC3E}">
+        <p14:creationId xmlns:p14="http://schemas.microsoft.com/office/powerpoint/2010/main" val="1890702201"/>
+      </p:ext>
+    </p:extLst>
+  </p:cSld>
+  <p:clrMapOvr>
+    <a:masterClrMapping/>
+  </p:clrMapOvr>
+  <p:timing>
+    <p:tnLst>
+      <p:par>
+        <p:cTn id="1" dur="indefinite" restart="never" nodeType="tmRoot">
+          <p:childTnLst>
+            <p:seq concurrent="1" nextAc="seek">
+              <p:cTn id="2" dur="indefinite" nodeType="mainSeq">
+                <p:childTnLst>
+                  <p:par>
+                    <p:cTn id="3" fill="hold">
+                      <p:stCondLst>
+                        <p:cond delay="indefinite"/>
+                      </p:stCondLst>
+                      <p:childTnLst>
+                        <p:par>
+                          <p:cTn id="4" fill="hold">
+                            <p:stCondLst>
+                              <p:cond delay="0"/>
+                            </p:stCondLst>
+                            <p:childTnLst>
+                              <p:par>
+                                <p:cTn id="5" presetID="1" presetClass="entr" presetSubtype="0" fill="hold" nodeType="clickEffect">
+                                  <p:stCondLst>
+                                    <p:cond delay="0"/>
+                                  </p:stCondLst>
+                                  <p:childTnLst>
+                                    <p:set>
+                                      <p:cBhvr>
+                                        <p:cTn id="6" dur="1" fill="hold">
+                                          <p:stCondLst>
+                                            <p:cond delay="0"/>
+                                          </p:stCondLst>
+                                        </p:cTn>
+                                        <p:tgtEl>
+                                          <p:spTgt spid="4">
+                                            <p:txEl>
+                                              <p:pRg st="0" end="0"/>
+                                            </p:txEl>
+                                          </p:spTgt>
+                                        </p:tgtEl>
+                                        <p:attrNameLst>
+                                          <p:attrName>style.visibility</p:attrName>
+                                        </p:attrNameLst>
+                                      </p:cBhvr>
+                                      <p:to>
+                                        <p:strVal val="visible"/>
+                                      </p:to>
+                                    </p:set>
+                                  </p:childTnLst>
+                                </p:cTn>
+                              </p:par>
+                            </p:childTnLst>
+                          </p:cTn>
+                        </p:par>
+                      </p:childTnLst>
+                    </p:cTn>
+                  </p:par>
+                  <p:par>
+                    <p:cTn id="7" fill="hold">
+                      <p:stCondLst>
+                        <p:cond delay="indefinite"/>
+                      </p:stCondLst>
+                      <p:childTnLst>
+                        <p:par>
+                          <p:cTn id="8" fill="hold">
+                            <p:stCondLst>
+                              <p:cond delay="0"/>
+                            </p:stCondLst>
+                            <p:childTnLst>
+                              <p:par>
+                                <p:cTn id="9" presetID="1" presetClass="entr" presetSubtype="0" fill="hold" nodeType="clickEffect">
+                                  <p:stCondLst>
+                                    <p:cond delay="0"/>
+                                  </p:stCondLst>
+                                  <p:childTnLst>
+                                    <p:set>
+                                      <p:cBhvr>
+                                        <p:cTn id="10" dur="1" fill="hold">
+                                          <p:stCondLst>
+                                            <p:cond delay="0"/>
+                                          </p:stCondLst>
+                                        </p:cTn>
+                                        <p:tgtEl>
+                                          <p:spTgt spid="4">
+                                            <p:txEl>
+                                              <p:pRg st="1" end="1"/>
+                                            </p:txEl>
+                                          </p:spTgt>
+                                        </p:tgtEl>
+                                        <p:attrNameLst>
+                                          <p:attrName>style.visibility</p:attrName>
+                                        </p:attrNameLst>
+                                      </p:cBhvr>
+                                      <p:to>
+                                        <p:strVal val="visible"/>
+                                      </p:to>
+                                    </p:set>
+                                  </p:childTnLst>
+                                </p:cTn>
+                              </p:par>
+                            </p:childTnLst>
+                          </p:cTn>
+                        </p:par>
+                      </p:childTnLst>
+                    </p:cTn>
+                  </p:par>
+                  <p:par>
+                    <p:cTn id="11" fill="hold">
+                      <p:stCondLst>
+                        <p:cond delay="indefinite"/>
+                      </p:stCondLst>
+                      <p:childTnLst>
+                        <p:par>
+                          <p:cTn id="12" fill="hold">
+                            <p:stCondLst>
+                              <p:cond delay="0"/>
+                            </p:stCondLst>
+                            <p:childTnLst>
+                              <p:par>
+                                <p:cTn id="13" presetID="1" presetClass="entr" presetSubtype="0" fill="hold" nodeType="clickEffect">
+                                  <p:stCondLst>
+                                    <p:cond delay="0"/>
+                                  </p:stCondLst>
+                                  <p:childTnLst>
+                                    <p:set>
+                                      <p:cBhvr>
+                                        <p:cTn id="14" dur="1" fill="hold">
+                                          <p:stCondLst>
+                                            <p:cond delay="0"/>
+                                          </p:stCondLst>
+                                        </p:cTn>
+                                        <p:tgtEl>
+                                          <p:spTgt spid="4">
+                                            <p:txEl>
+                                              <p:pRg st="2" end="2"/>
+                                            </p:txEl>
+                                          </p:spTgt>
+                                        </p:tgtEl>
+                                        <p:attrNameLst>
+                                          <p:attrName>style.visibility</p:attrName>
+                                        </p:attrNameLst>
+                                      </p:cBhvr>
+                                      <p:to>
+                                        <p:strVal val="visible"/>
+                                      </p:to>
+                                    </p:set>
+                                  </p:childTnLst>
+                                </p:cTn>
+                              </p:par>
+                            </p:childTnLst>
+                          </p:cTn>
+                        </p:par>
+                      </p:childTnLst>
+                    </p:cTn>
+                  </p:par>
+                  <p:par>
+                    <p:cTn id="15" fill="hold">
+                      <p:stCondLst>
+                        <p:cond delay="indefinite"/>
+                      </p:stCondLst>
+                      <p:childTnLst>
+                        <p:par>
+                          <p:cTn id="16" fill="hold">
+                            <p:stCondLst>
+                              <p:cond delay="0"/>
+                            </p:stCondLst>
+                            <p:childTnLst>
+                              <p:par>
+                                <p:cTn id="17" presetID="1" presetClass="entr" presetSubtype="0" fill="hold" nodeType="clickEffect">
+                                  <p:stCondLst>
+                                    <p:cond delay="0"/>
+                                  </p:stCondLst>
+                                  <p:childTnLst>
+                                    <p:set>
+                                      <p:cBhvr>
+                                        <p:cTn id="18" dur="1" fill="hold">
+                                          <p:stCondLst>
+                                            <p:cond delay="0"/>
+                                          </p:stCondLst>
+                                        </p:cTn>
+                                        <p:tgtEl>
+                                          <p:spTgt spid="4">
+                                            <p:txEl>
+                                              <p:pRg st="3" end="3"/>
+                                            </p:txEl>
+                                          </p:spTgt>
+                                        </p:tgtEl>
+                                        <p:attrNameLst>
+                                          <p:attrName>style.visibility</p:attrName>
+                                        </p:attrNameLst>
+                                      </p:cBhvr>
+                                      <p:to>
+                                        <p:strVal val="visible"/>
+                                      </p:to>
+                                    </p:set>
+                                  </p:childTnLst>
+                                </p:cTn>
+                              </p:par>
+                            </p:childTnLst>
+                          </p:cTn>
+                        </p:par>
+                      </p:childTnLst>
+                    </p:cTn>
+                  </p:par>
+                </p:childTnLst>
+              </p:cTn>
+              <p:prevCondLst>
+                <p:cond evt="onPrev" delay="0">
+                  <p:tgtEl>
+                    <p:sldTgt/>
+                  </p:tgtEl>
+                </p:cond>
+              </p:prevCondLst>
+              <p:nextCondLst>
+                <p:cond evt="onNext" delay="0">
+                  <p:tgtEl>
+                    <p:sldTgt/>
+                  </p:tgtEl>
+                </p:cond>
+              </p:nextCondLst>
+            </p:seq>
+          </p:childTnLst>
+        </p:cTn>
+      </p:par>
+    </p:tnLst>
+  </p:timing>
+</p:sld>
+</file>
+
+<file path=ppt/slides/slide7.xml><?xml version="1.0" encoding="utf-8"?>
+<p:sld xmlns:a="http://schemas.openxmlformats.org/drawingml/2006/main" xmlns:r="http://schemas.openxmlformats.org/officeDocument/2006/relationships" xmlns:p="http://schemas.openxmlformats.org/presentationml/2006/main">
+  <p:cSld>
+    <p:bg>
+      <p:bgPr>
+        <a:solidFill>
+          <a:schemeClr val="bg1">
+            <a:lumMod val="95000"/>
+          </a:schemeClr>
+        </a:solidFill>
+        <a:effectLst/>
+      </p:bgPr>
+    </p:bg>
+    <p:spTree>
+      <p:nvGrpSpPr>
+        <p:cNvPr id="1" name=""/>
+        <p:cNvGrpSpPr/>
+        <p:nvPr/>
+      </p:nvGrpSpPr>
+      <p:grpSpPr>
+        <a:xfrm>
+          <a:off x="0" y="0"/>
+          <a:ext cx="0" cy="0"/>
+          <a:chOff x="0" y="0"/>
+          <a:chExt cx="0" cy="0"/>
+        </a:xfrm>
+      </p:grpSpPr>
+      <p:sp>
+        <p:nvSpPr>
+          <p:cNvPr id="2" name="Title 1"/>
+          <p:cNvSpPr>
+            <a:spLocks noGrp="1"/>
+          </p:cNvSpPr>
+          <p:nvPr>
+            <p:ph type="title"/>
+          </p:nvPr>
+        </p:nvSpPr>
+        <p:spPr>
+          <a:xfrm>
+            <a:off x="0" y="0"/>
+            <a:ext cx="12192000" cy="935915"/>
+          </a:xfrm>
+          <a:solidFill>
+            <a:schemeClr val="tx1"/>
+          </a:solidFill>
+        </p:spPr>
+        <p:txBody>
+          <a:bodyPr/>
+          <a:lstStyle/>
+          <a:p>
+            <a:pPr algn="ctr"/>
+            <a:r>
+              <a:rPr lang="en-US" b="1" dirty="0">
+                <a:solidFill>
+                  <a:schemeClr val="bg1"/>
+                </a:solidFill>
+              </a:rPr>
+              <a:t>What is principal component analysis</a:t>
+            </a:r>
+          </a:p>
+        </p:txBody>
+      </p:sp>
+      <p:sp>
+        <p:nvSpPr>
+          <p:cNvPr id="4" name="Rectangle 3"/>
+          <p:cNvSpPr/>
+          <p:nvPr/>
+        </p:nvSpPr>
+        <p:spPr>
+          <a:xfrm>
+            <a:off x="258184" y="1762460"/>
+            <a:ext cx="11629016" cy="1938992"/>
+          </a:xfrm>
+          <a:prstGeom prst="rect">
+            <a:avLst/>
+          </a:prstGeom>
+        </p:spPr>
+        <p:txBody>
+          <a:bodyPr wrap="square">
+            <a:spAutoFit/>
+          </a:bodyPr>
+          <a:lstStyle/>
+          <a:p>
+            <a:r>
+              <a:rPr lang="en-US" sz="4000" dirty="0"/>
+              <a:t>PCA is a dimensional reduction tool that takes many (possibly correlated) measurements and transforms it into a smaller set of uncorrelated </a:t>
+            </a:r>
+            <a:r>
+              <a:rPr lang="en-US" sz="4000" dirty="0" err="1"/>
+              <a:t>measuerments</a:t>
+            </a:r>
+            <a:r>
+              <a:rPr lang="en-US" sz="4000" dirty="0"/>
+              <a:t>. </a:t>
+            </a:r>
+          </a:p>
+        </p:txBody>
+      </p:sp>
+    </p:spTree>
+    <p:extLst>
+      <p:ext uri="{BB962C8B-B14F-4D97-AF65-F5344CB8AC3E}">
+        <p14:creationId xmlns:p14="http://schemas.microsoft.com/office/powerpoint/2010/main" val="1768498152"/>
+      </p:ext>
+    </p:extLst>
+  </p:cSld>
+  <p:clrMapOvr>
+    <a:masterClrMapping/>
+  </p:clrMapOvr>
+</p:sld>
+</file>
+
+<file path=ppt/slides/slide8.xml><?xml version="1.0" encoding="utf-8"?>
+<p:sld xmlns:a="http://schemas.openxmlformats.org/drawingml/2006/main" xmlns:r="http://schemas.openxmlformats.org/officeDocument/2006/relationships" xmlns:p="http://schemas.openxmlformats.org/presentationml/2006/main">
+  <p:cSld>
+    <p:bg>
+      <p:bgPr>
+        <a:solidFill>
+          <a:schemeClr val="bg1">
+            <a:lumMod val="95000"/>
+          </a:schemeClr>
+        </a:solidFill>
+        <a:effectLst/>
+      </p:bgPr>
+    </p:bg>
+    <p:spTree>
+      <p:nvGrpSpPr>
+        <p:cNvPr id="1" name=""/>
+        <p:cNvGrpSpPr/>
+        <p:nvPr/>
+      </p:nvGrpSpPr>
+      <p:grpSpPr>
+        <a:xfrm>
+          <a:off x="0" y="0"/>
+          <a:ext cx="0" cy="0"/>
+          <a:chOff x="0" y="0"/>
+          <a:chExt cx="0" cy="0"/>
+        </a:xfrm>
+      </p:grpSpPr>
+      <p:sp>
+        <p:nvSpPr>
+          <p:cNvPr id="2" name="Title 1"/>
+          <p:cNvSpPr>
+            <a:spLocks noGrp="1"/>
+          </p:cNvSpPr>
+          <p:nvPr>
+            <p:ph type="title"/>
+          </p:nvPr>
+        </p:nvSpPr>
+        <p:spPr>
+          <a:xfrm>
+            <a:off x="0" y="0"/>
+            <a:ext cx="12192000" cy="935915"/>
+          </a:xfrm>
+          <a:solidFill>
+            <a:schemeClr val="tx1"/>
+          </a:solidFill>
+        </p:spPr>
+        <p:txBody>
+          <a:bodyPr/>
+          <a:lstStyle/>
+          <a:p>
+            <a:pPr algn="ctr"/>
+            <a:r>
+              <a:rPr lang="en-US" b="1" dirty="0">
+                <a:solidFill>
+                  <a:schemeClr val="bg1"/>
+                </a:solidFill>
+              </a:rPr>
+              <a:t>One dimensional data</a:t>
+            </a:r>
+          </a:p>
+        </p:txBody>
+      </p:sp>
+      <p:pic>
+        <p:nvPicPr>
+          <p:cNvPr id="7" name="Picture 6"/>
+          <p:cNvPicPr>
+            <a:picLocks noChangeAspect="1"/>
+          </p:cNvPicPr>
+          <p:nvPr/>
+        </p:nvPicPr>
+        <p:blipFill>
+          <a:blip r:embed="rId2">
+            <a:extLst>
+              <a:ext uri="{28A0092B-C50C-407E-A947-70E740481C1C}">
+                <a14:useLocalDpi xmlns:a14="http://schemas.microsoft.com/office/drawing/2010/main" val="0"/>
+              </a:ext>
+            </a:extLst>
+          </a:blip>
+          <a:stretch>
+            <a:fillRect/>
+          </a:stretch>
+        </p:blipFill>
+        <p:spPr>
+          <a:xfrm>
+            <a:off x="4829175" y="1220549"/>
+            <a:ext cx="5851927" cy="5094525"/>
+          </a:xfrm>
+          <a:prstGeom prst="rect">
+            <a:avLst/>
+          </a:prstGeom>
+        </p:spPr>
+      </p:pic>
+      <p:pic>
+        <p:nvPicPr>
+          <p:cNvPr id="8" name="Picture 7"/>
+          <p:cNvPicPr>
+            <a:picLocks noChangeAspect="1"/>
+          </p:cNvPicPr>
+          <p:nvPr/>
+        </p:nvPicPr>
+        <p:blipFill>
+          <a:blip r:embed="rId3">
+            <a:extLst>
+              <a:ext uri="{28A0092B-C50C-407E-A947-70E740481C1C}">
+                <a14:useLocalDpi xmlns:a14="http://schemas.microsoft.com/office/drawing/2010/main" val="0"/>
+              </a:ext>
+            </a:extLst>
+          </a:blip>
+          <a:stretch>
+            <a:fillRect/>
+          </a:stretch>
+        </p:blipFill>
+        <p:spPr>
+          <a:xfrm>
+            <a:off x="1092081" y="1220549"/>
+            <a:ext cx="1500305" cy="4924664"/>
+          </a:xfrm>
+          <a:prstGeom prst="rect">
+            <a:avLst/>
+          </a:prstGeom>
+        </p:spPr>
+      </p:pic>
+    </p:spTree>
+    <p:extLst>
+      <p:ext uri="{BB962C8B-B14F-4D97-AF65-F5344CB8AC3E}">
+        <p14:creationId xmlns:p14="http://schemas.microsoft.com/office/powerpoint/2010/main" val="1902704987"/>
+      </p:ext>
+    </p:extLst>
+  </p:cSld>
+  <p:clrMapOvr>
+    <a:masterClrMapping/>
+  </p:clrMapOvr>
+</p:sld>
+</file>
+
+<file path=ppt/slides/slide9.xml><?xml version="1.0" encoding="utf-8"?>
+<p:sld xmlns:a="http://schemas.openxmlformats.org/drawingml/2006/main" xmlns:r="http://schemas.openxmlformats.org/officeDocument/2006/relationships" xmlns:p="http://schemas.openxmlformats.org/presentationml/2006/main">
+  <p:cSld>
+    <p:bg>
+      <p:bgPr>
+        <a:solidFill>
+          <a:schemeClr val="bg1">
+            <a:lumMod val="95000"/>
+          </a:schemeClr>
+        </a:solidFill>
+        <a:effectLst/>
+      </p:bgPr>
+    </p:bg>
+    <p:spTree>
+      <p:nvGrpSpPr>
+        <p:cNvPr id="1" name=""/>
+        <p:cNvGrpSpPr/>
+        <p:nvPr/>
+      </p:nvGrpSpPr>
+      <p:grpSpPr>
+        <a:xfrm>
+          <a:off x="0" y="0"/>
+          <a:ext cx="0" cy="0"/>
+          <a:chOff x="0" y="0"/>
+          <a:chExt cx="0" cy="0"/>
+        </a:xfrm>
+      </p:grpSpPr>
+      <p:sp>
+        <p:nvSpPr>
+          <p:cNvPr id="2" name="Title 1"/>
+          <p:cNvSpPr>
+            <a:spLocks noGrp="1"/>
+          </p:cNvSpPr>
+          <p:nvPr>
+            <p:ph type="title"/>
+          </p:nvPr>
+        </p:nvSpPr>
+        <p:spPr>
+          <a:xfrm>
+            <a:off x="0" y="0"/>
+            <a:ext cx="12192000" cy="935915"/>
+          </a:xfrm>
+          <a:solidFill>
+            <a:schemeClr val="tx1"/>
+          </a:solidFill>
+        </p:spPr>
+        <p:txBody>
+          <a:bodyPr/>
+          <a:lstStyle/>
+          <a:p>
+            <a:pPr algn="ctr"/>
+            <a:r>
+              <a:rPr lang="en-US" b="1" dirty="0">
+                <a:solidFill>
+                  <a:schemeClr val="bg1"/>
+                </a:solidFill>
+              </a:rPr>
+              <a:t>Two-dimensional data</a:t>
+            </a:r>
+          </a:p>
+        </p:txBody>
+      </p:sp>
+      <p:pic>
+        <p:nvPicPr>
+          <p:cNvPr id="7" name="Picture 6"/>
+          <p:cNvPicPr>
+            <a:picLocks noChangeAspect="1"/>
+          </p:cNvPicPr>
+          <p:nvPr/>
+        </p:nvPicPr>
+        <p:blipFill>
+          <a:blip r:embed="rId2">
+            <a:extLst>
+              <a:ext uri="{28A0092B-C50C-407E-A947-70E740481C1C}">
+                <a14:useLocalDpi xmlns:a14="http://schemas.microsoft.com/office/drawing/2010/main" val="0"/>
+              </a:ext>
+            </a:extLst>
+          </a:blip>
+          <a:stretch>
+            <a:fillRect/>
+          </a:stretch>
+        </p:blipFill>
+        <p:spPr>
+          <a:xfrm>
+            <a:off x="966788" y="1254125"/>
+            <a:ext cx="2501900" cy="5118100"/>
+          </a:xfrm>
+          <a:prstGeom prst="rect">
+            <a:avLst/>
+          </a:prstGeom>
+        </p:spPr>
+      </p:pic>
+      <p:pic>
+        <p:nvPicPr>
+          <p:cNvPr id="8" name="Picture 7"/>
+          <p:cNvPicPr>
+            <a:picLocks noChangeAspect="1"/>
+          </p:cNvPicPr>
+          <p:nvPr/>
+        </p:nvPicPr>
+        <p:blipFill>
+          <a:blip r:embed="rId3">
+            <a:extLst>
+              <a:ext uri="{28A0092B-C50C-407E-A947-70E740481C1C}">
+                <a14:useLocalDpi xmlns:a14="http://schemas.microsoft.com/office/drawing/2010/main" val="0"/>
+              </a:ext>
+            </a:extLst>
+          </a:blip>
+          <a:stretch>
+            <a:fillRect/>
+          </a:stretch>
+        </p:blipFill>
+        <p:spPr>
+          <a:xfrm>
+            <a:off x="5229226" y="1243037"/>
+            <a:ext cx="5816768" cy="5129188"/>
+          </a:xfrm>
+          <a:prstGeom prst="rect">
+            <a:avLst/>
+          </a:prstGeom>
+        </p:spPr>
+      </p:pic>
+    </p:spTree>
+    <p:extLst>
+      <p:ext uri="{BB962C8B-B14F-4D97-AF65-F5344CB8AC3E}">
+        <p14:creationId xmlns:p14="http://schemas.microsoft.com/office/powerpoint/2010/main" val="755446493"/>
+      </p:ext>
+    </p:extLst>
+  </p:cSld>
+  <p:clrMapOvr>
+    <a:masterClrMapping/>
+  </p:clrMapOvr>
+</p:sld>
+</file>
+
 <file path=ppt/theme/theme1.xml><?xml version="1.0" encoding="utf-8"?>
 <a:theme xmlns:a="http://schemas.openxmlformats.org/drawingml/2006/main" name="Office Theme">
   <a:themeElements>
